--- a/Presentacion Final CHUAMANI.pptx
+++ b/Presentacion Final CHUAMANI.pptx
@@ -16,6 +16,7 @@
     <p:sldId id="266" r:id="rId10"/>
     <p:sldId id="268" r:id="rId11"/>
     <p:sldId id="267" r:id="rId12"/>
+    <p:sldId id="269" r:id="rId13"/>
   </p:sldIdLst>
   <p:sldSz cx="12192000" cy="6858000"/>
   <p:notesSz cx="6858000" cy="9144000"/>
@@ -269,7 +270,7 @@
           <a:p>
             <a:fld id="{896076AE-A1C9-4628-B433-E38A717D387C}" type="datetimeFigureOut">
               <a:rPr lang="es-ES" smtClean="0"/>
-              <a:t>10/09/2022</a:t>
+              <a:t>11/09/2022</a:t>
             </a:fld>
             <a:endParaRPr lang="es-ES"/>
           </a:p>
@@ -467,7 +468,7 @@
           <a:p>
             <a:fld id="{896076AE-A1C9-4628-B433-E38A717D387C}" type="datetimeFigureOut">
               <a:rPr lang="es-ES" smtClean="0"/>
-              <a:t>10/09/2022</a:t>
+              <a:t>11/09/2022</a:t>
             </a:fld>
             <a:endParaRPr lang="es-ES"/>
           </a:p>
@@ -675,7 +676,7 @@
           <a:p>
             <a:fld id="{896076AE-A1C9-4628-B433-E38A717D387C}" type="datetimeFigureOut">
               <a:rPr lang="es-ES" smtClean="0"/>
-              <a:t>10/09/2022</a:t>
+              <a:t>11/09/2022</a:t>
             </a:fld>
             <a:endParaRPr lang="es-ES"/>
           </a:p>
@@ -873,7 +874,7 @@
           <a:p>
             <a:fld id="{896076AE-A1C9-4628-B433-E38A717D387C}" type="datetimeFigureOut">
               <a:rPr lang="es-ES" smtClean="0"/>
-              <a:t>10/09/2022</a:t>
+              <a:t>11/09/2022</a:t>
             </a:fld>
             <a:endParaRPr lang="es-ES"/>
           </a:p>
@@ -1148,7 +1149,7 @@
           <a:p>
             <a:fld id="{896076AE-A1C9-4628-B433-E38A717D387C}" type="datetimeFigureOut">
               <a:rPr lang="es-ES" smtClean="0"/>
-              <a:t>10/09/2022</a:t>
+              <a:t>11/09/2022</a:t>
             </a:fld>
             <a:endParaRPr lang="es-ES"/>
           </a:p>
@@ -1413,7 +1414,7 @@
           <a:p>
             <a:fld id="{896076AE-A1C9-4628-B433-E38A717D387C}" type="datetimeFigureOut">
               <a:rPr lang="es-ES" smtClean="0"/>
-              <a:t>10/09/2022</a:t>
+              <a:t>11/09/2022</a:t>
             </a:fld>
             <a:endParaRPr lang="es-ES"/>
           </a:p>
@@ -1825,7 +1826,7 @@
           <a:p>
             <a:fld id="{896076AE-A1C9-4628-B433-E38A717D387C}" type="datetimeFigureOut">
               <a:rPr lang="es-ES" smtClean="0"/>
-              <a:t>10/09/2022</a:t>
+              <a:t>11/09/2022</a:t>
             </a:fld>
             <a:endParaRPr lang="es-ES"/>
           </a:p>
@@ -1966,7 +1967,7 @@
           <a:p>
             <a:fld id="{896076AE-A1C9-4628-B433-E38A717D387C}" type="datetimeFigureOut">
               <a:rPr lang="es-ES" smtClean="0"/>
-              <a:t>10/09/2022</a:t>
+              <a:t>11/09/2022</a:t>
             </a:fld>
             <a:endParaRPr lang="es-ES"/>
           </a:p>
@@ -2079,7 +2080,7 @@
           <a:p>
             <a:fld id="{896076AE-A1C9-4628-B433-E38A717D387C}" type="datetimeFigureOut">
               <a:rPr lang="es-ES" smtClean="0"/>
-              <a:t>10/09/2022</a:t>
+              <a:t>11/09/2022</a:t>
             </a:fld>
             <a:endParaRPr lang="es-ES"/>
           </a:p>
@@ -2390,7 +2391,7 @@
           <a:p>
             <a:fld id="{896076AE-A1C9-4628-B433-E38A717D387C}" type="datetimeFigureOut">
               <a:rPr lang="es-ES" smtClean="0"/>
-              <a:t>10/09/2022</a:t>
+              <a:t>11/09/2022</a:t>
             </a:fld>
             <a:endParaRPr lang="es-ES"/>
           </a:p>
@@ -2678,7 +2679,7 @@
           <a:p>
             <a:fld id="{896076AE-A1C9-4628-B433-E38A717D387C}" type="datetimeFigureOut">
               <a:rPr lang="es-ES" smtClean="0"/>
-              <a:t>10/09/2022</a:t>
+              <a:t>11/09/2022</a:t>
             </a:fld>
             <a:endParaRPr lang="es-ES"/>
           </a:p>
@@ -2922,7 +2923,7 @@
           <a:p>
             <a:fld id="{896076AE-A1C9-4628-B433-E38A717D387C}" type="datetimeFigureOut">
               <a:rPr lang="es-ES" smtClean="0"/>
-              <a:t>10/09/2022</a:t>
+              <a:t>11/09/2022</a:t>
             </a:fld>
             <a:endParaRPr lang="es-ES"/>
           </a:p>
@@ -3551,6 +3552,36 @@
 </p:sld>
 </file>
 
+<file path=ppt/slides/slide12.xml><?xml version="1.0" encoding="utf-8"?>
+<p:sld xmlns:a="http://schemas.openxmlformats.org/drawingml/2006/main" xmlns:r="http://schemas.openxmlformats.org/officeDocument/2006/relationships" xmlns:p="http://schemas.openxmlformats.org/presentationml/2006/main">
+  <p:cSld>
+    <p:spTree>
+      <p:nvGrpSpPr>
+        <p:cNvPr id="1" name=""/>
+        <p:cNvGrpSpPr/>
+        <p:nvPr/>
+      </p:nvGrpSpPr>
+      <p:grpSpPr>
+        <a:xfrm>
+          <a:off x="0" y="0"/>
+          <a:ext cx="0" cy="0"/>
+          <a:chOff x="0" y="0"/>
+          <a:chExt cx="0" cy="0"/>
+        </a:xfrm>
+      </p:grpSpPr>
+    </p:spTree>
+    <p:extLst>
+      <p:ext uri="{BB962C8B-B14F-4D97-AF65-F5344CB8AC3E}">
+        <p14:creationId xmlns:p14="http://schemas.microsoft.com/office/powerpoint/2010/main" val="3973345579"/>
+      </p:ext>
+    </p:extLst>
+  </p:cSld>
+  <p:clrMapOvr>
+    <a:masterClrMapping/>
+  </p:clrMapOvr>
+</p:sld>
+</file>
+
 <file path=ppt/slides/slide2.xml><?xml version="1.0" encoding="utf-8"?>
 <p:sld xmlns:a="http://schemas.openxmlformats.org/drawingml/2006/main" xmlns:r="http://schemas.openxmlformats.org/officeDocument/2006/relationships" xmlns:p="http://schemas.openxmlformats.org/presentationml/2006/main">
   <p:cSld>
@@ -4134,6 +4165,139 @@
           <a:chExt cx="0" cy="0"/>
         </a:xfrm>
       </p:grpSpPr>
+      <p:pic>
+        <p:nvPicPr>
+          <p:cNvPr id="3" name="Imagen 2">
+            <a:extLst>
+              <a:ext uri="{FF2B5EF4-FFF2-40B4-BE49-F238E27FC236}">
+                <a16:creationId xmlns:a16="http://schemas.microsoft.com/office/drawing/2014/main" id="{E853C997-02C1-5E4E-342C-DE837BBAD52D}"/>
+              </a:ext>
+            </a:extLst>
+          </p:cNvPr>
+          <p:cNvPicPr>
+            <a:picLocks noChangeAspect="1"/>
+          </p:cNvPicPr>
+          <p:nvPr/>
+        </p:nvPicPr>
+        <p:blipFill>
+          <a:blip r:embed="rId2"/>
+          <a:stretch>
+            <a:fillRect/>
+          </a:stretch>
+        </p:blipFill>
+        <p:spPr>
+          <a:xfrm>
+            <a:off x="120263" y="246184"/>
+            <a:ext cx="9442736" cy="6131170"/>
+          </a:xfrm>
+          <a:prstGeom prst="rect">
+            <a:avLst/>
+          </a:prstGeom>
+        </p:spPr>
+      </p:pic>
+      <p:sp>
+        <p:nvSpPr>
+          <p:cNvPr id="5" name="CuadroTexto 4">
+            <a:extLst>
+              <a:ext uri="{FF2B5EF4-FFF2-40B4-BE49-F238E27FC236}">
+                <a16:creationId xmlns:a16="http://schemas.microsoft.com/office/drawing/2014/main" id="{39B76192-A125-4355-5DB1-09DB1F1ADD58}"/>
+              </a:ext>
+            </a:extLst>
+          </p:cNvPr>
+          <p:cNvSpPr txBox="1"/>
+          <p:nvPr/>
+        </p:nvSpPr>
+        <p:spPr>
+          <a:xfrm>
+            <a:off x="10471150" y="179048"/>
+            <a:ext cx="1720850" cy="369332"/>
+          </a:xfrm>
+          <a:prstGeom prst="rect">
+            <a:avLst/>
+          </a:prstGeom>
+          <a:noFill/>
+        </p:spPr>
+        <p:txBody>
+          <a:bodyPr wrap="square" rtlCol="0">
+            <a:spAutoFit/>
+          </a:bodyPr>
+          <a:lstStyle/>
+          <a:p>
+            <a:r>
+              <a:rPr lang="en-US" dirty="0">
+                <a:solidFill>
+                  <a:schemeClr val="bg1"/>
+                </a:solidFill>
+              </a:rPr>
+              <a:t>EJERCICO 04</a:t>
+            </a:r>
+            <a:endParaRPr lang="es-ES" dirty="0"/>
+          </a:p>
+        </p:txBody>
+      </p:sp>
+      <p:graphicFrame>
+        <p:nvGraphicFramePr>
+          <p:cNvPr id="6" name="Objeto 5">
+            <a:extLst>
+              <a:ext uri="{FF2B5EF4-FFF2-40B4-BE49-F238E27FC236}">
+                <a16:creationId xmlns:a16="http://schemas.microsoft.com/office/drawing/2014/main" id="{5330BAD0-4A21-45EE-3604-1715B9BAF248}"/>
+              </a:ext>
+            </a:extLst>
+          </p:cNvPr>
+          <p:cNvGraphicFramePr>
+            <a:graphicFrameLocks noChangeAspect="1"/>
+          </p:cNvGraphicFramePr>
+          <p:nvPr>
+            <p:extLst>
+              <p:ext uri="{D42A27DB-BD31-4B8C-83A1-F6EECF244321}">
+                <p14:modId xmlns:p14="http://schemas.microsoft.com/office/powerpoint/2010/main" val="2466098235"/>
+              </p:ext>
+            </p:extLst>
+          </p:nvPr>
+        </p:nvGraphicFramePr>
+        <p:xfrm>
+          <a:off x="10560783" y="548380"/>
+          <a:ext cx="1338263" cy="479425"/>
+        </p:xfrm>
+        <a:graphic>
+          <a:graphicData uri="http://schemas.openxmlformats.org/presentationml/2006/ole">
+            <mc:AlternateContent xmlns:mc="http://schemas.openxmlformats.org/markup-compatibility/2006">
+              <mc:Choice xmlns:v="urn:schemas-microsoft-com:vml" Requires="v">
+                <p:oleObj name="Objeto empaquetador del shell" showAsIcon="1" r:id="rId3" imgW="1338480" imgH="478800" progId="Package">
+                  <p:embed/>
+                </p:oleObj>
+              </mc:Choice>
+              <mc:Fallback>
+                <p:oleObj name="Objeto empaquetador del shell" showAsIcon="1" r:id="rId3" imgW="1338480" imgH="478800" progId="Package">
+                  <p:embed/>
+                  <p:pic>
+                    <p:nvPicPr>
+                      <p:cNvPr id="0" name=""/>
+                      <p:cNvPicPr/>
+                      <p:nvPr/>
+                    </p:nvPicPr>
+                    <p:blipFill>
+                      <a:blip r:embed="rId4"/>
+                      <a:stretch>
+                        <a:fillRect/>
+                      </a:stretch>
+                    </p:blipFill>
+                    <p:spPr>
+                      <a:xfrm>
+                        <a:off x="10560783" y="548380"/>
+                        <a:ext cx="1338263" cy="479425"/>
+                      </a:xfrm>
+                      <a:prstGeom prst="rect">
+                        <a:avLst/>
+                      </a:prstGeom>
+                    </p:spPr>
+                  </p:pic>
+                </p:oleObj>
+              </mc:Fallback>
+            </mc:AlternateContent>
+          </a:graphicData>
+        </a:graphic>
+      </p:graphicFrame>
     </p:spTree>
     <p:extLst>
       <p:ext uri="{BB962C8B-B14F-4D97-AF65-F5344CB8AC3E}">
@@ -4164,6 +4328,66 @@
           <a:chExt cx="0" cy="0"/>
         </a:xfrm>
       </p:grpSpPr>
+      <p:pic>
+        <p:nvPicPr>
+          <p:cNvPr id="3" name="Imagen 2">
+            <a:extLst>
+              <a:ext uri="{FF2B5EF4-FFF2-40B4-BE49-F238E27FC236}">
+                <a16:creationId xmlns:a16="http://schemas.microsoft.com/office/drawing/2014/main" id="{0473FF8F-00F6-2D67-2B04-34AFAAEE89CC}"/>
+              </a:ext>
+            </a:extLst>
+          </p:cNvPr>
+          <p:cNvPicPr>
+            <a:picLocks noChangeAspect="1"/>
+          </p:cNvPicPr>
+          <p:nvPr/>
+        </p:nvPicPr>
+        <p:blipFill>
+          <a:blip r:embed="rId2"/>
+          <a:stretch>
+            <a:fillRect/>
+          </a:stretch>
+        </p:blipFill>
+        <p:spPr>
+          <a:xfrm>
+            <a:off x="0" y="0"/>
+            <a:ext cx="7347497" cy="4267200"/>
+          </a:xfrm>
+          <a:prstGeom prst="rect">
+            <a:avLst/>
+          </a:prstGeom>
+        </p:spPr>
+      </p:pic>
+      <p:pic>
+        <p:nvPicPr>
+          <p:cNvPr id="7" name="Imagen 6">
+            <a:extLst>
+              <a:ext uri="{FF2B5EF4-FFF2-40B4-BE49-F238E27FC236}">
+                <a16:creationId xmlns:a16="http://schemas.microsoft.com/office/drawing/2014/main" id="{D87E94B9-4534-2B7D-5261-4224F96A8174}"/>
+              </a:ext>
+            </a:extLst>
+          </p:cNvPr>
+          <p:cNvPicPr>
+            <a:picLocks noChangeAspect="1"/>
+          </p:cNvPicPr>
+          <p:nvPr/>
+        </p:nvPicPr>
+        <p:blipFill>
+          <a:blip r:embed="rId3"/>
+          <a:stretch>
+            <a:fillRect/>
+          </a:stretch>
+        </p:blipFill>
+        <p:spPr>
+          <a:xfrm>
+            <a:off x="6096000" y="1789488"/>
+            <a:ext cx="6079242" cy="2200498"/>
+          </a:xfrm>
+          <a:prstGeom prst="rect">
+            <a:avLst/>
+          </a:prstGeom>
+        </p:spPr>
+      </p:pic>
     </p:spTree>
     <p:extLst>
       <p:ext uri="{BB962C8B-B14F-4D97-AF65-F5344CB8AC3E}">

--- a/Presentacion Final CHUAMANI.pptx
+++ b/Presentacion Final CHUAMANI.pptx
@@ -3509,6 +3509,227 @@
           <a:chExt cx="0" cy="0"/>
         </a:xfrm>
       </p:grpSpPr>
+      <p:pic>
+        <p:nvPicPr>
+          <p:cNvPr id="11" name="Imagen 10">
+            <a:extLst>
+              <a:ext uri="{FF2B5EF4-FFF2-40B4-BE49-F238E27FC236}">
+                <a16:creationId xmlns:a16="http://schemas.microsoft.com/office/drawing/2014/main" id="{D2351D7B-F933-05AC-0FF3-EC976DDC1AB1}"/>
+              </a:ext>
+            </a:extLst>
+          </p:cNvPr>
+          <p:cNvPicPr>
+            <a:picLocks noChangeAspect="1"/>
+          </p:cNvPicPr>
+          <p:nvPr/>
+        </p:nvPicPr>
+        <p:blipFill>
+          <a:blip r:embed="rId2"/>
+          <a:stretch>
+            <a:fillRect/>
+          </a:stretch>
+        </p:blipFill>
+        <p:spPr>
+          <a:xfrm>
+            <a:off x="0" y="98107"/>
+            <a:ext cx="7943850" cy="1419225"/>
+          </a:xfrm>
+          <a:prstGeom prst="rect">
+            <a:avLst/>
+          </a:prstGeom>
+        </p:spPr>
+      </p:pic>
+      <p:pic>
+        <p:nvPicPr>
+          <p:cNvPr id="13" name="Imagen 12">
+            <a:extLst>
+              <a:ext uri="{FF2B5EF4-FFF2-40B4-BE49-F238E27FC236}">
+                <a16:creationId xmlns:a16="http://schemas.microsoft.com/office/drawing/2014/main" id="{3002E0A5-42BC-1576-F7F5-21284C90EF80}"/>
+              </a:ext>
+            </a:extLst>
+          </p:cNvPr>
+          <p:cNvPicPr>
+            <a:picLocks noChangeAspect="1"/>
+          </p:cNvPicPr>
+          <p:nvPr/>
+        </p:nvPicPr>
+        <p:blipFill>
+          <a:blip r:embed="rId3"/>
+          <a:stretch>
+            <a:fillRect/>
+          </a:stretch>
+        </p:blipFill>
+        <p:spPr>
+          <a:xfrm>
+            <a:off x="0" y="1517332"/>
+            <a:ext cx="5438775" cy="571500"/>
+          </a:xfrm>
+          <a:prstGeom prst="rect">
+            <a:avLst/>
+          </a:prstGeom>
+        </p:spPr>
+      </p:pic>
+      <p:pic>
+        <p:nvPicPr>
+          <p:cNvPr id="15" name="Imagen 14">
+            <a:extLst>
+              <a:ext uri="{FF2B5EF4-FFF2-40B4-BE49-F238E27FC236}">
+                <a16:creationId xmlns:a16="http://schemas.microsoft.com/office/drawing/2014/main" id="{1EE3F8C4-D8F3-5C44-D812-9481FE7C85CA}"/>
+              </a:ext>
+            </a:extLst>
+          </p:cNvPr>
+          <p:cNvPicPr>
+            <a:picLocks noChangeAspect="1"/>
+          </p:cNvPicPr>
+          <p:nvPr/>
+        </p:nvPicPr>
+        <p:blipFill rotWithShape="1">
+          <a:blip r:embed="rId4"/>
+          <a:srcRect b="50248"/>
+          <a:stretch/>
+        </p:blipFill>
+        <p:spPr>
+          <a:xfrm>
+            <a:off x="0" y="1905758"/>
+            <a:ext cx="10821162" cy="2288290"/>
+          </a:xfrm>
+          <a:prstGeom prst="rect">
+            <a:avLst/>
+          </a:prstGeom>
+        </p:spPr>
+      </p:pic>
+      <p:pic>
+        <p:nvPicPr>
+          <p:cNvPr id="17" name="Imagen 16">
+            <a:extLst>
+              <a:ext uri="{FF2B5EF4-FFF2-40B4-BE49-F238E27FC236}">
+                <a16:creationId xmlns:a16="http://schemas.microsoft.com/office/drawing/2014/main" id="{AA358648-0286-8713-1792-06ADD730B222}"/>
+              </a:ext>
+            </a:extLst>
+          </p:cNvPr>
+          <p:cNvPicPr>
+            <a:picLocks noChangeAspect="1"/>
+          </p:cNvPicPr>
+          <p:nvPr/>
+        </p:nvPicPr>
+        <p:blipFill rotWithShape="1">
+          <a:blip r:embed="rId4"/>
+          <a:srcRect t="65126"/>
+          <a:stretch/>
+        </p:blipFill>
+        <p:spPr>
+          <a:xfrm>
+            <a:off x="0" y="4338476"/>
+            <a:ext cx="10821162" cy="1604014"/>
+          </a:xfrm>
+          <a:prstGeom prst="rect">
+            <a:avLst/>
+          </a:prstGeom>
+        </p:spPr>
+      </p:pic>
+      <p:sp>
+        <p:nvSpPr>
+          <p:cNvPr id="19" name="CuadroTexto 18">
+            <a:extLst>
+              <a:ext uri="{FF2B5EF4-FFF2-40B4-BE49-F238E27FC236}">
+                <a16:creationId xmlns:a16="http://schemas.microsoft.com/office/drawing/2014/main" id="{8A64201D-DD87-FEFB-1430-2A97F9024E04}"/>
+              </a:ext>
+            </a:extLst>
+          </p:cNvPr>
+          <p:cNvSpPr txBox="1"/>
+          <p:nvPr/>
+        </p:nvSpPr>
+        <p:spPr>
+          <a:xfrm>
+            <a:off x="10471150" y="179048"/>
+            <a:ext cx="1720850" cy="369332"/>
+          </a:xfrm>
+          <a:prstGeom prst="rect">
+            <a:avLst/>
+          </a:prstGeom>
+          <a:noFill/>
+        </p:spPr>
+        <p:txBody>
+          <a:bodyPr wrap="square" rtlCol="0">
+            <a:spAutoFit/>
+          </a:bodyPr>
+          <a:lstStyle/>
+          <a:p>
+            <a:r>
+              <a:rPr lang="en-US" dirty="0">
+                <a:solidFill>
+                  <a:schemeClr val="bg1"/>
+                </a:solidFill>
+              </a:rPr>
+              <a:t>EJERCICO 05</a:t>
+            </a:r>
+            <a:endParaRPr lang="es-ES" dirty="0"/>
+          </a:p>
+        </p:txBody>
+      </p:sp>
+      <p:graphicFrame>
+        <p:nvGraphicFramePr>
+          <p:cNvPr id="20" name="Objeto 19">
+            <a:extLst>
+              <a:ext uri="{FF2B5EF4-FFF2-40B4-BE49-F238E27FC236}">
+                <a16:creationId xmlns:a16="http://schemas.microsoft.com/office/drawing/2014/main" id="{6F0C8F52-9BD2-21BC-C337-B9814CA7E6E8}"/>
+              </a:ext>
+            </a:extLst>
+          </p:cNvPr>
+          <p:cNvGraphicFramePr>
+            <a:graphicFrameLocks noChangeAspect="1"/>
+          </p:cNvGraphicFramePr>
+          <p:nvPr>
+            <p:extLst>
+              <p:ext uri="{D42A27DB-BD31-4B8C-83A1-F6EECF244321}">
+                <p14:modId xmlns:p14="http://schemas.microsoft.com/office/powerpoint/2010/main" val="3780069378"/>
+              </p:ext>
+            </p:extLst>
+          </p:nvPr>
+        </p:nvGraphicFramePr>
+        <p:xfrm>
+          <a:off x="10471150" y="568006"/>
+          <a:ext cx="1338263" cy="479425"/>
+        </p:xfrm>
+        <a:graphic>
+          <a:graphicData uri="http://schemas.openxmlformats.org/presentationml/2006/ole">
+            <mc:AlternateContent xmlns:mc="http://schemas.openxmlformats.org/markup-compatibility/2006">
+              <mc:Choice xmlns:v="urn:schemas-microsoft-com:vml" Requires="v">
+                <p:oleObj name="Objeto empaquetador del shell" showAsIcon="1" r:id="rId5" imgW="1338480" imgH="478800" progId="Package">
+                  <p:embed/>
+                </p:oleObj>
+              </mc:Choice>
+              <mc:Fallback>
+                <p:oleObj name="Objeto empaquetador del shell" showAsIcon="1" r:id="rId5" imgW="1338480" imgH="478800" progId="Package">
+                  <p:embed/>
+                  <p:pic>
+                    <p:nvPicPr>
+                      <p:cNvPr id="0" name=""/>
+                      <p:cNvPicPr/>
+                      <p:nvPr/>
+                    </p:nvPicPr>
+                    <p:blipFill>
+                      <a:blip r:embed="rId6"/>
+                      <a:stretch>
+                        <a:fillRect/>
+                      </a:stretch>
+                    </p:blipFill>
+                    <p:spPr>
+                      <a:xfrm>
+                        <a:off x="10471150" y="568006"/>
+                        <a:ext cx="1338263" cy="479425"/>
+                      </a:xfrm>
+                      <a:prstGeom prst="rect">
+                        <a:avLst/>
+                      </a:prstGeom>
+                    </p:spPr>
+                  </p:pic>
+                </p:oleObj>
+              </mc:Fallback>
+            </mc:AlternateContent>
+          </a:graphicData>
+        </a:graphic>
+      </p:graphicFrame>
     </p:spTree>
     <p:extLst>
       <p:ext uri="{BB962C8B-B14F-4D97-AF65-F5344CB8AC3E}">

--- a/Presentacion Final CHUAMANI.pptx
+++ b/Presentacion Final CHUAMANI.pptx
@@ -270,7 +270,7 @@
           <a:p>
             <a:fld id="{896076AE-A1C9-4628-B433-E38A717D387C}" type="datetimeFigureOut">
               <a:rPr lang="es-ES" smtClean="0"/>
-              <a:t>11/09/2022</a:t>
+              <a:t>15/09/2022</a:t>
             </a:fld>
             <a:endParaRPr lang="es-ES"/>
           </a:p>
@@ -468,7 +468,7 @@
           <a:p>
             <a:fld id="{896076AE-A1C9-4628-B433-E38A717D387C}" type="datetimeFigureOut">
               <a:rPr lang="es-ES" smtClean="0"/>
-              <a:t>11/09/2022</a:t>
+              <a:t>15/09/2022</a:t>
             </a:fld>
             <a:endParaRPr lang="es-ES"/>
           </a:p>
@@ -676,7 +676,7 @@
           <a:p>
             <a:fld id="{896076AE-A1C9-4628-B433-E38A717D387C}" type="datetimeFigureOut">
               <a:rPr lang="es-ES" smtClean="0"/>
-              <a:t>11/09/2022</a:t>
+              <a:t>15/09/2022</a:t>
             </a:fld>
             <a:endParaRPr lang="es-ES"/>
           </a:p>
@@ -874,7 +874,7 @@
           <a:p>
             <a:fld id="{896076AE-A1C9-4628-B433-E38A717D387C}" type="datetimeFigureOut">
               <a:rPr lang="es-ES" smtClean="0"/>
-              <a:t>11/09/2022</a:t>
+              <a:t>15/09/2022</a:t>
             </a:fld>
             <a:endParaRPr lang="es-ES"/>
           </a:p>
@@ -1149,7 +1149,7 @@
           <a:p>
             <a:fld id="{896076AE-A1C9-4628-B433-E38A717D387C}" type="datetimeFigureOut">
               <a:rPr lang="es-ES" smtClean="0"/>
-              <a:t>11/09/2022</a:t>
+              <a:t>15/09/2022</a:t>
             </a:fld>
             <a:endParaRPr lang="es-ES"/>
           </a:p>
@@ -1414,7 +1414,7 @@
           <a:p>
             <a:fld id="{896076AE-A1C9-4628-B433-E38A717D387C}" type="datetimeFigureOut">
               <a:rPr lang="es-ES" smtClean="0"/>
-              <a:t>11/09/2022</a:t>
+              <a:t>15/09/2022</a:t>
             </a:fld>
             <a:endParaRPr lang="es-ES"/>
           </a:p>
@@ -1826,7 +1826,7 @@
           <a:p>
             <a:fld id="{896076AE-A1C9-4628-B433-E38A717D387C}" type="datetimeFigureOut">
               <a:rPr lang="es-ES" smtClean="0"/>
-              <a:t>11/09/2022</a:t>
+              <a:t>15/09/2022</a:t>
             </a:fld>
             <a:endParaRPr lang="es-ES"/>
           </a:p>
@@ -1967,7 +1967,7 @@
           <a:p>
             <a:fld id="{896076AE-A1C9-4628-B433-E38A717D387C}" type="datetimeFigureOut">
               <a:rPr lang="es-ES" smtClean="0"/>
-              <a:t>11/09/2022</a:t>
+              <a:t>15/09/2022</a:t>
             </a:fld>
             <a:endParaRPr lang="es-ES"/>
           </a:p>
@@ -2080,7 +2080,7 @@
           <a:p>
             <a:fld id="{896076AE-A1C9-4628-B433-E38A717D387C}" type="datetimeFigureOut">
               <a:rPr lang="es-ES" smtClean="0"/>
-              <a:t>11/09/2022</a:t>
+              <a:t>15/09/2022</a:t>
             </a:fld>
             <a:endParaRPr lang="es-ES"/>
           </a:p>
@@ -2391,7 +2391,7 @@
           <a:p>
             <a:fld id="{896076AE-A1C9-4628-B433-E38A717D387C}" type="datetimeFigureOut">
               <a:rPr lang="es-ES" smtClean="0"/>
-              <a:t>11/09/2022</a:t>
+              <a:t>15/09/2022</a:t>
             </a:fld>
             <a:endParaRPr lang="es-ES"/>
           </a:p>
@@ -2679,7 +2679,7 @@
           <a:p>
             <a:fld id="{896076AE-A1C9-4628-B433-E38A717D387C}" type="datetimeFigureOut">
               <a:rPr lang="es-ES" smtClean="0"/>
-              <a:t>11/09/2022</a:t>
+              <a:t>15/09/2022</a:t>
             </a:fld>
             <a:endParaRPr lang="es-ES"/>
           </a:p>
@@ -2923,7 +2923,7 @@
           <a:p>
             <a:fld id="{896076AE-A1C9-4628-B433-E38A717D387C}" type="datetimeFigureOut">
               <a:rPr lang="es-ES" smtClean="0"/>
-              <a:t>11/09/2022</a:t>
+              <a:t>15/09/2022</a:t>
             </a:fld>
             <a:endParaRPr lang="es-ES"/>
           </a:p>
@@ -3760,6 +3760,139 @@
           <a:chExt cx="0" cy="0"/>
         </a:xfrm>
       </p:grpSpPr>
+      <p:pic>
+        <p:nvPicPr>
+          <p:cNvPr id="3" name="Imagen 2">
+            <a:extLst>
+              <a:ext uri="{FF2B5EF4-FFF2-40B4-BE49-F238E27FC236}">
+                <a16:creationId xmlns:a16="http://schemas.microsoft.com/office/drawing/2014/main" id="{9DFD7B40-AC7E-3A6C-45BC-B2B999E91ECC}"/>
+              </a:ext>
+            </a:extLst>
+          </p:cNvPr>
+          <p:cNvPicPr>
+            <a:picLocks noChangeAspect="1"/>
+          </p:cNvPicPr>
+          <p:nvPr/>
+        </p:nvPicPr>
+        <p:blipFill>
+          <a:blip r:embed="rId2"/>
+          <a:stretch>
+            <a:fillRect/>
+          </a:stretch>
+        </p:blipFill>
+        <p:spPr>
+          <a:xfrm>
+            <a:off x="198560" y="133350"/>
+            <a:ext cx="10458450" cy="6591300"/>
+          </a:xfrm>
+          <a:prstGeom prst="rect">
+            <a:avLst/>
+          </a:prstGeom>
+        </p:spPr>
+      </p:pic>
+      <p:sp>
+        <p:nvSpPr>
+          <p:cNvPr id="5" name="CuadroTexto 4">
+            <a:extLst>
+              <a:ext uri="{FF2B5EF4-FFF2-40B4-BE49-F238E27FC236}">
+                <a16:creationId xmlns:a16="http://schemas.microsoft.com/office/drawing/2014/main" id="{B6A53A4C-5AF5-75FB-649C-4557E6D11B2B}"/>
+              </a:ext>
+            </a:extLst>
+          </p:cNvPr>
+          <p:cNvSpPr txBox="1"/>
+          <p:nvPr/>
+        </p:nvSpPr>
+        <p:spPr>
+          <a:xfrm>
+            <a:off x="10471150" y="179048"/>
+            <a:ext cx="1720850" cy="369332"/>
+          </a:xfrm>
+          <a:prstGeom prst="rect">
+            <a:avLst/>
+          </a:prstGeom>
+          <a:noFill/>
+        </p:spPr>
+        <p:txBody>
+          <a:bodyPr wrap="square" rtlCol="0">
+            <a:spAutoFit/>
+          </a:bodyPr>
+          <a:lstStyle/>
+          <a:p>
+            <a:r>
+              <a:rPr lang="en-US" dirty="0">
+                <a:solidFill>
+                  <a:schemeClr val="bg1"/>
+                </a:solidFill>
+              </a:rPr>
+              <a:t>EJERCICO 06</a:t>
+            </a:r>
+            <a:endParaRPr lang="es-ES" dirty="0"/>
+          </a:p>
+        </p:txBody>
+      </p:sp>
+      <p:graphicFrame>
+        <p:nvGraphicFramePr>
+          <p:cNvPr id="6" name="Objeto 5">
+            <a:extLst>
+              <a:ext uri="{FF2B5EF4-FFF2-40B4-BE49-F238E27FC236}">
+                <a16:creationId xmlns:a16="http://schemas.microsoft.com/office/drawing/2014/main" id="{4CE95E48-AB72-4838-52E3-69CBBAD5E702}"/>
+              </a:ext>
+            </a:extLst>
+          </p:cNvPr>
+          <p:cNvGraphicFramePr>
+            <a:graphicFrameLocks noChangeAspect="1"/>
+          </p:cNvGraphicFramePr>
+          <p:nvPr>
+            <p:extLst>
+              <p:ext uri="{D42A27DB-BD31-4B8C-83A1-F6EECF244321}">
+                <p14:modId xmlns:p14="http://schemas.microsoft.com/office/powerpoint/2010/main" val="3273771371"/>
+              </p:ext>
+            </p:extLst>
+          </p:nvPr>
+        </p:nvGraphicFramePr>
+        <p:xfrm>
+          <a:off x="10572506" y="548380"/>
+          <a:ext cx="1338263" cy="479425"/>
+        </p:xfrm>
+        <a:graphic>
+          <a:graphicData uri="http://schemas.openxmlformats.org/presentationml/2006/ole">
+            <mc:AlternateContent xmlns:mc="http://schemas.openxmlformats.org/markup-compatibility/2006">
+              <mc:Choice xmlns:v="urn:schemas-microsoft-com:vml" Requires="v">
+                <p:oleObj name="Objeto empaquetador del shell" showAsIcon="1" r:id="rId3" imgW="1338480" imgH="478800" progId="Package">
+                  <p:embed/>
+                </p:oleObj>
+              </mc:Choice>
+              <mc:Fallback>
+                <p:oleObj name="Objeto empaquetador del shell" showAsIcon="1" r:id="rId3" imgW="1338480" imgH="478800" progId="Package">
+                  <p:embed/>
+                  <p:pic>
+                    <p:nvPicPr>
+                      <p:cNvPr id="0" name=""/>
+                      <p:cNvPicPr/>
+                      <p:nvPr/>
+                    </p:nvPicPr>
+                    <p:blipFill>
+                      <a:blip r:embed="rId4"/>
+                      <a:stretch>
+                        <a:fillRect/>
+                      </a:stretch>
+                    </p:blipFill>
+                    <p:spPr>
+                      <a:xfrm>
+                        <a:off x="10572506" y="548380"/>
+                        <a:ext cx="1338263" cy="479425"/>
+                      </a:xfrm>
+                      <a:prstGeom prst="rect">
+                        <a:avLst/>
+                      </a:prstGeom>
+                    </p:spPr>
+                  </p:pic>
+                </p:oleObj>
+              </mc:Fallback>
+            </mc:AlternateContent>
+          </a:graphicData>
+        </a:graphic>
+      </p:graphicFrame>
     </p:spTree>
     <p:extLst>
       <p:ext uri="{BB962C8B-B14F-4D97-AF65-F5344CB8AC3E}">

--- a/Presentacion Final CHUAMANI.pptx
+++ b/Presentacion Final CHUAMANI.pptx
@@ -17,6 +17,7 @@
     <p:sldId id="268" r:id="rId11"/>
     <p:sldId id="267" r:id="rId12"/>
     <p:sldId id="269" r:id="rId13"/>
+    <p:sldId id="270" r:id="rId14"/>
   </p:sldIdLst>
   <p:sldSz cx="12192000" cy="6858000"/>
   <p:notesSz cx="6858000" cy="9144000"/>
@@ -270,7 +271,7 @@
           <a:p>
             <a:fld id="{896076AE-A1C9-4628-B433-E38A717D387C}" type="datetimeFigureOut">
               <a:rPr lang="es-ES" smtClean="0"/>
-              <a:t>15/09/2022</a:t>
+              <a:t>16/09/2022</a:t>
             </a:fld>
             <a:endParaRPr lang="es-ES"/>
           </a:p>
@@ -468,7 +469,7 @@
           <a:p>
             <a:fld id="{896076AE-A1C9-4628-B433-E38A717D387C}" type="datetimeFigureOut">
               <a:rPr lang="es-ES" smtClean="0"/>
-              <a:t>15/09/2022</a:t>
+              <a:t>16/09/2022</a:t>
             </a:fld>
             <a:endParaRPr lang="es-ES"/>
           </a:p>
@@ -676,7 +677,7 @@
           <a:p>
             <a:fld id="{896076AE-A1C9-4628-B433-E38A717D387C}" type="datetimeFigureOut">
               <a:rPr lang="es-ES" smtClean="0"/>
-              <a:t>15/09/2022</a:t>
+              <a:t>16/09/2022</a:t>
             </a:fld>
             <a:endParaRPr lang="es-ES"/>
           </a:p>
@@ -874,7 +875,7 @@
           <a:p>
             <a:fld id="{896076AE-A1C9-4628-B433-E38A717D387C}" type="datetimeFigureOut">
               <a:rPr lang="es-ES" smtClean="0"/>
-              <a:t>15/09/2022</a:t>
+              <a:t>16/09/2022</a:t>
             </a:fld>
             <a:endParaRPr lang="es-ES"/>
           </a:p>
@@ -1149,7 +1150,7 @@
           <a:p>
             <a:fld id="{896076AE-A1C9-4628-B433-E38A717D387C}" type="datetimeFigureOut">
               <a:rPr lang="es-ES" smtClean="0"/>
-              <a:t>15/09/2022</a:t>
+              <a:t>16/09/2022</a:t>
             </a:fld>
             <a:endParaRPr lang="es-ES"/>
           </a:p>
@@ -1414,7 +1415,7 @@
           <a:p>
             <a:fld id="{896076AE-A1C9-4628-B433-E38A717D387C}" type="datetimeFigureOut">
               <a:rPr lang="es-ES" smtClean="0"/>
-              <a:t>15/09/2022</a:t>
+              <a:t>16/09/2022</a:t>
             </a:fld>
             <a:endParaRPr lang="es-ES"/>
           </a:p>
@@ -1826,7 +1827,7 @@
           <a:p>
             <a:fld id="{896076AE-A1C9-4628-B433-E38A717D387C}" type="datetimeFigureOut">
               <a:rPr lang="es-ES" smtClean="0"/>
-              <a:t>15/09/2022</a:t>
+              <a:t>16/09/2022</a:t>
             </a:fld>
             <a:endParaRPr lang="es-ES"/>
           </a:p>
@@ -1967,7 +1968,7 @@
           <a:p>
             <a:fld id="{896076AE-A1C9-4628-B433-E38A717D387C}" type="datetimeFigureOut">
               <a:rPr lang="es-ES" smtClean="0"/>
-              <a:t>15/09/2022</a:t>
+              <a:t>16/09/2022</a:t>
             </a:fld>
             <a:endParaRPr lang="es-ES"/>
           </a:p>
@@ -2080,7 +2081,7 @@
           <a:p>
             <a:fld id="{896076AE-A1C9-4628-B433-E38A717D387C}" type="datetimeFigureOut">
               <a:rPr lang="es-ES" smtClean="0"/>
-              <a:t>15/09/2022</a:t>
+              <a:t>16/09/2022</a:t>
             </a:fld>
             <a:endParaRPr lang="es-ES"/>
           </a:p>
@@ -2391,7 +2392,7 @@
           <a:p>
             <a:fld id="{896076AE-A1C9-4628-B433-E38A717D387C}" type="datetimeFigureOut">
               <a:rPr lang="es-ES" smtClean="0"/>
-              <a:t>15/09/2022</a:t>
+              <a:t>16/09/2022</a:t>
             </a:fld>
             <a:endParaRPr lang="es-ES"/>
           </a:p>
@@ -2679,7 +2680,7 @@
           <a:p>
             <a:fld id="{896076AE-A1C9-4628-B433-E38A717D387C}" type="datetimeFigureOut">
               <a:rPr lang="es-ES" smtClean="0"/>
-              <a:t>15/09/2022</a:t>
+              <a:t>16/09/2022</a:t>
             </a:fld>
             <a:endParaRPr lang="es-ES"/>
           </a:p>
@@ -2923,7 +2924,7 @@
           <a:p>
             <a:fld id="{896076AE-A1C9-4628-B433-E38A717D387C}" type="datetimeFigureOut">
               <a:rPr lang="es-ES" smtClean="0"/>
-              <a:t>15/09/2022</a:t>
+              <a:t>16/09/2022</a:t>
             </a:fld>
             <a:endParaRPr lang="es-ES"/>
           </a:p>
@@ -3923,10 +3924,140 @@
           <a:chExt cx="0" cy="0"/>
         </a:xfrm>
       </p:grpSpPr>
+      <p:sp>
+        <p:nvSpPr>
+          <p:cNvPr id="3" name="CuadroTexto 2">
+            <a:extLst>
+              <a:ext uri="{FF2B5EF4-FFF2-40B4-BE49-F238E27FC236}">
+                <a16:creationId xmlns:a16="http://schemas.microsoft.com/office/drawing/2014/main" id="{1C569FE9-5D0A-AD5F-31CC-12A30611A9B4}"/>
+              </a:ext>
+            </a:extLst>
+          </p:cNvPr>
+          <p:cNvSpPr txBox="1"/>
+          <p:nvPr/>
+        </p:nvSpPr>
+        <p:spPr>
+          <a:xfrm>
+            <a:off x="10471150" y="179048"/>
+            <a:ext cx="1720850" cy="369332"/>
+          </a:xfrm>
+          <a:prstGeom prst="rect">
+            <a:avLst/>
+          </a:prstGeom>
+          <a:noFill/>
+        </p:spPr>
+        <p:txBody>
+          <a:bodyPr wrap="square" rtlCol="0">
+            <a:spAutoFit/>
+          </a:bodyPr>
+          <a:lstStyle/>
+          <a:p>
+            <a:r>
+              <a:rPr lang="en-US" dirty="0">
+                <a:solidFill>
+                  <a:schemeClr val="bg1"/>
+                </a:solidFill>
+              </a:rPr>
+              <a:t>EJERCICO 07</a:t>
+            </a:r>
+            <a:endParaRPr lang="es-ES" dirty="0"/>
+          </a:p>
+        </p:txBody>
+      </p:sp>
+      <p:pic>
+        <p:nvPicPr>
+          <p:cNvPr id="5" name="Imagen 4">
+            <a:extLst>
+              <a:ext uri="{FF2B5EF4-FFF2-40B4-BE49-F238E27FC236}">
+                <a16:creationId xmlns:a16="http://schemas.microsoft.com/office/drawing/2014/main" id="{3B2639C2-797C-4678-5357-56B1996C0D14}"/>
+              </a:ext>
+            </a:extLst>
+          </p:cNvPr>
+          <p:cNvPicPr>
+            <a:picLocks noChangeAspect="1"/>
+          </p:cNvPicPr>
+          <p:nvPr/>
+        </p:nvPicPr>
+        <p:blipFill>
+          <a:blip r:embed="rId2"/>
+          <a:stretch>
+            <a:fillRect/>
+          </a:stretch>
+        </p:blipFill>
+        <p:spPr>
+          <a:xfrm>
+            <a:off x="102210" y="742950"/>
+            <a:ext cx="9572625" cy="2686050"/>
+          </a:xfrm>
+          <a:prstGeom prst="rect">
+            <a:avLst/>
+          </a:prstGeom>
+        </p:spPr>
+      </p:pic>
     </p:spTree>
     <p:extLst>
       <p:ext uri="{BB962C8B-B14F-4D97-AF65-F5344CB8AC3E}">
         <p14:creationId xmlns:p14="http://schemas.microsoft.com/office/powerpoint/2010/main" val="3973345579"/>
+      </p:ext>
+    </p:extLst>
+  </p:cSld>
+  <p:clrMapOvr>
+    <a:masterClrMapping/>
+  </p:clrMapOvr>
+</p:sld>
+</file>
+
+<file path=ppt/slides/slide13.xml><?xml version="1.0" encoding="utf-8"?>
+<p:sld xmlns:a="http://schemas.openxmlformats.org/drawingml/2006/main" xmlns:r="http://schemas.openxmlformats.org/officeDocument/2006/relationships" xmlns:p="http://schemas.openxmlformats.org/presentationml/2006/main">
+  <p:cSld>
+    <p:spTree>
+      <p:nvGrpSpPr>
+        <p:cNvPr id="1" name=""/>
+        <p:cNvGrpSpPr/>
+        <p:nvPr/>
+      </p:nvGrpSpPr>
+      <p:grpSpPr>
+        <a:xfrm>
+          <a:off x="0" y="0"/>
+          <a:ext cx="0" cy="0"/>
+          <a:chOff x="0" y="0"/>
+          <a:chExt cx="0" cy="0"/>
+        </a:xfrm>
+      </p:grpSpPr>
+      <p:pic>
+        <p:nvPicPr>
+          <p:cNvPr id="5" name="Imagen 4">
+            <a:extLst>
+              <a:ext uri="{FF2B5EF4-FFF2-40B4-BE49-F238E27FC236}">
+                <a16:creationId xmlns:a16="http://schemas.microsoft.com/office/drawing/2014/main" id="{05BD8852-9782-0EFA-4458-1C191B92FCFE}"/>
+              </a:ext>
+            </a:extLst>
+          </p:cNvPr>
+          <p:cNvPicPr>
+            <a:picLocks noChangeAspect="1"/>
+          </p:cNvPicPr>
+          <p:nvPr/>
+        </p:nvPicPr>
+        <p:blipFill>
+          <a:blip r:embed="rId2"/>
+          <a:stretch>
+            <a:fillRect/>
+          </a:stretch>
+        </p:blipFill>
+        <p:spPr>
+          <a:xfrm>
+            <a:off x="133716" y="76200"/>
+            <a:ext cx="10353675" cy="6705600"/>
+          </a:xfrm>
+          <a:prstGeom prst="rect">
+            <a:avLst/>
+          </a:prstGeom>
+        </p:spPr>
+      </p:pic>
+    </p:spTree>
+    <p:extLst>
+      <p:ext uri="{BB962C8B-B14F-4D97-AF65-F5344CB8AC3E}">
+        <p14:creationId xmlns:p14="http://schemas.microsoft.com/office/powerpoint/2010/main" val="2100148997"/>
       </p:ext>
     </p:extLst>
   </p:cSld>

--- a/Presentacion Final CHUAMANI.pptx
+++ b/Presentacion Final CHUAMANI.pptx
@@ -18,6 +18,9 @@
     <p:sldId id="267" r:id="rId12"/>
     <p:sldId id="269" r:id="rId13"/>
     <p:sldId id="270" r:id="rId14"/>
+    <p:sldId id="271" r:id="rId15"/>
+    <p:sldId id="272" r:id="rId16"/>
+    <p:sldId id="273" r:id="rId17"/>
   </p:sldIdLst>
   <p:sldSz cx="12192000" cy="6858000"/>
   <p:notesSz cx="6858000" cy="9144000"/>
@@ -3820,12 +3823,20 @@
           <a:lstStyle/>
           <a:p>
             <a:r>
+              <a:rPr lang="en-US" dirty="0" err="1">
+                <a:solidFill>
+                  <a:schemeClr val="bg1"/>
+                </a:solidFill>
+              </a:rPr>
+              <a:t>EJERCICiO</a:t>
+            </a:r>
+            <a:r>
               <a:rPr lang="en-US" dirty="0">
                 <a:solidFill>
                   <a:schemeClr val="bg1"/>
                 </a:solidFill>
               </a:rPr>
-              <a:t>EJERCICO 06</a:t>
+              <a:t> 06</a:t>
             </a:r>
             <a:endParaRPr lang="es-ES" dirty="0"/>
           </a:p>
@@ -3958,7 +3969,7 @@
                   <a:schemeClr val="bg1"/>
                 </a:solidFill>
               </a:rPr>
-              <a:t>EJERCICO 07</a:t>
+              <a:t>EJERCICIO 07</a:t>
             </a:r>
             <a:endParaRPr lang="es-ES" dirty="0"/>
           </a:p>
@@ -4058,6 +4069,361 @@
     <p:extLst>
       <p:ext uri="{BB962C8B-B14F-4D97-AF65-F5344CB8AC3E}">
         <p14:creationId xmlns:p14="http://schemas.microsoft.com/office/powerpoint/2010/main" val="2100148997"/>
+      </p:ext>
+    </p:extLst>
+  </p:cSld>
+  <p:clrMapOvr>
+    <a:masterClrMapping/>
+  </p:clrMapOvr>
+</p:sld>
+</file>
+
+<file path=ppt/slides/slide14.xml><?xml version="1.0" encoding="utf-8"?>
+<p:sld xmlns:a="http://schemas.openxmlformats.org/drawingml/2006/main" xmlns:r="http://schemas.openxmlformats.org/officeDocument/2006/relationships" xmlns:p="http://schemas.openxmlformats.org/presentationml/2006/main">
+  <p:cSld>
+    <p:spTree>
+      <p:nvGrpSpPr>
+        <p:cNvPr id="1" name=""/>
+        <p:cNvGrpSpPr/>
+        <p:nvPr/>
+      </p:nvGrpSpPr>
+      <p:grpSpPr>
+        <a:xfrm>
+          <a:off x="0" y="0"/>
+          <a:ext cx="0" cy="0"/>
+          <a:chOff x="0" y="0"/>
+          <a:chExt cx="0" cy="0"/>
+        </a:xfrm>
+      </p:grpSpPr>
+      <p:pic>
+        <p:nvPicPr>
+          <p:cNvPr id="5" name="Imagen 4">
+            <a:extLst>
+              <a:ext uri="{FF2B5EF4-FFF2-40B4-BE49-F238E27FC236}">
+                <a16:creationId xmlns:a16="http://schemas.microsoft.com/office/drawing/2014/main" id="{23B49093-87FF-AF31-75EE-E8D89CF4A769}"/>
+              </a:ext>
+            </a:extLst>
+          </p:cNvPr>
+          <p:cNvPicPr>
+            <a:picLocks noChangeAspect="1"/>
+          </p:cNvPicPr>
+          <p:nvPr/>
+        </p:nvPicPr>
+        <p:blipFill>
+          <a:blip r:embed="rId2"/>
+          <a:stretch>
+            <a:fillRect/>
+          </a:stretch>
+        </p:blipFill>
+        <p:spPr>
+          <a:xfrm>
+            <a:off x="461962" y="285750"/>
+            <a:ext cx="11268075" cy="6286500"/>
+          </a:xfrm>
+          <a:prstGeom prst="rect">
+            <a:avLst/>
+          </a:prstGeom>
+        </p:spPr>
+      </p:pic>
+      <p:sp>
+        <p:nvSpPr>
+          <p:cNvPr id="7" name="CuadroTexto 6">
+            <a:extLst>
+              <a:ext uri="{FF2B5EF4-FFF2-40B4-BE49-F238E27FC236}">
+                <a16:creationId xmlns:a16="http://schemas.microsoft.com/office/drawing/2014/main" id="{C0D98414-71D9-FDEC-16CF-EB2786A08FD8}"/>
+              </a:ext>
+            </a:extLst>
+          </p:cNvPr>
+          <p:cNvSpPr txBox="1"/>
+          <p:nvPr/>
+        </p:nvSpPr>
+        <p:spPr>
+          <a:xfrm>
+            <a:off x="10471150" y="179048"/>
+            <a:ext cx="1720850" cy="369332"/>
+          </a:xfrm>
+          <a:prstGeom prst="rect">
+            <a:avLst/>
+          </a:prstGeom>
+          <a:noFill/>
+        </p:spPr>
+        <p:txBody>
+          <a:bodyPr wrap="square" rtlCol="0">
+            <a:spAutoFit/>
+          </a:bodyPr>
+          <a:lstStyle/>
+          <a:p>
+            <a:r>
+              <a:rPr lang="en-US" dirty="0">
+                <a:solidFill>
+                  <a:schemeClr val="bg1"/>
+                </a:solidFill>
+              </a:rPr>
+              <a:t>EJERCICIO 08</a:t>
+            </a:r>
+            <a:endParaRPr lang="es-ES" dirty="0"/>
+          </a:p>
+        </p:txBody>
+      </p:sp>
+      <p:graphicFrame>
+        <p:nvGraphicFramePr>
+          <p:cNvPr id="2" name="Objeto 1">
+            <a:extLst>
+              <a:ext uri="{FF2B5EF4-FFF2-40B4-BE49-F238E27FC236}">
+                <a16:creationId xmlns:a16="http://schemas.microsoft.com/office/drawing/2014/main" id="{ACC47A82-642D-5761-5194-30FF09F7AE71}"/>
+              </a:ext>
+            </a:extLst>
+          </p:cNvPr>
+          <p:cNvGraphicFramePr>
+            <a:graphicFrameLocks noChangeAspect="1"/>
+          </p:cNvGraphicFramePr>
+          <p:nvPr>
+            <p:extLst>
+              <p:ext uri="{D42A27DB-BD31-4B8C-83A1-F6EECF244321}">
+                <p14:modId xmlns:p14="http://schemas.microsoft.com/office/powerpoint/2010/main" val="1411889613"/>
+              </p:ext>
+            </p:extLst>
+          </p:nvPr>
+        </p:nvGraphicFramePr>
+        <p:xfrm>
+          <a:off x="10662443" y="587945"/>
+          <a:ext cx="1338263" cy="479425"/>
+        </p:xfrm>
+        <a:graphic>
+          <a:graphicData uri="http://schemas.openxmlformats.org/presentationml/2006/ole">
+            <mc:AlternateContent xmlns:mc="http://schemas.openxmlformats.org/markup-compatibility/2006">
+              <mc:Choice xmlns:v="urn:schemas-microsoft-com:vml" Requires="v">
+                <p:oleObj name="Objeto empaquetador del shell" showAsIcon="1" r:id="rId3" imgW="1338480" imgH="478800" progId="Package">
+                  <p:embed/>
+                </p:oleObj>
+              </mc:Choice>
+              <mc:Fallback>
+                <p:oleObj name="Objeto empaquetador del shell" showAsIcon="1" r:id="rId3" imgW="1338480" imgH="478800" progId="Package">
+                  <p:embed/>
+                  <p:pic>
+                    <p:nvPicPr>
+                      <p:cNvPr id="0" name=""/>
+                      <p:cNvPicPr/>
+                      <p:nvPr/>
+                    </p:nvPicPr>
+                    <p:blipFill>
+                      <a:blip r:embed="rId4"/>
+                      <a:stretch>
+                        <a:fillRect/>
+                      </a:stretch>
+                    </p:blipFill>
+                    <p:spPr>
+                      <a:xfrm>
+                        <a:off x="10662443" y="587945"/>
+                        <a:ext cx="1338263" cy="479425"/>
+                      </a:xfrm>
+                      <a:prstGeom prst="rect">
+                        <a:avLst/>
+                      </a:prstGeom>
+                    </p:spPr>
+                  </p:pic>
+                </p:oleObj>
+              </mc:Fallback>
+            </mc:AlternateContent>
+          </a:graphicData>
+        </a:graphic>
+      </p:graphicFrame>
+    </p:spTree>
+    <p:extLst>
+      <p:ext uri="{BB962C8B-B14F-4D97-AF65-F5344CB8AC3E}">
+        <p14:creationId xmlns:p14="http://schemas.microsoft.com/office/powerpoint/2010/main" val="3132383608"/>
+      </p:ext>
+    </p:extLst>
+  </p:cSld>
+  <p:clrMapOvr>
+    <a:masterClrMapping/>
+  </p:clrMapOvr>
+</p:sld>
+</file>
+
+<file path=ppt/slides/slide15.xml><?xml version="1.0" encoding="utf-8"?>
+<p:sld xmlns:a="http://schemas.openxmlformats.org/drawingml/2006/main" xmlns:r="http://schemas.openxmlformats.org/officeDocument/2006/relationships" xmlns:p="http://schemas.openxmlformats.org/presentationml/2006/main">
+  <p:cSld>
+    <p:spTree>
+      <p:nvGrpSpPr>
+        <p:cNvPr id="1" name=""/>
+        <p:cNvGrpSpPr/>
+        <p:nvPr/>
+      </p:nvGrpSpPr>
+      <p:grpSpPr>
+        <a:xfrm>
+          <a:off x="0" y="0"/>
+          <a:ext cx="0" cy="0"/>
+          <a:chOff x="0" y="0"/>
+          <a:chExt cx="0" cy="0"/>
+        </a:xfrm>
+      </p:grpSpPr>
+      <p:sp>
+        <p:nvSpPr>
+          <p:cNvPr id="3" name="CuadroTexto 2">
+            <a:extLst>
+              <a:ext uri="{FF2B5EF4-FFF2-40B4-BE49-F238E27FC236}">
+                <a16:creationId xmlns:a16="http://schemas.microsoft.com/office/drawing/2014/main" id="{499DC5CB-1FFC-136B-E359-BC9D7756FC5A}"/>
+              </a:ext>
+            </a:extLst>
+          </p:cNvPr>
+          <p:cNvSpPr txBox="1"/>
+          <p:nvPr/>
+        </p:nvSpPr>
+        <p:spPr>
+          <a:xfrm>
+            <a:off x="10471150" y="179048"/>
+            <a:ext cx="1720850" cy="369332"/>
+          </a:xfrm>
+          <a:prstGeom prst="rect">
+            <a:avLst/>
+          </a:prstGeom>
+          <a:noFill/>
+        </p:spPr>
+        <p:txBody>
+          <a:bodyPr wrap="square" rtlCol="0">
+            <a:spAutoFit/>
+          </a:bodyPr>
+          <a:lstStyle/>
+          <a:p>
+            <a:r>
+              <a:rPr lang="en-US" dirty="0">
+                <a:solidFill>
+                  <a:schemeClr val="bg1"/>
+                </a:solidFill>
+              </a:rPr>
+              <a:t>EJERCICIO 09</a:t>
+            </a:r>
+            <a:endParaRPr lang="es-ES" dirty="0"/>
+          </a:p>
+        </p:txBody>
+      </p:sp>
+      <p:pic>
+        <p:nvPicPr>
+          <p:cNvPr id="5" name="Imagen 4">
+            <a:extLst>
+              <a:ext uri="{FF2B5EF4-FFF2-40B4-BE49-F238E27FC236}">
+                <a16:creationId xmlns:a16="http://schemas.microsoft.com/office/drawing/2014/main" id="{1949FC7A-0023-6869-4EDC-4D3B49E22137}"/>
+              </a:ext>
+            </a:extLst>
+          </p:cNvPr>
+          <p:cNvPicPr>
+            <a:picLocks noChangeAspect="1"/>
+          </p:cNvPicPr>
+          <p:nvPr/>
+        </p:nvPicPr>
+        <p:blipFill rotWithShape="1">
+          <a:blip r:embed="rId2"/>
+          <a:srcRect l="634"/>
+          <a:stretch/>
+        </p:blipFill>
+        <p:spPr>
+          <a:xfrm>
+            <a:off x="339968" y="456175"/>
+            <a:ext cx="9179169" cy="5758082"/>
+          </a:xfrm>
+          <a:prstGeom prst="rect">
+            <a:avLst/>
+          </a:prstGeom>
+        </p:spPr>
+      </p:pic>
+      <p:graphicFrame>
+        <p:nvGraphicFramePr>
+          <p:cNvPr id="6" name="Objeto 5">
+            <a:extLst>
+              <a:ext uri="{FF2B5EF4-FFF2-40B4-BE49-F238E27FC236}">
+                <a16:creationId xmlns:a16="http://schemas.microsoft.com/office/drawing/2014/main" id="{7398B010-EB45-B175-C21C-60C8F951653C}"/>
+              </a:ext>
+            </a:extLst>
+          </p:cNvPr>
+          <p:cNvGraphicFramePr>
+            <a:graphicFrameLocks noChangeAspect="1"/>
+          </p:cNvGraphicFramePr>
+          <p:nvPr>
+            <p:extLst>
+              <p:ext uri="{D42A27DB-BD31-4B8C-83A1-F6EECF244321}">
+                <p14:modId xmlns:p14="http://schemas.microsoft.com/office/powerpoint/2010/main" val="2489048531"/>
+              </p:ext>
+            </p:extLst>
+          </p:nvPr>
+        </p:nvGraphicFramePr>
+        <p:xfrm>
+          <a:off x="10513769" y="548380"/>
+          <a:ext cx="1338263" cy="479425"/>
+        </p:xfrm>
+        <a:graphic>
+          <a:graphicData uri="http://schemas.openxmlformats.org/presentationml/2006/ole">
+            <mc:AlternateContent xmlns:mc="http://schemas.openxmlformats.org/markup-compatibility/2006">
+              <mc:Choice xmlns:v="urn:schemas-microsoft-com:vml" Requires="v">
+                <p:oleObj name="Objeto empaquetador del shell" showAsIcon="1" r:id="rId3" imgW="1338480" imgH="478800" progId="Package">
+                  <p:embed/>
+                </p:oleObj>
+              </mc:Choice>
+              <mc:Fallback>
+                <p:oleObj name="Objeto empaquetador del shell" showAsIcon="1" r:id="rId3" imgW="1338480" imgH="478800" progId="Package">
+                  <p:embed/>
+                  <p:pic>
+                    <p:nvPicPr>
+                      <p:cNvPr id="0" name=""/>
+                      <p:cNvPicPr/>
+                      <p:nvPr/>
+                    </p:nvPicPr>
+                    <p:blipFill>
+                      <a:blip r:embed="rId4"/>
+                      <a:stretch>
+                        <a:fillRect/>
+                      </a:stretch>
+                    </p:blipFill>
+                    <p:spPr>
+                      <a:xfrm>
+                        <a:off x="10513769" y="548380"/>
+                        <a:ext cx="1338263" cy="479425"/>
+                      </a:xfrm>
+                      <a:prstGeom prst="rect">
+                        <a:avLst/>
+                      </a:prstGeom>
+                    </p:spPr>
+                  </p:pic>
+                </p:oleObj>
+              </mc:Fallback>
+            </mc:AlternateContent>
+          </a:graphicData>
+        </a:graphic>
+      </p:graphicFrame>
+    </p:spTree>
+    <p:extLst>
+      <p:ext uri="{BB962C8B-B14F-4D97-AF65-F5344CB8AC3E}">
+        <p14:creationId xmlns:p14="http://schemas.microsoft.com/office/powerpoint/2010/main" val="2103105044"/>
+      </p:ext>
+    </p:extLst>
+  </p:cSld>
+  <p:clrMapOvr>
+    <a:masterClrMapping/>
+  </p:clrMapOvr>
+</p:sld>
+</file>
+
+<file path=ppt/slides/slide16.xml><?xml version="1.0" encoding="utf-8"?>
+<p:sld xmlns:a="http://schemas.openxmlformats.org/drawingml/2006/main" xmlns:r="http://schemas.openxmlformats.org/officeDocument/2006/relationships" xmlns:p="http://schemas.openxmlformats.org/presentationml/2006/main">
+  <p:cSld>
+    <p:spTree>
+      <p:nvGrpSpPr>
+        <p:cNvPr id="1" name=""/>
+        <p:cNvGrpSpPr/>
+        <p:nvPr/>
+      </p:nvGrpSpPr>
+      <p:grpSpPr>
+        <a:xfrm>
+          <a:off x="0" y="0"/>
+          <a:ext cx="0" cy="0"/>
+          <a:chOff x="0" y="0"/>
+          <a:chExt cx="0" cy="0"/>
+        </a:xfrm>
+      </p:grpSpPr>
+    </p:spTree>
+    <p:extLst>
+      <p:ext uri="{BB962C8B-B14F-4D97-AF65-F5344CB8AC3E}">
+        <p14:creationId xmlns:p14="http://schemas.microsoft.com/office/powerpoint/2010/main" val="202613759"/>
       </p:ext>
     </p:extLst>
   </p:cSld>

--- a/Presentacion Final CHUAMANI.pptx
+++ b/Presentacion Final CHUAMANI.pptx
@@ -5,22 +5,26 @@
     <p:sldMasterId id="2147483648" r:id="rId1"/>
   </p:sldMasterIdLst>
   <p:sldIdLst>
-    <p:sldId id="259" r:id="rId2"/>
-    <p:sldId id="258" r:id="rId3"/>
-    <p:sldId id="260" r:id="rId4"/>
-    <p:sldId id="261" r:id="rId5"/>
-    <p:sldId id="262" r:id="rId6"/>
-    <p:sldId id="264" r:id="rId7"/>
-    <p:sldId id="263" r:id="rId8"/>
-    <p:sldId id="265" r:id="rId9"/>
-    <p:sldId id="266" r:id="rId10"/>
-    <p:sldId id="268" r:id="rId11"/>
-    <p:sldId id="267" r:id="rId12"/>
-    <p:sldId id="269" r:id="rId13"/>
-    <p:sldId id="270" r:id="rId14"/>
-    <p:sldId id="271" r:id="rId15"/>
-    <p:sldId id="272" r:id="rId16"/>
-    <p:sldId id="273" r:id="rId17"/>
+    <p:sldId id="277" r:id="rId2"/>
+    <p:sldId id="259" r:id="rId3"/>
+    <p:sldId id="258" r:id="rId4"/>
+    <p:sldId id="260" r:id="rId5"/>
+    <p:sldId id="261" r:id="rId6"/>
+    <p:sldId id="262" r:id="rId7"/>
+    <p:sldId id="264" r:id="rId8"/>
+    <p:sldId id="263" r:id="rId9"/>
+    <p:sldId id="265" r:id="rId10"/>
+    <p:sldId id="266" r:id="rId11"/>
+    <p:sldId id="268" r:id="rId12"/>
+    <p:sldId id="267" r:id="rId13"/>
+    <p:sldId id="269" r:id="rId14"/>
+    <p:sldId id="270" r:id="rId15"/>
+    <p:sldId id="271" r:id="rId16"/>
+    <p:sldId id="272" r:id="rId17"/>
+    <p:sldId id="273" r:id="rId18"/>
+    <p:sldId id="274" r:id="rId19"/>
+    <p:sldId id="275" r:id="rId20"/>
+    <p:sldId id="276" r:id="rId21"/>
   </p:sldIdLst>
   <p:sldSz cx="12192000" cy="6858000"/>
   <p:notesSz cx="6858000" cy="9144000"/>
@@ -3344,6 +3348,1313 @@
           <a:chExt cx="0" cy="0"/>
         </a:xfrm>
       </p:grpSpPr>
+    </p:spTree>
+    <p:extLst>
+      <p:ext uri="{BB962C8B-B14F-4D97-AF65-F5344CB8AC3E}">
+        <p14:creationId xmlns:p14="http://schemas.microsoft.com/office/powerpoint/2010/main" val="1094814791"/>
+      </p:ext>
+    </p:extLst>
+  </p:cSld>
+  <p:clrMapOvr>
+    <a:masterClrMapping/>
+  </p:clrMapOvr>
+</p:sld>
+</file>
+
+<file path=ppt/slides/slide10.xml><?xml version="1.0" encoding="utf-8"?>
+<p:sld xmlns:a="http://schemas.openxmlformats.org/drawingml/2006/main" xmlns:r="http://schemas.openxmlformats.org/officeDocument/2006/relationships" xmlns:p="http://schemas.openxmlformats.org/presentationml/2006/main">
+  <p:cSld>
+    <p:spTree>
+      <p:nvGrpSpPr>
+        <p:cNvPr id="1" name=""/>
+        <p:cNvGrpSpPr/>
+        <p:nvPr/>
+      </p:nvGrpSpPr>
+      <p:grpSpPr>
+        <a:xfrm>
+          <a:off x="0" y="0"/>
+          <a:ext cx="0" cy="0"/>
+          <a:chOff x="0" y="0"/>
+          <a:chExt cx="0" cy="0"/>
+        </a:xfrm>
+      </p:grpSpPr>
+      <p:pic>
+        <p:nvPicPr>
+          <p:cNvPr id="3" name="Imagen 2">
+            <a:extLst>
+              <a:ext uri="{FF2B5EF4-FFF2-40B4-BE49-F238E27FC236}">
+                <a16:creationId xmlns:a16="http://schemas.microsoft.com/office/drawing/2014/main" id="{0473FF8F-00F6-2D67-2B04-34AFAAEE89CC}"/>
+              </a:ext>
+            </a:extLst>
+          </p:cNvPr>
+          <p:cNvPicPr>
+            <a:picLocks noChangeAspect="1"/>
+          </p:cNvPicPr>
+          <p:nvPr/>
+        </p:nvPicPr>
+        <p:blipFill>
+          <a:blip r:embed="rId2"/>
+          <a:stretch>
+            <a:fillRect/>
+          </a:stretch>
+        </p:blipFill>
+        <p:spPr>
+          <a:xfrm>
+            <a:off x="0" y="0"/>
+            <a:ext cx="7347497" cy="4267200"/>
+          </a:xfrm>
+          <a:prstGeom prst="rect">
+            <a:avLst/>
+          </a:prstGeom>
+        </p:spPr>
+      </p:pic>
+      <p:pic>
+        <p:nvPicPr>
+          <p:cNvPr id="7" name="Imagen 6">
+            <a:extLst>
+              <a:ext uri="{FF2B5EF4-FFF2-40B4-BE49-F238E27FC236}">
+                <a16:creationId xmlns:a16="http://schemas.microsoft.com/office/drawing/2014/main" id="{D87E94B9-4534-2B7D-5261-4224F96A8174}"/>
+              </a:ext>
+            </a:extLst>
+          </p:cNvPr>
+          <p:cNvPicPr>
+            <a:picLocks noChangeAspect="1"/>
+          </p:cNvPicPr>
+          <p:nvPr/>
+        </p:nvPicPr>
+        <p:blipFill>
+          <a:blip r:embed="rId3"/>
+          <a:stretch>
+            <a:fillRect/>
+          </a:stretch>
+        </p:blipFill>
+        <p:spPr>
+          <a:xfrm>
+            <a:off x="6096000" y="1789488"/>
+            <a:ext cx="6079242" cy="2200498"/>
+          </a:xfrm>
+          <a:prstGeom prst="rect">
+            <a:avLst/>
+          </a:prstGeom>
+        </p:spPr>
+      </p:pic>
+    </p:spTree>
+    <p:extLst>
+      <p:ext uri="{BB962C8B-B14F-4D97-AF65-F5344CB8AC3E}">
+        <p14:creationId xmlns:p14="http://schemas.microsoft.com/office/powerpoint/2010/main" val="973408331"/>
+      </p:ext>
+    </p:extLst>
+  </p:cSld>
+  <p:clrMapOvr>
+    <a:masterClrMapping/>
+  </p:clrMapOvr>
+</p:sld>
+</file>
+
+<file path=ppt/slides/slide11.xml><?xml version="1.0" encoding="utf-8"?>
+<p:sld xmlns:a="http://schemas.openxmlformats.org/drawingml/2006/main" xmlns:r="http://schemas.openxmlformats.org/officeDocument/2006/relationships" xmlns:p="http://schemas.openxmlformats.org/presentationml/2006/main">
+  <p:cSld>
+    <p:spTree>
+      <p:nvGrpSpPr>
+        <p:cNvPr id="1" name=""/>
+        <p:cNvGrpSpPr/>
+        <p:nvPr/>
+      </p:nvGrpSpPr>
+      <p:grpSpPr>
+        <a:xfrm>
+          <a:off x="0" y="0"/>
+          <a:ext cx="0" cy="0"/>
+          <a:chOff x="0" y="0"/>
+          <a:chExt cx="0" cy="0"/>
+        </a:xfrm>
+      </p:grpSpPr>
+      <p:pic>
+        <p:nvPicPr>
+          <p:cNvPr id="11" name="Imagen 10">
+            <a:extLst>
+              <a:ext uri="{FF2B5EF4-FFF2-40B4-BE49-F238E27FC236}">
+                <a16:creationId xmlns:a16="http://schemas.microsoft.com/office/drawing/2014/main" id="{D2351D7B-F933-05AC-0FF3-EC976DDC1AB1}"/>
+              </a:ext>
+            </a:extLst>
+          </p:cNvPr>
+          <p:cNvPicPr>
+            <a:picLocks noChangeAspect="1"/>
+          </p:cNvPicPr>
+          <p:nvPr/>
+        </p:nvPicPr>
+        <p:blipFill>
+          <a:blip r:embed="rId2"/>
+          <a:stretch>
+            <a:fillRect/>
+          </a:stretch>
+        </p:blipFill>
+        <p:spPr>
+          <a:xfrm>
+            <a:off x="0" y="98107"/>
+            <a:ext cx="7943850" cy="1419225"/>
+          </a:xfrm>
+          <a:prstGeom prst="rect">
+            <a:avLst/>
+          </a:prstGeom>
+        </p:spPr>
+      </p:pic>
+      <p:pic>
+        <p:nvPicPr>
+          <p:cNvPr id="13" name="Imagen 12">
+            <a:extLst>
+              <a:ext uri="{FF2B5EF4-FFF2-40B4-BE49-F238E27FC236}">
+                <a16:creationId xmlns:a16="http://schemas.microsoft.com/office/drawing/2014/main" id="{3002E0A5-42BC-1576-F7F5-21284C90EF80}"/>
+              </a:ext>
+            </a:extLst>
+          </p:cNvPr>
+          <p:cNvPicPr>
+            <a:picLocks noChangeAspect="1"/>
+          </p:cNvPicPr>
+          <p:nvPr/>
+        </p:nvPicPr>
+        <p:blipFill>
+          <a:blip r:embed="rId3"/>
+          <a:stretch>
+            <a:fillRect/>
+          </a:stretch>
+        </p:blipFill>
+        <p:spPr>
+          <a:xfrm>
+            <a:off x="0" y="1517332"/>
+            <a:ext cx="5438775" cy="571500"/>
+          </a:xfrm>
+          <a:prstGeom prst="rect">
+            <a:avLst/>
+          </a:prstGeom>
+        </p:spPr>
+      </p:pic>
+      <p:pic>
+        <p:nvPicPr>
+          <p:cNvPr id="15" name="Imagen 14">
+            <a:extLst>
+              <a:ext uri="{FF2B5EF4-FFF2-40B4-BE49-F238E27FC236}">
+                <a16:creationId xmlns:a16="http://schemas.microsoft.com/office/drawing/2014/main" id="{1EE3F8C4-D8F3-5C44-D812-9481FE7C85CA}"/>
+              </a:ext>
+            </a:extLst>
+          </p:cNvPr>
+          <p:cNvPicPr>
+            <a:picLocks noChangeAspect="1"/>
+          </p:cNvPicPr>
+          <p:nvPr/>
+        </p:nvPicPr>
+        <p:blipFill rotWithShape="1">
+          <a:blip r:embed="rId4"/>
+          <a:srcRect b="50248"/>
+          <a:stretch/>
+        </p:blipFill>
+        <p:spPr>
+          <a:xfrm>
+            <a:off x="0" y="1905758"/>
+            <a:ext cx="10821162" cy="2288290"/>
+          </a:xfrm>
+          <a:prstGeom prst="rect">
+            <a:avLst/>
+          </a:prstGeom>
+        </p:spPr>
+      </p:pic>
+      <p:pic>
+        <p:nvPicPr>
+          <p:cNvPr id="17" name="Imagen 16">
+            <a:extLst>
+              <a:ext uri="{FF2B5EF4-FFF2-40B4-BE49-F238E27FC236}">
+                <a16:creationId xmlns:a16="http://schemas.microsoft.com/office/drawing/2014/main" id="{AA358648-0286-8713-1792-06ADD730B222}"/>
+              </a:ext>
+            </a:extLst>
+          </p:cNvPr>
+          <p:cNvPicPr>
+            <a:picLocks noChangeAspect="1"/>
+          </p:cNvPicPr>
+          <p:nvPr/>
+        </p:nvPicPr>
+        <p:blipFill rotWithShape="1">
+          <a:blip r:embed="rId4"/>
+          <a:srcRect t="65126"/>
+          <a:stretch/>
+        </p:blipFill>
+        <p:spPr>
+          <a:xfrm>
+            <a:off x="0" y="4338476"/>
+            <a:ext cx="10821162" cy="1604014"/>
+          </a:xfrm>
+          <a:prstGeom prst="rect">
+            <a:avLst/>
+          </a:prstGeom>
+        </p:spPr>
+      </p:pic>
+      <p:sp>
+        <p:nvSpPr>
+          <p:cNvPr id="19" name="CuadroTexto 18">
+            <a:extLst>
+              <a:ext uri="{FF2B5EF4-FFF2-40B4-BE49-F238E27FC236}">
+                <a16:creationId xmlns:a16="http://schemas.microsoft.com/office/drawing/2014/main" id="{8A64201D-DD87-FEFB-1430-2A97F9024E04}"/>
+              </a:ext>
+            </a:extLst>
+          </p:cNvPr>
+          <p:cNvSpPr txBox="1"/>
+          <p:nvPr/>
+        </p:nvSpPr>
+        <p:spPr>
+          <a:xfrm>
+            <a:off x="10471150" y="179048"/>
+            <a:ext cx="1720850" cy="369332"/>
+          </a:xfrm>
+          <a:prstGeom prst="rect">
+            <a:avLst/>
+          </a:prstGeom>
+          <a:noFill/>
+        </p:spPr>
+        <p:txBody>
+          <a:bodyPr wrap="square" rtlCol="0">
+            <a:spAutoFit/>
+          </a:bodyPr>
+          <a:lstStyle/>
+          <a:p>
+            <a:r>
+              <a:rPr lang="en-US" dirty="0">
+                <a:solidFill>
+                  <a:schemeClr val="bg1"/>
+                </a:solidFill>
+              </a:rPr>
+              <a:t>EJERCICO 05</a:t>
+            </a:r>
+            <a:endParaRPr lang="es-ES" dirty="0"/>
+          </a:p>
+        </p:txBody>
+      </p:sp>
+      <p:graphicFrame>
+        <p:nvGraphicFramePr>
+          <p:cNvPr id="20" name="Objeto 19">
+            <a:extLst>
+              <a:ext uri="{FF2B5EF4-FFF2-40B4-BE49-F238E27FC236}">
+                <a16:creationId xmlns:a16="http://schemas.microsoft.com/office/drawing/2014/main" id="{6F0C8F52-9BD2-21BC-C337-B9814CA7E6E8}"/>
+              </a:ext>
+            </a:extLst>
+          </p:cNvPr>
+          <p:cNvGraphicFramePr>
+            <a:graphicFrameLocks noChangeAspect="1"/>
+          </p:cNvGraphicFramePr>
+          <p:nvPr>
+            <p:extLst>
+              <p:ext uri="{D42A27DB-BD31-4B8C-83A1-F6EECF244321}">
+                <p14:modId xmlns:p14="http://schemas.microsoft.com/office/powerpoint/2010/main" val="3780069378"/>
+              </p:ext>
+            </p:extLst>
+          </p:nvPr>
+        </p:nvGraphicFramePr>
+        <p:xfrm>
+          <a:off x="10471150" y="568006"/>
+          <a:ext cx="1338263" cy="479425"/>
+        </p:xfrm>
+        <a:graphic>
+          <a:graphicData uri="http://schemas.openxmlformats.org/presentationml/2006/ole">
+            <mc:AlternateContent xmlns:mc="http://schemas.openxmlformats.org/markup-compatibility/2006">
+              <mc:Choice xmlns:v="urn:schemas-microsoft-com:vml" Requires="v">
+                <p:oleObj name="Objeto empaquetador del shell" showAsIcon="1" r:id="rId5" imgW="1338480" imgH="478800" progId="Package">
+                  <p:embed/>
+                </p:oleObj>
+              </mc:Choice>
+              <mc:Fallback>
+                <p:oleObj name="Objeto empaquetador del shell" showAsIcon="1" r:id="rId5" imgW="1338480" imgH="478800" progId="Package">
+                  <p:embed/>
+                  <p:pic>
+                    <p:nvPicPr>
+                      <p:cNvPr id="0" name=""/>
+                      <p:cNvPicPr/>
+                      <p:nvPr/>
+                    </p:nvPicPr>
+                    <p:blipFill>
+                      <a:blip r:embed="rId6"/>
+                      <a:stretch>
+                        <a:fillRect/>
+                      </a:stretch>
+                    </p:blipFill>
+                    <p:spPr>
+                      <a:xfrm>
+                        <a:off x="10471150" y="568006"/>
+                        <a:ext cx="1338263" cy="479425"/>
+                      </a:xfrm>
+                      <a:prstGeom prst="rect">
+                        <a:avLst/>
+                      </a:prstGeom>
+                    </p:spPr>
+                  </p:pic>
+                </p:oleObj>
+              </mc:Fallback>
+            </mc:AlternateContent>
+          </a:graphicData>
+        </a:graphic>
+      </p:graphicFrame>
+    </p:spTree>
+    <p:extLst>
+      <p:ext uri="{BB962C8B-B14F-4D97-AF65-F5344CB8AC3E}">
+        <p14:creationId xmlns:p14="http://schemas.microsoft.com/office/powerpoint/2010/main" val="147263993"/>
+      </p:ext>
+    </p:extLst>
+  </p:cSld>
+  <p:clrMapOvr>
+    <a:masterClrMapping/>
+  </p:clrMapOvr>
+</p:sld>
+</file>
+
+<file path=ppt/slides/slide12.xml><?xml version="1.0" encoding="utf-8"?>
+<p:sld xmlns:a="http://schemas.openxmlformats.org/drawingml/2006/main" xmlns:r="http://schemas.openxmlformats.org/officeDocument/2006/relationships" xmlns:p="http://schemas.openxmlformats.org/presentationml/2006/main">
+  <p:cSld>
+    <p:spTree>
+      <p:nvGrpSpPr>
+        <p:cNvPr id="1" name=""/>
+        <p:cNvGrpSpPr/>
+        <p:nvPr/>
+      </p:nvGrpSpPr>
+      <p:grpSpPr>
+        <a:xfrm>
+          <a:off x="0" y="0"/>
+          <a:ext cx="0" cy="0"/>
+          <a:chOff x="0" y="0"/>
+          <a:chExt cx="0" cy="0"/>
+        </a:xfrm>
+      </p:grpSpPr>
+      <p:pic>
+        <p:nvPicPr>
+          <p:cNvPr id="3" name="Imagen 2">
+            <a:extLst>
+              <a:ext uri="{FF2B5EF4-FFF2-40B4-BE49-F238E27FC236}">
+                <a16:creationId xmlns:a16="http://schemas.microsoft.com/office/drawing/2014/main" id="{9DFD7B40-AC7E-3A6C-45BC-B2B999E91ECC}"/>
+              </a:ext>
+            </a:extLst>
+          </p:cNvPr>
+          <p:cNvPicPr>
+            <a:picLocks noChangeAspect="1"/>
+          </p:cNvPicPr>
+          <p:nvPr/>
+        </p:nvPicPr>
+        <p:blipFill>
+          <a:blip r:embed="rId2"/>
+          <a:stretch>
+            <a:fillRect/>
+          </a:stretch>
+        </p:blipFill>
+        <p:spPr>
+          <a:xfrm>
+            <a:off x="198560" y="133350"/>
+            <a:ext cx="10458450" cy="6591300"/>
+          </a:xfrm>
+          <a:prstGeom prst="rect">
+            <a:avLst/>
+          </a:prstGeom>
+        </p:spPr>
+      </p:pic>
+      <p:sp>
+        <p:nvSpPr>
+          <p:cNvPr id="5" name="CuadroTexto 4">
+            <a:extLst>
+              <a:ext uri="{FF2B5EF4-FFF2-40B4-BE49-F238E27FC236}">
+                <a16:creationId xmlns:a16="http://schemas.microsoft.com/office/drawing/2014/main" id="{B6A53A4C-5AF5-75FB-649C-4557E6D11B2B}"/>
+              </a:ext>
+            </a:extLst>
+          </p:cNvPr>
+          <p:cNvSpPr txBox="1"/>
+          <p:nvPr/>
+        </p:nvSpPr>
+        <p:spPr>
+          <a:xfrm>
+            <a:off x="10471150" y="179048"/>
+            <a:ext cx="1720850" cy="369332"/>
+          </a:xfrm>
+          <a:prstGeom prst="rect">
+            <a:avLst/>
+          </a:prstGeom>
+          <a:noFill/>
+        </p:spPr>
+        <p:txBody>
+          <a:bodyPr wrap="square" rtlCol="0">
+            <a:spAutoFit/>
+          </a:bodyPr>
+          <a:lstStyle/>
+          <a:p>
+            <a:r>
+              <a:rPr lang="en-US" dirty="0" err="1">
+                <a:solidFill>
+                  <a:schemeClr val="bg1"/>
+                </a:solidFill>
+              </a:rPr>
+              <a:t>EJERCICiO</a:t>
+            </a:r>
+            <a:r>
+              <a:rPr lang="en-US" dirty="0">
+                <a:solidFill>
+                  <a:schemeClr val="bg1"/>
+                </a:solidFill>
+              </a:rPr>
+              <a:t> 06</a:t>
+            </a:r>
+            <a:endParaRPr lang="es-ES" dirty="0"/>
+          </a:p>
+        </p:txBody>
+      </p:sp>
+      <p:graphicFrame>
+        <p:nvGraphicFramePr>
+          <p:cNvPr id="6" name="Objeto 5">
+            <a:extLst>
+              <a:ext uri="{FF2B5EF4-FFF2-40B4-BE49-F238E27FC236}">
+                <a16:creationId xmlns:a16="http://schemas.microsoft.com/office/drawing/2014/main" id="{4CE95E48-AB72-4838-52E3-69CBBAD5E702}"/>
+              </a:ext>
+            </a:extLst>
+          </p:cNvPr>
+          <p:cNvGraphicFramePr>
+            <a:graphicFrameLocks noChangeAspect="1"/>
+          </p:cNvGraphicFramePr>
+          <p:nvPr>
+            <p:extLst>
+              <p:ext uri="{D42A27DB-BD31-4B8C-83A1-F6EECF244321}">
+                <p14:modId xmlns:p14="http://schemas.microsoft.com/office/powerpoint/2010/main" val="3273771371"/>
+              </p:ext>
+            </p:extLst>
+          </p:nvPr>
+        </p:nvGraphicFramePr>
+        <p:xfrm>
+          <a:off x="10572506" y="548380"/>
+          <a:ext cx="1338263" cy="479425"/>
+        </p:xfrm>
+        <a:graphic>
+          <a:graphicData uri="http://schemas.openxmlformats.org/presentationml/2006/ole">
+            <mc:AlternateContent xmlns:mc="http://schemas.openxmlformats.org/markup-compatibility/2006">
+              <mc:Choice xmlns:v="urn:schemas-microsoft-com:vml" Requires="v">
+                <p:oleObj name="Objeto empaquetador del shell" showAsIcon="1" r:id="rId3" imgW="1338480" imgH="478800" progId="Package">
+                  <p:embed/>
+                </p:oleObj>
+              </mc:Choice>
+              <mc:Fallback>
+                <p:oleObj name="Objeto empaquetador del shell" showAsIcon="1" r:id="rId3" imgW="1338480" imgH="478800" progId="Package">
+                  <p:embed/>
+                  <p:pic>
+                    <p:nvPicPr>
+                      <p:cNvPr id="0" name=""/>
+                      <p:cNvPicPr/>
+                      <p:nvPr/>
+                    </p:nvPicPr>
+                    <p:blipFill>
+                      <a:blip r:embed="rId4"/>
+                      <a:stretch>
+                        <a:fillRect/>
+                      </a:stretch>
+                    </p:blipFill>
+                    <p:spPr>
+                      <a:xfrm>
+                        <a:off x="10572506" y="548380"/>
+                        <a:ext cx="1338263" cy="479425"/>
+                      </a:xfrm>
+                      <a:prstGeom prst="rect">
+                        <a:avLst/>
+                      </a:prstGeom>
+                    </p:spPr>
+                  </p:pic>
+                </p:oleObj>
+              </mc:Fallback>
+            </mc:AlternateContent>
+          </a:graphicData>
+        </a:graphic>
+      </p:graphicFrame>
+    </p:spTree>
+    <p:extLst>
+      <p:ext uri="{BB962C8B-B14F-4D97-AF65-F5344CB8AC3E}">
+        <p14:creationId xmlns:p14="http://schemas.microsoft.com/office/powerpoint/2010/main" val="3471462079"/>
+      </p:ext>
+    </p:extLst>
+  </p:cSld>
+  <p:clrMapOvr>
+    <a:masterClrMapping/>
+  </p:clrMapOvr>
+</p:sld>
+</file>
+
+<file path=ppt/slides/slide13.xml><?xml version="1.0" encoding="utf-8"?>
+<p:sld xmlns:a="http://schemas.openxmlformats.org/drawingml/2006/main" xmlns:r="http://schemas.openxmlformats.org/officeDocument/2006/relationships" xmlns:p="http://schemas.openxmlformats.org/presentationml/2006/main">
+  <p:cSld>
+    <p:spTree>
+      <p:nvGrpSpPr>
+        <p:cNvPr id="1" name=""/>
+        <p:cNvGrpSpPr/>
+        <p:nvPr/>
+      </p:nvGrpSpPr>
+      <p:grpSpPr>
+        <a:xfrm>
+          <a:off x="0" y="0"/>
+          <a:ext cx="0" cy="0"/>
+          <a:chOff x="0" y="0"/>
+          <a:chExt cx="0" cy="0"/>
+        </a:xfrm>
+      </p:grpSpPr>
+      <p:sp>
+        <p:nvSpPr>
+          <p:cNvPr id="3" name="CuadroTexto 2">
+            <a:extLst>
+              <a:ext uri="{FF2B5EF4-FFF2-40B4-BE49-F238E27FC236}">
+                <a16:creationId xmlns:a16="http://schemas.microsoft.com/office/drawing/2014/main" id="{1C569FE9-5D0A-AD5F-31CC-12A30611A9B4}"/>
+              </a:ext>
+            </a:extLst>
+          </p:cNvPr>
+          <p:cNvSpPr txBox="1"/>
+          <p:nvPr/>
+        </p:nvSpPr>
+        <p:spPr>
+          <a:xfrm>
+            <a:off x="10471150" y="179048"/>
+            <a:ext cx="1720850" cy="369332"/>
+          </a:xfrm>
+          <a:prstGeom prst="rect">
+            <a:avLst/>
+          </a:prstGeom>
+          <a:noFill/>
+        </p:spPr>
+        <p:txBody>
+          <a:bodyPr wrap="square" rtlCol="0">
+            <a:spAutoFit/>
+          </a:bodyPr>
+          <a:lstStyle/>
+          <a:p>
+            <a:r>
+              <a:rPr lang="en-US" dirty="0">
+                <a:solidFill>
+                  <a:schemeClr val="bg1"/>
+                </a:solidFill>
+              </a:rPr>
+              <a:t>EJERCICIO 07</a:t>
+            </a:r>
+            <a:endParaRPr lang="es-ES" dirty="0"/>
+          </a:p>
+        </p:txBody>
+      </p:sp>
+      <p:pic>
+        <p:nvPicPr>
+          <p:cNvPr id="5" name="Imagen 4">
+            <a:extLst>
+              <a:ext uri="{FF2B5EF4-FFF2-40B4-BE49-F238E27FC236}">
+                <a16:creationId xmlns:a16="http://schemas.microsoft.com/office/drawing/2014/main" id="{3B2639C2-797C-4678-5357-56B1996C0D14}"/>
+              </a:ext>
+            </a:extLst>
+          </p:cNvPr>
+          <p:cNvPicPr>
+            <a:picLocks noChangeAspect="1"/>
+          </p:cNvPicPr>
+          <p:nvPr/>
+        </p:nvPicPr>
+        <p:blipFill>
+          <a:blip r:embed="rId2"/>
+          <a:stretch>
+            <a:fillRect/>
+          </a:stretch>
+        </p:blipFill>
+        <p:spPr>
+          <a:xfrm>
+            <a:off x="102210" y="742950"/>
+            <a:ext cx="9572625" cy="2686050"/>
+          </a:xfrm>
+          <a:prstGeom prst="rect">
+            <a:avLst/>
+          </a:prstGeom>
+        </p:spPr>
+      </p:pic>
+    </p:spTree>
+    <p:extLst>
+      <p:ext uri="{BB962C8B-B14F-4D97-AF65-F5344CB8AC3E}">
+        <p14:creationId xmlns:p14="http://schemas.microsoft.com/office/powerpoint/2010/main" val="3973345579"/>
+      </p:ext>
+    </p:extLst>
+  </p:cSld>
+  <p:clrMapOvr>
+    <a:masterClrMapping/>
+  </p:clrMapOvr>
+</p:sld>
+</file>
+
+<file path=ppt/slides/slide14.xml><?xml version="1.0" encoding="utf-8"?>
+<p:sld xmlns:a="http://schemas.openxmlformats.org/drawingml/2006/main" xmlns:r="http://schemas.openxmlformats.org/officeDocument/2006/relationships" xmlns:p="http://schemas.openxmlformats.org/presentationml/2006/main">
+  <p:cSld>
+    <p:spTree>
+      <p:nvGrpSpPr>
+        <p:cNvPr id="1" name=""/>
+        <p:cNvGrpSpPr/>
+        <p:nvPr/>
+      </p:nvGrpSpPr>
+      <p:grpSpPr>
+        <a:xfrm>
+          <a:off x="0" y="0"/>
+          <a:ext cx="0" cy="0"/>
+          <a:chOff x="0" y="0"/>
+          <a:chExt cx="0" cy="0"/>
+        </a:xfrm>
+      </p:grpSpPr>
+      <p:pic>
+        <p:nvPicPr>
+          <p:cNvPr id="5" name="Imagen 4">
+            <a:extLst>
+              <a:ext uri="{FF2B5EF4-FFF2-40B4-BE49-F238E27FC236}">
+                <a16:creationId xmlns:a16="http://schemas.microsoft.com/office/drawing/2014/main" id="{05BD8852-9782-0EFA-4458-1C191B92FCFE}"/>
+              </a:ext>
+            </a:extLst>
+          </p:cNvPr>
+          <p:cNvPicPr>
+            <a:picLocks noChangeAspect="1"/>
+          </p:cNvPicPr>
+          <p:nvPr/>
+        </p:nvPicPr>
+        <p:blipFill>
+          <a:blip r:embed="rId2"/>
+          <a:stretch>
+            <a:fillRect/>
+          </a:stretch>
+        </p:blipFill>
+        <p:spPr>
+          <a:xfrm>
+            <a:off x="133716" y="76200"/>
+            <a:ext cx="10353675" cy="6705600"/>
+          </a:xfrm>
+          <a:prstGeom prst="rect">
+            <a:avLst/>
+          </a:prstGeom>
+        </p:spPr>
+      </p:pic>
+    </p:spTree>
+    <p:extLst>
+      <p:ext uri="{BB962C8B-B14F-4D97-AF65-F5344CB8AC3E}">
+        <p14:creationId xmlns:p14="http://schemas.microsoft.com/office/powerpoint/2010/main" val="2100148997"/>
+      </p:ext>
+    </p:extLst>
+  </p:cSld>
+  <p:clrMapOvr>
+    <a:masterClrMapping/>
+  </p:clrMapOvr>
+</p:sld>
+</file>
+
+<file path=ppt/slides/slide15.xml><?xml version="1.0" encoding="utf-8"?>
+<p:sld xmlns:a="http://schemas.openxmlformats.org/drawingml/2006/main" xmlns:r="http://schemas.openxmlformats.org/officeDocument/2006/relationships" xmlns:p="http://schemas.openxmlformats.org/presentationml/2006/main">
+  <p:cSld>
+    <p:spTree>
+      <p:nvGrpSpPr>
+        <p:cNvPr id="1" name=""/>
+        <p:cNvGrpSpPr/>
+        <p:nvPr/>
+      </p:nvGrpSpPr>
+      <p:grpSpPr>
+        <a:xfrm>
+          <a:off x="0" y="0"/>
+          <a:ext cx="0" cy="0"/>
+          <a:chOff x="0" y="0"/>
+          <a:chExt cx="0" cy="0"/>
+        </a:xfrm>
+      </p:grpSpPr>
+      <p:pic>
+        <p:nvPicPr>
+          <p:cNvPr id="5" name="Imagen 4">
+            <a:extLst>
+              <a:ext uri="{FF2B5EF4-FFF2-40B4-BE49-F238E27FC236}">
+                <a16:creationId xmlns:a16="http://schemas.microsoft.com/office/drawing/2014/main" id="{23B49093-87FF-AF31-75EE-E8D89CF4A769}"/>
+              </a:ext>
+            </a:extLst>
+          </p:cNvPr>
+          <p:cNvPicPr>
+            <a:picLocks noChangeAspect="1"/>
+          </p:cNvPicPr>
+          <p:nvPr/>
+        </p:nvPicPr>
+        <p:blipFill>
+          <a:blip r:embed="rId2"/>
+          <a:stretch>
+            <a:fillRect/>
+          </a:stretch>
+        </p:blipFill>
+        <p:spPr>
+          <a:xfrm>
+            <a:off x="461962" y="285750"/>
+            <a:ext cx="11268075" cy="6286500"/>
+          </a:xfrm>
+          <a:prstGeom prst="rect">
+            <a:avLst/>
+          </a:prstGeom>
+        </p:spPr>
+      </p:pic>
+      <p:sp>
+        <p:nvSpPr>
+          <p:cNvPr id="7" name="CuadroTexto 6">
+            <a:extLst>
+              <a:ext uri="{FF2B5EF4-FFF2-40B4-BE49-F238E27FC236}">
+                <a16:creationId xmlns:a16="http://schemas.microsoft.com/office/drawing/2014/main" id="{C0D98414-71D9-FDEC-16CF-EB2786A08FD8}"/>
+              </a:ext>
+            </a:extLst>
+          </p:cNvPr>
+          <p:cNvSpPr txBox="1"/>
+          <p:nvPr/>
+        </p:nvSpPr>
+        <p:spPr>
+          <a:xfrm>
+            <a:off x="10471150" y="179048"/>
+            <a:ext cx="1720850" cy="369332"/>
+          </a:xfrm>
+          <a:prstGeom prst="rect">
+            <a:avLst/>
+          </a:prstGeom>
+          <a:noFill/>
+        </p:spPr>
+        <p:txBody>
+          <a:bodyPr wrap="square" rtlCol="0">
+            <a:spAutoFit/>
+          </a:bodyPr>
+          <a:lstStyle/>
+          <a:p>
+            <a:r>
+              <a:rPr lang="en-US" dirty="0">
+                <a:solidFill>
+                  <a:schemeClr val="bg1"/>
+                </a:solidFill>
+              </a:rPr>
+              <a:t>EJERCICIO 08</a:t>
+            </a:r>
+            <a:endParaRPr lang="es-ES" dirty="0"/>
+          </a:p>
+        </p:txBody>
+      </p:sp>
+      <p:graphicFrame>
+        <p:nvGraphicFramePr>
+          <p:cNvPr id="2" name="Objeto 1">
+            <a:extLst>
+              <a:ext uri="{FF2B5EF4-FFF2-40B4-BE49-F238E27FC236}">
+                <a16:creationId xmlns:a16="http://schemas.microsoft.com/office/drawing/2014/main" id="{ACC47A82-642D-5761-5194-30FF09F7AE71}"/>
+              </a:ext>
+            </a:extLst>
+          </p:cNvPr>
+          <p:cNvGraphicFramePr>
+            <a:graphicFrameLocks noChangeAspect="1"/>
+          </p:cNvGraphicFramePr>
+          <p:nvPr>
+            <p:extLst>
+              <p:ext uri="{D42A27DB-BD31-4B8C-83A1-F6EECF244321}">
+                <p14:modId xmlns:p14="http://schemas.microsoft.com/office/powerpoint/2010/main" val="1411889613"/>
+              </p:ext>
+            </p:extLst>
+          </p:nvPr>
+        </p:nvGraphicFramePr>
+        <p:xfrm>
+          <a:off x="10662443" y="587945"/>
+          <a:ext cx="1338263" cy="479425"/>
+        </p:xfrm>
+        <a:graphic>
+          <a:graphicData uri="http://schemas.openxmlformats.org/presentationml/2006/ole">
+            <mc:AlternateContent xmlns:mc="http://schemas.openxmlformats.org/markup-compatibility/2006">
+              <mc:Choice xmlns:v="urn:schemas-microsoft-com:vml" Requires="v">
+                <p:oleObj name="Objeto empaquetador del shell" showAsIcon="1" r:id="rId3" imgW="1338480" imgH="478800" progId="Package">
+                  <p:embed/>
+                </p:oleObj>
+              </mc:Choice>
+              <mc:Fallback>
+                <p:oleObj name="Objeto empaquetador del shell" showAsIcon="1" r:id="rId3" imgW="1338480" imgH="478800" progId="Package">
+                  <p:embed/>
+                  <p:pic>
+                    <p:nvPicPr>
+                      <p:cNvPr id="0" name=""/>
+                      <p:cNvPicPr/>
+                      <p:nvPr/>
+                    </p:nvPicPr>
+                    <p:blipFill>
+                      <a:blip r:embed="rId4"/>
+                      <a:stretch>
+                        <a:fillRect/>
+                      </a:stretch>
+                    </p:blipFill>
+                    <p:spPr>
+                      <a:xfrm>
+                        <a:off x="10662443" y="587945"/>
+                        <a:ext cx="1338263" cy="479425"/>
+                      </a:xfrm>
+                      <a:prstGeom prst="rect">
+                        <a:avLst/>
+                      </a:prstGeom>
+                    </p:spPr>
+                  </p:pic>
+                </p:oleObj>
+              </mc:Fallback>
+            </mc:AlternateContent>
+          </a:graphicData>
+        </a:graphic>
+      </p:graphicFrame>
+    </p:spTree>
+    <p:extLst>
+      <p:ext uri="{BB962C8B-B14F-4D97-AF65-F5344CB8AC3E}">
+        <p14:creationId xmlns:p14="http://schemas.microsoft.com/office/powerpoint/2010/main" val="3132383608"/>
+      </p:ext>
+    </p:extLst>
+  </p:cSld>
+  <p:clrMapOvr>
+    <a:masterClrMapping/>
+  </p:clrMapOvr>
+</p:sld>
+</file>
+
+<file path=ppt/slides/slide16.xml><?xml version="1.0" encoding="utf-8"?>
+<p:sld xmlns:a="http://schemas.openxmlformats.org/drawingml/2006/main" xmlns:r="http://schemas.openxmlformats.org/officeDocument/2006/relationships" xmlns:p="http://schemas.openxmlformats.org/presentationml/2006/main">
+  <p:cSld>
+    <p:spTree>
+      <p:nvGrpSpPr>
+        <p:cNvPr id="1" name=""/>
+        <p:cNvGrpSpPr/>
+        <p:nvPr/>
+      </p:nvGrpSpPr>
+      <p:grpSpPr>
+        <a:xfrm>
+          <a:off x="0" y="0"/>
+          <a:ext cx="0" cy="0"/>
+          <a:chOff x="0" y="0"/>
+          <a:chExt cx="0" cy="0"/>
+        </a:xfrm>
+      </p:grpSpPr>
+      <p:sp>
+        <p:nvSpPr>
+          <p:cNvPr id="3" name="CuadroTexto 2">
+            <a:extLst>
+              <a:ext uri="{FF2B5EF4-FFF2-40B4-BE49-F238E27FC236}">
+                <a16:creationId xmlns:a16="http://schemas.microsoft.com/office/drawing/2014/main" id="{499DC5CB-1FFC-136B-E359-BC9D7756FC5A}"/>
+              </a:ext>
+            </a:extLst>
+          </p:cNvPr>
+          <p:cNvSpPr txBox="1"/>
+          <p:nvPr/>
+        </p:nvSpPr>
+        <p:spPr>
+          <a:xfrm>
+            <a:off x="10471150" y="179048"/>
+            <a:ext cx="1720850" cy="369332"/>
+          </a:xfrm>
+          <a:prstGeom prst="rect">
+            <a:avLst/>
+          </a:prstGeom>
+          <a:noFill/>
+        </p:spPr>
+        <p:txBody>
+          <a:bodyPr wrap="square" rtlCol="0">
+            <a:spAutoFit/>
+          </a:bodyPr>
+          <a:lstStyle/>
+          <a:p>
+            <a:r>
+              <a:rPr lang="en-US" dirty="0">
+                <a:solidFill>
+                  <a:schemeClr val="bg1"/>
+                </a:solidFill>
+              </a:rPr>
+              <a:t>EJERCICIO 09</a:t>
+            </a:r>
+            <a:endParaRPr lang="es-ES" dirty="0"/>
+          </a:p>
+        </p:txBody>
+      </p:sp>
+      <p:pic>
+        <p:nvPicPr>
+          <p:cNvPr id="5" name="Imagen 4">
+            <a:extLst>
+              <a:ext uri="{FF2B5EF4-FFF2-40B4-BE49-F238E27FC236}">
+                <a16:creationId xmlns:a16="http://schemas.microsoft.com/office/drawing/2014/main" id="{1949FC7A-0023-6869-4EDC-4D3B49E22137}"/>
+              </a:ext>
+            </a:extLst>
+          </p:cNvPr>
+          <p:cNvPicPr>
+            <a:picLocks noChangeAspect="1"/>
+          </p:cNvPicPr>
+          <p:nvPr/>
+        </p:nvPicPr>
+        <p:blipFill rotWithShape="1">
+          <a:blip r:embed="rId2"/>
+          <a:srcRect l="634"/>
+          <a:stretch/>
+        </p:blipFill>
+        <p:spPr>
+          <a:xfrm>
+            <a:off x="339968" y="456175"/>
+            <a:ext cx="9179169" cy="5758082"/>
+          </a:xfrm>
+          <a:prstGeom prst="rect">
+            <a:avLst/>
+          </a:prstGeom>
+        </p:spPr>
+      </p:pic>
+      <p:graphicFrame>
+        <p:nvGraphicFramePr>
+          <p:cNvPr id="6" name="Objeto 5">
+            <a:extLst>
+              <a:ext uri="{FF2B5EF4-FFF2-40B4-BE49-F238E27FC236}">
+                <a16:creationId xmlns:a16="http://schemas.microsoft.com/office/drawing/2014/main" id="{7398B010-EB45-B175-C21C-60C8F951653C}"/>
+              </a:ext>
+            </a:extLst>
+          </p:cNvPr>
+          <p:cNvGraphicFramePr>
+            <a:graphicFrameLocks noChangeAspect="1"/>
+          </p:cNvGraphicFramePr>
+          <p:nvPr>
+            <p:extLst>
+              <p:ext uri="{D42A27DB-BD31-4B8C-83A1-F6EECF244321}">
+                <p14:modId xmlns:p14="http://schemas.microsoft.com/office/powerpoint/2010/main" val="2489048531"/>
+              </p:ext>
+            </p:extLst>
+          </p:nvPr>
+        </p:nvGraphicFramePr>
+        <p:xfrm>
+          <a:off x="10513769" y="548380"/>
+          <a:ext cx="1338263" cy="479425"/>
+        </p:xfrm>
+        <a:graphic>
+          <a:graphicData uri="http://schemas.openxmlformats.org/presentationml/2006/ole">
+            <mc:AlternateContent xmlns:mc="http://schemas.openxmlformats.org/markup-compatibility/2006">
+              <mc:Choice xmlns:v="urn:schemas-microsoft-com:vml" Requires="v">
+                <p:oleObj name="Objeto empaquetador del shell" showAsIcon="1" r:id="rId3" imgW="1338480" imgH="478800" progId="Package">
+                  <p:embed/>
+                </p:oleObj>
+              </mc:Choice>
+              <mc:Fallback>
+                <p:oleObj name="Objeto empaquetador del shell" showAsIcon="1" r:id="rId3" imgW="1338480" imgH="478800" progId="Package">
+                  <p:embed/>
+                  <p:pic>
+                    <p:nvPicPr>
+                      <p:cNvPr id="0" name=""/>
+                      <p:cNvPicPr/>
+                      <p:nvPr/>
+                    </p:nvPicPr>
+                    <p:blipFill>
+                      <a:blip r:embed="rId4"/>
+                      <a:stretch>
+                        <a:fillRect/>
+                      </a:stretch>
+                    </p:blipFill>
+                    <p:spPr>
+                      <a:xfrm>
+                        <a:off x="10513769" y="548380"/>
+                        <a:ext cx="1338263" cy="479425"/>
+                      </a:xfrm>
+                      <a:prstGeom prst="rect">
+                        <a:avLst/>
+                      </a:prstGeom>
+                    </p:spPr>
+                  </p:pic>
+                </p:oleObj>
+              </mc:Fallback>
+            </mc:AlternateContent>
+          </a:graphicData>
+        </a:graphic>
+      </p:graphicFrame>
+    </p:spTree>
+    <p:extLst>
+      <p:ext uri="{BB962C8B-B14F-4D97-AF65-F5344CB8AC3E}">
+        <p14:creationId xmlns:p14="http://schemas.microsoft.com/office/powerpoint/2010/main" val="2103105044"/>
+      </p:ext>
+    </p:extLst>
+  </p:cSld>
+  <p:clrMapOvr>
+    <a:masterClrMapping/>
+  </p:clrMapOvr>
+</p:sld>
+</file>
+
+<file path=ppt/slides/slide17.xml><?xml version="1.0" encoding="utf-8"?>
+<p:sld xmlns:a="http://schemas.openxmlformats.org/drawingml/2006/main" xmlns:r="http://schemas.openxmlformats.org/officeDocument/2006/relationships" xmlns:p="http://schemas.openxmlformats.org/presentationml/2006/main">
+  <p:cSld>
+    <p:spTree>
+      <p:nvGrpSpPr>
+        <p:cNvPr id="1" name=""/>
+        <p:cNvGrpSpPr/>
+        <p:nvPr/>
+      </p:nvGrpSpPr>
+      <p:grpSpPr>
+        <a:xfrm>
+          <a:off x="0" y="0"/>
+          <a:ext cx="0" cy="0"/>
+          <a:chOff x="0" y="0"/>
+          <a:chExt cx="0" cy="0"/>
+        </a:xfrm>
+      </p:grpSpPr>
+      <p:pic>
+        <p:nvPicPr>
+          <p:cNvPr id="3" name="Imagen 2">
+            <a:extLst>
+              <a:ext uri="{FF2B5EF4-FFF2-40B4-BE49-F238E27FC236}">
+                <a16:creationId xmlns:a16="http://schemas.microsoft.com/office/drawing/2014/main" id="{6B4D15B5-C1AB-A5D5-5F81-509F876E5CEF}"/>
+              </a:ext>
+            </a:extLst>
+          </p:cNvPr>
+          <p:cNvPicPr>
+            <a:picLocks noChangeAspect="1"/>
+          </p:cNvPicPr>
+          <p:nvPr/>
+        </p:nvPicPr>
+        <p:blipFill>
+          <a:blip r:embed="rId2"/>
+          <a:stretch>
+            <a:fillRect/>
+          </a:stretch>
+        </p:blipFill>
+        <p:spPr>
+          <a:xfrm>
+            <a:off x="0" y="0"/>
+            <a:ext cx="5013642" cy="6858000"/>
+          </a:xfrm>
+          <a:prstGeom prst="rect">
+            <a:avLst/>
+          </a:prstGeom>
+        </p:spPr>
+      </p:pic>
+      <p:pic>
+        <p:nvPicPr>
+          <p:cNvPr id="5" name="Imagen 4">
+            <a:extLst>
+              <a:ext uri="{FF2B5EF4-FFF2-40B4-BE49-F238E27FC236}">
+                <a16:creationId xmlns:a16="http://schemas.microsoft.com/office/drawing/2014/main" id="{EF2F0D28-08B3-580C-805A-D897FA592574}"/>
+              </a:ext>
+            </a:extLst>
+          </p:cNvPr>
+          <p:cNvPicPr>
+            <a:picLocks noChangeAspect="1"/>
+          </p:cNvPicPr>
+          <p:nvPr/>
+        </p:nvPicPr>
+        <p:blipFill>
+          <a:blip r:embed="rId3"/>
+          <a:stretch>
+            <a:fillRect/>
+          </a:stretch>
+        </p:blipFill>
+        <p:spPr>
+          <a:xfrm>
+            <a:off x="5521569" y="0"/>
+            <a:ext cx="6096000" cy="1457325"/>
+          </a:xfrm>
+          <a:prstGeom prst="rect">
+            <a:avLst/>
+          </a:prstGeom>
+        </p:spPr>
+      </p:pic>
+      <p:sp>
+        <p:nvSpPr>
+          <p:cNvPr id="9" name="CuadroTexto 8">
+            <a:extLst>
+              <a:ext uri="{FF2B5EF4-FFF2-40B4-BE49-F238E27FC236}">
+                <a16:creationId xmlns:a16="http://schemas.microsoft.com/office/drawing/2014/main" id="{FE316B67-AF94-7917-79A6-FA0D1772E70B}"/>
+              </a:ext>
+            </a:extLst>
+          </p:cNvPr>
+          <p:cNvSpPr txBox="1"/>
+          <p:nvPr/>
+        </p:nvSpPr>
+        <p:spPr>
+          <a:xfrm>
+            <a:off x="10471150" y="179048"/>
+            <a:ext cx="1720850" cy="369332"/>
+          </a:xfrm>
+          <a:prstGeom prst="rect">
+            <a:avLst/>
+          </a:prstGeom>
+          <a:noFill/>
+        </p:spPr>
+        <p:txBody>
+          <a:bodyPr wrap="square" rtlCol="0">
+            <a:spAutoFit/>
+          </a:bodyPr>
+          <a:lstStyle/>
+          <a:p>
+            <a:r>
+              <a:rPr lang="en-US" dirty="0">
+                <a:solidFill>
+                  <a:schemeClr val="bg1"/>
+                </a:solidFill>
+              </a:rPr>
+              <a:t>EJERCICIO 10</a:t>
+            </a:r>
+            <a:endParaRPr lang="es-ES" dirty="0"/>
+          </a:p>
+        </p:txBody>
+      </p:sp>
+    </p:spTree>
+    <p:extLst>
+      <p:ext uri="{BB962C8B-B14F-4D97-AF65-F5344CB8AC3E}">
+        <p14:creationId xmlns:p14="http://schemas.microsoft.com/office/powerpoint/2010/main" val="202613759"/>
+      </p:ext>
+    </p:extLst>
+  </p:cSld>
+  <p:clrMapOvr>
+    <a:masterClrMapping/>
+  </p:clrMapOvr>
+</p:sld>
+</file>
+
+<file path=ppt/slides/slide18.xml><?xml version="1.0" encoding="utf-8"?>
+<p:sld xmlns:a="http://schemas.openxmlformats.org/drawingml/2006/main" xmlns:r="http://schemas.openxmlformats.org/officeDocument/2006/relationships" xmlns:p="http://schemas.openxmlformats.org/presentationml/2006/main">
+  <p:cSld>
+    <p:spTree>
+      <p:nvGrpSpPr>
+        <p:cNvPr id="1" name=""/>
+        <p:cNvGrpSpPr/>
+        <p:nvPr/>
+      </p:nvGrpSpPr>
+      <p:grpSpPr>
+        <a:xfrm>
+          <a:off x="0" y="0"/>
+          <a:ext cx="0" cy="0"/>
+          <a:chOff x="0" y="0"/>
+          <a:chExt cx="0" cy="0"/>
+        </a:xfrm>
+      </p:grpSpPr>
+      <p:pic>
+        <p:nvPicPr>
+          <p:cNvPr id="4" name="Imagen 3">
+            <a:extLst>
+              <a:ext uri="{FF2B5EF4-FFF2-40B4-BE49-F238E27FC236}">
+                <a16:creationId xmlns:a16="http://schemas.microsoft.com/office/drawing/2014/main" id="{5F85AD23-7FCA-0A28-9A1C-07D78030FF58}"/>
+              </a:ext>
+            </a:extLst>
+          </p:cNvPr>
+          <p:cNvPicPr>
+            <a:picLocks noChangeAspect="1"/>
+          </p:cNvPicPr>
+          <p:nvPr/>
+        </p:nvPicPr>
+        <p:blipFill>
+          <a:blip r:embed="rId2"/>
+          <a:stretch>
+            <a:fillRect/>
+          </a:stretch>
+        </p:blipFill>
+        <p:spPr>
+          <a:xfrm>
+            <a:off x="0" y="0"/>
+            <a:ext cx="6267910" cy="6858000"/>
+          </a:xfrm>
+          <a:prstGeom prst="rect">
+            <a:avLst/>
+          </a:prstGeom>
+        </p:spPr>
+      </p:pic>
+      <p:pic>
+        <p:nvPicPr>
+          <p:cNvPr id="7" name="Imagen 6">
+            <a:extLst>
+              <a:ext uri="{FF2B5EF4-FFF2-40B4-BE49-F238E27FC236}">
+                <a16:creationId xmlns:a16="http://schemas.microsoft.com/office/drawing/2014/main" id="{FE315A4E-7684-3BCE-2403-5E1B21A2D110}"/>
+              </a:ext>
+            </a:extLst>
+          </p:cNvPr>
+          <p:cNvPicPr>
+            <a:picLocks noChangeAspect="1"/>
+          </p:cNvPicPr>
+          <p:nvPr/>
+        </p:nvPicPr>
+        <p:blipFill>
+          <a:blip r:embed="rId3"/>
+          <a:stretch>
+            <a:fillRect/>
+          </a:stretch>
+        </p:blipFill>
+        <p:spPr>
+          <a:xfrm>
+            <a:off x="6267910" y="398584"/>
+            <a:ext cx="5998634" cy="6060832"/>
+          </a:xfrm>
+          <a:prstGeom prst="rect">
+            <a:avLst/>
+          </a:prstGeom>
+        </p:spPr>
+      </p:pic>
+    </p:spTree>
+    <p:extLst>
+      <p:ext uri="{BB962C8B-B14F-4D97-AF65-F5344CB8AC3E}">
+        <p14:creationId xmlns:p14="http://schemas.microsoft.com/office/powerpoint/2010/main" val="566290389"/>
+      </p:ext>
+    </p:extLst>
+  </p:cSld>
+  <p:clrMapOvr>
+    <a:masterClrMapping/>
+  </p:clrMapOvr>
+</p:sld>
+</file>
+
+<file path=ppt/slides/slide19.xml><?xml version="1.0" encoding="utf-8"?>
+<p:sld xmlns:a="http://schemas.openxmlformats.org/drawingml/2006/main" xmlns:r="http://schemas.openxmlformats.org/officeDocument/2006/relationships" xmlns:p="http://schemas.openxmlformats.org/presentationml/2006/main">
+  <p:cSld>
+    <p:spTree>
+      <p:nvGrpSpPr>
+        <p:cNvPr id="1" name=""/>
+        <p:cNvGrpSpPr/>
+        <p:nvPr/>
+      </p:nvGrpSpPr>
+      <p:grpSpPr>
+        <a:xfrm>
+          <a:off x="0" y="0"/>
+          <a:ext cx="0" cy="0"/>
+          <a:chOff x="0" y="0"/>
+          <a:chExt cx="0" cy="0"/>
+        </a:xfrm>
+      </p:grpSpPr>
+      <p:pic>
+        <p:nvPicPr>
+          <p:cNvPr id="7" name="Imagen 6">
+            <a:extLst>
+              <a:ext uri="{FF2B5EF4-FFF2-40B4-BE49-F238E27FC236}">
+                <a16:creationId xmlns:a16="http://schemas.microsoft.com/office/drawing/2014/main" id="{FE315A4E-7684-3BCE-2403-5E1B21A2D110}"/>
+              </a:ext>
+            </a:extLst>
+          </p:cNvPr>
+          <p:cNvPicPr>
+            <a:picLocks noChangeAspect="1"/>
+          </p:cNvPicPr>
+          <p:nvPr/>
+        </p:nvPicPr>
+        <p:blipFill>
+          <a:blip r:embed="rId2"/>
+          <a:stretch>
+            <a:fillRect/>
+          </a:stretch>
+        </p:blipFill>
+        <p:spPr>
+          <a:xfrm>
+            <a:off x="182436" y="0"/>
+            <a:ext cx="6578770" cy="6646984"/>
+          </a:xfrm>
+          <a:prstGeom prst="rect">
+            <a:avLst/>
+          </a:prstGeom>
+        </p:spPr>
+      </p:pic>
+    </p:spTree>
+    <p:extLst>
+      <p:ext uri="{BB962C8B-B14F-4D97-AF65-F5344CB8AC3E}">
+        <p14:creationId xmlns:p14="http://schemas.microsoft.com/office/powerpoint/2010/main" val="1540638260"/>
+      </p:ext>
+    </p:extLst>
+  </p:cSld>
+  <p:clrMapOvr>
+    <a:masterClrMapping/>
+  </p:clrMapOvr>
+</p:sld>
+</file>
+
+<file path=ppt/slides/slide2.xml><?xml version="1.0" encoding="utf-8"?>
+<p:sld xmlns:a="http://schemas.openxmlformats.org/drawingml/2006/main" xmlns:r="http://schemas.openxmlformats.org/officeDocument/2006/relationships" xmlns:p="http://schemas.openxmlformats.org/presentationml/2006/main">
+  <p:cSld>
+    <p:spTree>
+      <p:nvGrpSpPr>
+        <p:cNvPr id="1" name=""/>
+        <p:cNvGrpSpPr/>
+        <p:nvPr/>
+      </p:nvGrpSpPr>
+      <p:grpSpPr>
+        <a:xfrm>
+          <a:off x="0" y="0"/>
+          <a:ext cx="0" cy="0"/>
+          <a:chOff x="0" y="0"/>
+          <a:chExt cx="0" cy="0"/>
+        </a:xfrm>
+      </p:grpSpPr>
       <p:pic>
         <p:nvPicPr>
           <p:cNvPr id="5" name="Imagen 4" descr="Texto&#10;&#10;Descripción generada automáticamente">
@@ -3496,258 +4807,7 @@
 </p:sld>
 </file>
 
-<file path=ppt/slides/slide10.xml><?xml version="1.0" encoding="utf-8"?>
-<p:sld xmlns:a="http://schemas.openxmlformats.org/drawingml/2006/main" xmlns:r="http://schemas.openxmlformats.org/officeDocument/2006/relationships" xmlns:p="http://schemas.openxmlformats.org/presentationml/2006/main">
-  <p:cSld>
-    <p:spTree>
-      <p:nvGrpSpPr>
-        <p:cNvPr id="1" name=""/>
-        <p:cNvGrpSpPr/>
-        <p:nvPr/>
-      </p:nvGrpSpPr>
-      <p:grpSpPr>
-        <a:xfrm>
-          <a:off x="0" y="0"/>
-          <a:ext cx="0" cy="0"/>
-          <a:chOff x="0" y="0"/>
-          <a:chExt cx="0" cy="0"/>
-        </a:xfrm>
-      </p:grpSpPr>
-      <p:pic>
-        <p:nvPicPr>
-          <p:cNvPr id="11" name="Imagen 10">
-            <a:extLst>
-              <a:ext uri="{FF2B5EF4-FFF2-40B4-BE49-F238E27FC236}">
-                <a16:creationId xmlns:a16="http://schemas.microsoft.com/office/drawing/2014/main" id="{D2351D7B-F933-05AC-0FF3-EC976DDC1AB1}"/>
-              </a:ext>
-            </a:extLst>
-          </p:cNvPr>
-          <p:cNvPicPr>
-            <a:picLocks noChangeAspect="1"/>
-          </p:cNvPicPr>
-          <p:nvPr/>
-        </p:nvPicPr>
-        <p:blipFill>
-          <a:blip r:embed="rId2"/>
-          <a:stretch>
-            <a:fillRect/>
-          </a:stretch>
-        </p:blipFill>
-        <p:spPr>
-          <a:xfrm>
-            <a:off x="0" y="98107"/>
-            <a:ext cx="7943850" cy="1419225"/>
-          </a:xfrm>
-          <a:prstGeom prst="rect">
-            <a:avLst/>
-          </a:prstGeom>
-        </p:spPr>
-      </p:pic>
-      <p:pic>
-        <p:nvPicPr>
-          <p:cNvPr id="13" name="Imagen 12">
-            <a:extLst>
-              <a:ext uri="{FF2B5EF4-FFF2-40B4-BE49-F238E27FC236}">
-                <a16:creationId xmlns:a16="http://schemas.microsoft.com/office/drawing/2014/main" id="{3002E0A5-42BC-1576-F7F5-21284C90EF80}"/>
-              </a:ext>
-            </a:extLst>
-          </p:cNvPr>
-          <p:cNvPicPr>
-            <a:picLocks noChangeAspect="1"/>
-          </p:cNvPicPr>
-          <p:nvPr/>
-        </p:nvPicPr>
-        <p:blipFill>
-          <a:blip r:embed="rId3"/>
-          <a:stretch>
-            <a:fillRect/>
-          </a:stretch>
-        </p:blipFill>
-        <p:spPr>
-          <a:xfrm>
-            <a:off x="0" y="1517332"/>
-            <a:ext cx="5438775" cy="571500"/>
-          </a:xfrm>
-          <a:prstGeom prst="rect">
-            <a:avLst/>
-          </a:prstGeom>
-        </p:spPr>
-      </p:pic>
-      <p:pic>
-        <p:nvPicPr>
-          <p:cNvPr id="15" name="Imagen 14">
-            <a:extLst>
-              <a:ext uri="{FF2B5EF4-FFF2-40B4-BE49-F238E27FC236}">
-                <a16:creationId xmlns:a16="http://schemas.microsoft.com/office/drawing/2014/main" id="{1EE3F8C4-D8F3-5C44-D812-9481FE7C85CA}"/>
-              </a:ext>
-            </a:extLst>
-          </p:cNvPr>
-          <p:cNvPicPr>
-            <a:picLocks noChangeAspect="1"/>
-          </p:cNvPicPr>
-          <p:nvPr/>
-        </p:nvPicPr>
-        <p:blipFill rotWithShape="1">
-          <a:blip r:embed="rId4"/>
-          <a:srcRect b="50248"/>
-          <a:stretch/>
-        </p:blipFill>
-        <p:spPr>
-          <a:xfrm>
-            <a:off x="0" y="1905758"/>
-            <a:ext cx="10821162" cy="2288290"/>
-          </a:xfrm>
-          <a:prstGeom prst="rect">
-            <a:avLst/>
-          </a:prstGeom>
-        </p:spPr>
-      </p:pic>
-      <p:pic>
-        <p:nvPicPr>
-          <p:cNvPr id="17" name="Imagen 16">
-            <a:extLst>
-              <a:ext uri="{FF2B5EF4-FFF2-40B4-BE49-F238E27FC236}">
-                <a16:creationId xmlns:a16="http://schemas.microsoft.com/office/drawing/2014/main" id="{AA358648-0286-8713-1792-06ADD730B222}"/>
-              </a:ext>
-            </a:extLst>
-          </p:cNvPr>
-          <p:cNvPicPr>
-            <a:picLocks noChangeAspect="1"/>
-          </p:cNvPicPr>
-          <p:nvPr/>
-        </p:nvPicPr>
-        <p:blipFill rotWithShape="1">
-          <a:blip r:embed="rId4"/>
-          <a:srcRect t="65126"/>
-          <a:stretch/>
-        </p:blipFill>
-        <p:spPr>
-          <a:xfrm>
-            <a:off x="0" y="4338476"/>
-            <a:ext cx="10821162" cy="1604014"/>
-          </a:xfrm>
-          <a:prstGeom prst="rect">
-            <a:avLst/>
-          </a:prstGeom>
-        </p:spPr>
-      </p:pic>
-      <p:sp>
-        <p:nvSpPr>
-          <p:cNvPr id="19" name="CuadroTexto 18">
-            <a:extLst>
-              <a:ext uri="{FF2B5EF4-FFF2-40B4-BE49-F238E27FC236}">
-                <a16:creationId xmlns:a16="http://schemas.microsoft.com/office/drawing/2014/main" id="{8A64201D-DD87-FEFB-1430-2A97F9024E04}"/>
-              </a:ext>
-            </a:extLst>
-          </p:cNvPr>
-          <p:cNvSpPr txBox="1"/>
-          <p:nvPr/>
-        </p:nvSpPr>
-        <p:spPr>
-          <a:xfrm>
-            <a:off x="10471150" y="179048"/>
-            <a:ext cx="1720850" cy="369332"/>
-          </a:xfrm>
-          <a:prstGeom prst="rect">
-            <a:avLst/>
-          </a:prstGeom>
-          <a:noFill/>
-        </p:spPr>
-        <p:txBody>
-          <a:bodyPr wrap="square" rtlCol="0">
-            <a:spAutoFit/>
-          </a:bodyPr>
-          <a:lstStyle/>
-          <a:p>
-            <a:r>
-              <a:rPr lang="en-US" dirty="0">
-                <a:solidFill>
-                  <a:schemeClr val="bg1"/>
-                </a:solidFill>
-              </a:rPr>
-              <a:t>EJERCICO 05</a:t>
-            </a:r>
-            <a:endParaRPr lang="es-ES" dirty="0"/>
-          </a:p>
-        </p:txBody>
-      </p:sp>
-      <p:graphicFrame>
-        <p:nvGraphicFramePr>
-          <p:cNvPr id="20" name="Objeto 19">
-            <a:extLst>
-              <a:ext uri="{FF2B5EF4-FFF2-40B4-BE49-F238E27FC236}">
-                <a16:creationId xmlns:a16="http://schemas.microsoft.com/office/drawing/2014/main" id="{6F0C8F52-9BD2-21BC-C337-B9814CA7E6E8}"/>
-              </a:ext>
-            </a:extLst>
-          </p:cNvPr>
-          <p:cNvGraphicFramePr>
-            <a:graphicFrameLocks noChangeAspect="1"/>
-          </p:cNvGraphicFramePr>
-          <p:nvPr>
-            <p:extLst>
-              <p:ext uri="{D42A27DB-BD31-4B8C-83A1-F6EECF244321}">
-                <p14:modId xmlns:p14="http://schemas.microsoft.com/office/powerpoint/2010/main" val="3780069378"/>
-              </p:ext>
-            </p:extLst>
-          </p:nvPr>
-        </p:nvGraphicFramePr>
-        <p:xfrm>
-          <a:off x="10471150" y="568006"/>
-          <a:ext cx="1338263" cy="479425"/>
-        </p:xfrm>
-        <a:graphic>
-          <a:graphicData uri="http://schemas.openxmlformats.org/presentationml/2006/ole">
-            <mc:AlternateContent xmlns:mc="http://schemas.openxmlformats.org/markup-compatibility/2006">
-              <mc:Choice xmlns:v="urn:schemas-microsoft-com:vml" Requires="v">
-                <p:oleObj name="Objeto empaquetador del shell" showAsIcon="1" r:id="rId5" imgW="1338480" imgH="478800" progId="Package">
-                  <p:embed/>
-                </p:oleObj>
-              </mc:Choice>
-              <mc:Fallback>
-                <p:oleObj name="Objeto empaquetador del shell" showAsIcon="1" r:id="rId5" imgW="1338480" imgH="478800" progId="Package">
-                  <p:embed/>
-                  <p:pic>
-                    <p:nvPicPr>
-                      <p:cNvPr id="0" name=""/>
-                      <p:cNvPicPr/>
-                      <p:nvPr/>
-                    </p:nvPicPr>
-                    <p:blipFill>
-                      <a:blip r:embed="rId6"/>
-                      <a:stretch>
-                        <a:fillRect/>
-                      </a:stretch>
-                    </p:blipFill>
-                    <p:spPr>
-                      <a:xfrm>
-                        <a:off x="10471150" y="568006"/>
-                        <a:ext cx="1338263" cy="479425"/>
-                      </a:xfrm>
-                      <a:prstGeom prst="rect">
-                        <a:avLst/>
-                      </a:prstGeom>
-                    </p:spPr>
-                  </p:pic>
-                </p:oleObj>
-              </mc:Fallback>
-            </mc:AlternateContent>
-          </a:graphicData>
-        </a:graphic>
-      </p:graphicFrame>
-    </p:spTree>
-    <p:extLst>
-      <p:ext uri="{BB962C8B-B14F-4D97-AF65-F5344CB8AC3E}">
-        <p14:creationId xmlns:p14="http://schemas.microsoft.com/office/powerpoint/2010/main" val="147263993"/>
-      </p:ext>
-    </p:extLst>
-  </p:cSld>
-  <p:clrMapOvr>
-    <a:masterClrMapping/>
-  </p:clrMapOvr>
-</p:sld>
-</file>
-
-<file path=ppt/slides/slide11.xml><?xml version="1.0" encoding="utf-8"?>
+<file path=ppt/slides/slide20.xml><?xml version="1.0" encoding="utf-8"?>
 <p:sld xmlns:a="http://schemas.openxmlformats.org/drawingml/2006/main" xmlns:r="http://schemas.openxmlformats.org/officeDocument/2006/relationships" xmlns:p="http://schemas.openxmlformats.org/presentationml/2006/main">
   <p:cSld>
     <p:spTree>
@@ -3769,7 +4829,7 @@
           <p:cNvPr id="3" name="Imagen 2">
             <a:extLst>
               <a:ext uri="{FF2B5EF4-FFF2-40B4-BE49-F238E27FC236}">
-                <a16:creationId xmlns:a16="http://schemas.microsoft.com/office/drawing/2014/main" id="{9DFD7B40-AC7E-3A6C-45BC-B2B999E91ECC}"/>
+                <a16:creationId xmlns:a16="http://schemas.microsoft.com/office/drawing/2014/main" id="{1C8B9480-C73E-A9EE-AB80-E5508064DA14}"/>
               </a:ext>
             </a:extLst>
           </p:cNvPr>
@@ -3786,201 +4846,20 @@
         </p:blipFill>
         <p:spPr>
           <a:xfrm>
-            <a:off x="198560" y="133350"/>
-            <a:ext cx="10458450" cy="6591300"/>
+            <a:off x="167054" y="172915"/>
+            <a:ext cx="6934200" cy="2057400"/>
           </a:xfrm>
           <a:prstGeom prst="rect">
             <a:avLst/>
           </a:prstGeom>
         </p:spPr>
       </p:pic>
-      <p:sp>
-        <p:nvSpPr>
-          <p:cNvPr id="5" name="CuadroTexto 4">
-            <a:extLst>
-              <a:ext uri="{FF2B5EF4-FFF2-40B4-BE49-F238E27FC236}">
-                <a16:creationId xmlns:a16="http://schemas.microsoft.com/office/drawing/2014/main" id="{B6A53A4C-5AF5-75FB-649C-4557E6D11B2B}"/>
-              </a:ext>
-            </a:extLst>
-          </p:cNvPr>
-          <p:cNvSpPr txBox="1"/>
-          <p:nvPr/>
-        </p:nvSpPr>
-        <p:spPr>
-          <a:xfrm>
-            <a:off x="10471150" y="179048"/>
-            <a:ext cx="1720850" cy="369332"/>
-          </a:xfrm>
-          <a:prstGeom prst="rect">
-            <a:avLst/>
-          </a:prstGeom>
-          <a:noFill/>
-        </p:spPr>
-        <p:txBody>
-          <a:bodyPr wrap="square" rtlCol="0">
-            <a:spAutoFit/>
-          </a:bodyPr>
-          <a:lstStyle/>
-          <a:p>
-            <a:r>
-              <a:rPr lang="en-US" dirty="0" err="1">
-                <a:solidFill>
-                  <a:schemeClr val="bg1"/>
-                </a:solidFill>
-              </a:rPr>
-              <a:t>EJERCICiO</a:t>
-            </a:r>
-            <a:r>
-              <a:rPr lang="en-US" dirty="0">
-                <a:solidFill>
-                  <a:schemeClr val="bg1"/>
-                </a:solidFill>
-              </a:rPr>
-              <a:t> 06</a:t>
-            </a:r>
-            <a:endParaRPr lang="es-ES" dirty="0"/>
-          </a:p>
-        </p:txBody>
-      </p:sp>
-      <p:graphicFrame>
-        <p:nvGraphicFramePr>
-          <p:cNvPr id="6" name="Objeto 5">
-            <a:extLst>
-              <a:ext uri="{FF2B5EF4-FFF2-40B4-BE49-F238E27FC236}">
-                <a16:creationId xmlns:a16="http://schemas.microsoft.com/office/drawing/2014/main" id="{4CE95E48-AB72-4838-52E3-69CBBAD5E702}"/>
-              </a:ext>
-            </a:extLst>
-          </p:cNvPr>
-          <p:cNvGraphicFramePr>
-            <a:graphicFrameLocks noChangeAspect="1"/>
-          </p:cNvGraphicFramePr>
-          <p:nvPr>
-            <p:extLst>
-              <p:ext uri="{D42A27DB-BD31-4B8C-83A1-F6EECF244321}">
-                <p14:modId xmlns:p14="http://schemas.microsoft.com/office/powerpoint/2010/main" val="3273771371"/>
-              </p:ext>
-            </p:extLst>
-          </p:nvPr>
-        </p:nvGraphicFramePr>
-        <p:xfrm>
-          <a:off x="10572506" y="548380"/>
-          <a:ext cx="1338263" cy="479425"/>
-        </p:xfrm>
-        <a:graphic>
-          <a:graphicData uri="http://schemas.openxmlformats.org/presentationml/2006/ole">
-            <mc:AlternateContent xmlns:mc="http://schemas.openxmlformats.org/markup-compatibility/2006">
-              <mc:Choice xmlns:v="urn:schemas-microsoft-com:vml" Requires="v">
-                <p:oleObj name="Objeto empaquetador del shell" showAsIcon="1" r:id="rId3" imgW="1338480" imgH="478800" progId="Package">
-                  <p:embed/>
-                </p:oleObj>
-              </mc:Choice>
-              <mc:Fallback>
-                <p:oleObj name="Objeto empaquetador del shell" showAsIcon="1" r:id="rId3" imgW="1338480" imgH="478800" progId="Package">
-                  <p:embed/>
-                  <p:pic>
-                    <p:nvPicPr>
-                      <p:cNvPr id="0" name=""/>
-                      <p:cNvPicPr/>
-                      <p:nvPr/>
-                    </p:nvPicPr>
-                    <p:blipFill>
-                      <a:blip r:embed="rId4"/>
-                      <a:stretch>
-                        <a:fillRect/>
-                      </a:stretch>
-                    </p:blipFill>
-                    <p:spPr>
-                      <a:xfrm>
-                        <a:off x="10572506" y="548380"/>
-                        <a:ext cx="1338263" cy="479425"/>
-                      </a:xfrm>
-                      <a:prstGeom prst="rect">
-                        <a:avLst/>
-                      </a:prstGeom>
-                    </p:spPr>
-                  </p:pic>
-                </p:oleObj>
-              </mc:Fallback>
-            </mc:AlternateContent>
-          </a:graphicData>
-        </a:graphic>
-      </p:graphicFrame>
-    </p:spTree>
-    <p:extLst>
-      <p:ext uri="{BB962C8B-B14F-4D97-AF65-F5344CB8AC3E}">
-        <p14:creationId xmlns:p14="http://schemas.microsoft.com/office/powerpoint/2010/main" val="3471462079"/>
-      </p:ext>
-    </p:extLst>
-  </p:cSld>
-  <p:clrMapOvr>
-    <a:masterClrMapping/>
-  </p:clrMapOvr>
-</p:sld>
-</file>
-
-<file path=ppt/slides/slide12.xml><?xml version="1.0" encoding="utf-8"?>
-<p:sld xmlns:a="http://schemas.openxmlformats.org/drawingml/2006/main" xmlns:r="http://schemas.openxmlformats.org/officeDocument/2006/relationships" xmlns:p="http://schemas.openxmlformats.org/presentationml/2006/main">
-  <p:cSld>
-    <p:spTree>
-      <p:nvGrpSpPr>
-        <p:cNvPr id="1" name=""/>
-        <p:cNvGrpSpPr/>
-        <p:nvPr/>
-      </p:nvGrpSpPr>
-      <p:grpSpPr>
-        <a:xfrm>
-          <a:off x="0" y="0"/>
-          <a:ext cx="0" cy="0"/>
-          <a:chOff x="0" y="0"/>
-          <a:chExt cx="0" cy="0"/>
-        </a:xfrm>
-      </p:grpSpPr>
-      <p:sp>
-        <p:nvSpPr>
-          <p:cNvPr id="3" name="CuadroTexto 2">
-            <a:extLst>
-              <a:ext uri="{FF2B5EF4-FFF2-40B4-BE49-F238E27FC236}">
-                <a16:creationId xmlns:a16="http://schemas.microsoft.com/office/drawing/2014/main" id="{1C569FE9-5D0A-AD5F-31CC-12A30611A9B4}"/>
-              </a:ext>
-            </a:extLst>
-          </p:cNvPr>
-          <p:cNvSpPr txBox="1"/>
-          <p:nvPr/>
-        </p:nvSpPr>
-        <p:spPr>
-          <a:xfrm>
-            <a:off x="10471150" y="179048"/>
-            <a:ext cx="1720850" cy="369332"/>
-          </a:xfrm>
-          <a:prstGeom prst="rect">
-            <a:avLst/>
-          </a:prstGeom>
-          <a:noFill/>
-        </p:spPr>
-        <p:txBody>
-          <a:bodyPr wrap="square" rtlCol="0">
-            <a:spAutoFit/>
-          </a:bodyPr>
-          <a:lstStyle/>
-          <a:p>
-            <a:r>
-              <a:rPr lang="en-US" dirty="0">
-                <a:solidFill>
-                  <a:schemeClr val="bg1"/>
-                </a:solidFill>
-              </a:rPr>
-              <a:t>EJERCICIO 07</a:t>
-            </a:r>
-            <a:endParaRPr lang="es-ES" dirty="0"/>
-          </a:p>
-        </p:txBody>
-      </p:sp>
       <p:pic>
         <p:nvPicPr>
           <p:cNvPr id="5" name="Imagen 4">
             <a:extLst>
               <a:ext uri="{FF2B5EF4-FFF2-40B4-BE49-F238E27FC236}">
-                <a16:creationId xmlns:a16="http://schemas.microsoft.com/office/drawing/2014/main" id="{3B2639C2-797C-4678-5357-56B1996C0D14}"/>
+                <a16:creationId xmlns:a16="http://schemas.microsoft.com/office/drawing/2014/main" id="{CFF625F5-3537-C2EC-8290-A8C6D9503791}"/>
               </a:ext>
             </a:extLst>
           </p:cNvPr>
@@ -3990,147 +4869,27 @@
           <p:nvPr/>
         </p:nvPicPr>
         <p:blipFill>
-          <a:blip r:embed="rId2"/>
+          <a:blip r:embed="rId3"/>
           <a:stretch>
             <a:fillRect/>
           </a:stretch>
         </p:blipFill>
         <p:spPr>
           <a:xfrm>
-            <a:off x="102210" y="742950"/>
-            <a:ext cx="9572625" cy="2686050"/>
+            <a:off x="5108619" y="0"/>
+            <a:ext cx="6687438" cy="6858000"/>
           </a:xfrm>
           <a:prstGeom prst="rect">
             <a:avLst/>
           </a:prstGeom>
         </p:spPr>
       </p:pic>
-    </p:spTree>
-    <p:extLst>
-      <p:ext uri="{BB962C8B-B14F-4D97-AF65-F5344CB8AC3E}">
-        <p14:creationId xmlns:p14="http://schemas.microsoft.com/office/powerpoint/2010/main" val="3973345579"/>
-      </p:ext>
-    </p:extLst>
-  </p:cSld>
-  <p:clrMapOvr>
-    <a:masterClrMapping/>
-  </p:clrMapOvr>
-</p:sld>
-</file>
-
-<file path=ppt/slides/slide13.xml><?xml version="1.0" encoding="utf-8"?>
-<p:sld xmlns:a="http://schemas.openxmlformats.org/drawingml/2006/main" xmlns:r="http://schemas.openxmlformats.org/officeDocument/2006/relationships" xmlns:p="http://schemas.openxmlformats.org/presentationml/2006/main">
-  <p:cSld>
-    <p:spTree>
-      <p:nvGrpSpPr>
-        <p:cNvPr id="1" name=""/>
-        <p:cNvGrpSpPr/>
-        <p:nvPr/>
-      </p:nvGrpSpPr>
-      <p:grpSpPr>
-        <a:xfrm>
-          <a:off x="0" y="0"/>
-          <a:ext cx="0" cy="0"/>
-          <a:chOff x="0" y="0"/>
-          <a:chExt cx="0" cy="0"/>
-        </a:xfrm>
-      </p:grpSpPr>
-      <p:pic>
-        <p:nvPicPr>
-          <p:cNvPr id="5" name="Imagen 4">
-            <a:extLst>
-              <a:ext uri="{FF2B5EF4-FFF2-40B4-BE49-F238E27FC236}">
-                <a16:creationId xmlns:a16="http://schemas.microsoft.com/office/drawing/2014/main" id="{05BD8852-9782-0EFA-4458-1C191B92FCFE}"/>
-              </a:ext>
-            </a:extLst>
-          </p:cNvPr>
-          <p:cNvPicPr>
-            <a:picLocks noChangeAspect="1"/>
-          </p:cNvPicPr>
-          <p:nvPr/>
-        </p:nvPicPr>
-        <p:blipFill>
-          <a:blip r:embed="rId2"/>
-          <a:stretch>
-            <a:fillRect/>
-          </a:stretch>
-        </p:blipFill>
-        <p:spPr>
-          <a:xfrm>
-            <a:off x="133716" y="76200"/>
-            <a:ext cx="10353675" cy="6705600"/>
-          </a:xfrm>
-          <a:prstGeom prst="rect">
-            <a:avLst/>
-          </a:prstGeom>
-        </p:spPr>
-      </p:pic>
-    </p:spTree>
-    <p:extLst>
-      <p:ext uri="{BB962C8B-B14F-4D97-AF65-F5344CB8AC3E}">
-        <p14:creationId xmlns:p14="http://schemas.microsoft.com/office/powerpoint/2010/main" val="2100148997"/>
-      </p:ext>
-    </p:extLst>
-  </p:cSld>
-  <p:clrMapOvr>
-    <a:masterClrMapping/>
-  </p:clrMapOvr>
-</p:sld>
-</file>
-
-<file path=ppt/slides/slide14.xml><?xml version="1.0" encoding="utf-8"?>
-<p:sld xmlns:a="http://schemas.openxmlformats.org/drawingml/2006/main" xmlns:r="http://schemas.openxmlformats.org/officeDocument/2006/relationships" xmlns:p="http://schemas.openxmlformats.org/presentationml/2006/main">
-  <p:cSld>
-    <p:spTree>
-      <p:nvGrpSpPr>
-        <p:cNvPr id="1" name=""/>
-        <p:cNvGrpSpPr/>
-        <p:nvPr/>
-      </p:nvGrpSpPr>
-      <p:grpSpPr>
-        <a:xfrm>
-          <a:off x="0" y="0"/>
-          <a:ext cx="0" cy="0"/>
-          <a:chOff x="0" y="0"/>
-          <a:chExt cx="0" cy="0"/>
-        </a:xfrm>
-      </p:grpSpPr>
-      <p:pic>
-        <p:nvPicPr>
-          <p:cNvPr id="5" name="Imagen 4">
-            <a:extLst>
-              <a:ext uri="{FF2B5EF4-FFF2-40B4-BE49-F238E27FC236}">
-                <a16:creationId xmlns:a16="http://schemas.microsoft.com/office/drawing/2014/main" id="{23B49093-87FF-AF31-75EE-E8D89CF4A769}"/>
-              </a:ext>
-            </a:extLst>
-          </p:cNvPr>
-          <p:cNvPicPr>
-            <a:picLocks noChangeAspect="1"/>
-          </p:cNvPicPr>
-          <p:nvPr/>
-        </p:nvPicPr>
-        <p:blipFill>
-          <a:blip r:embed="rId2"/>
-          <a:stretch>
-            <a:fillRect/>
-          </a:stretch>
-        </p:blipFill>
-        <p:spPr>
-          <a:xfrm>
-            <a:off x="461962" y="285750"/>
-            <a:ext cx="11268075" cy="6286500"/>
-          </a:xfrm>
-          <a:prstGeom prst="rect">
-            <a:avLst/>
-          </a:prstGeom>
-        </p:spPr>
-      </p:pic>
-      <p:sp>
-        <p:nvSpPr>
-          <p:cNvPr id="7" name="CuadroTexto 6">
-            <a:extLst>
-              <a:ext uri="{FF2B5EF4-FFF2-40B4-BE49-F238E27FC236}">
-                <a16:creationId xmlns:a16="http://schemas.microsoft.com/office/drawing/2014/main" id="{C0D98414-71D9-FDEC-16CF-EB2786A08FD8}"/>
+      <p:sp>
+        <p:nvSpPr>
+          <p:cNvPr id="8" name="CuadroTexto 7">
+            <a:extLst>
+              <a:ext uri="{FF2B5EF4-FFF2-40B4-BE49-F238E27FC236}">
+                <a16:creationId xmlns:a16="http://schemas.microsoft.com/office/drawing/2014/main" id="{32E0BA7B-5366-8ACA-02BA-4B34722674B8}"/>
               </a:ext>
             </a:extLst>
           </p:cNvPr>
@@ -4159,331 +4918,16 @@
                   <a:schemeClr val="bg1"/>
                 </a:solidFill>
               </a:rPr>
-              <a:t>EJERCICIO 08</a:t>
+              <a:t>EJERCICIO 11</a:t>
             </a:r>
             <a:endParaRPr lang="es-ES" dirty="0"/>
           </a:p>
         </p:txBody>
       </p:sp>
-      <p:graphicFrame>
-        <p:nvGraphicFramePr>
-          <p:cNvPr id="2" name="Objeto 1">
-            <a:extLst>
-              <a:ext uri="{FF2B5EF4-FFF2-40B4-BE49-F238E27FC236}">
-                <a16:creationId xmlns:a16="http://schemas.microsoft.com/office/drawing/2014/main" id="{ACC47A82-642D-5761-5194-30FF09F7AE71}"/>
-              </a:ext>
-            </a:extLst>
-          </p:cNvPr>
-          <p:cNvGraphicFramePr>
-            <a:graphicFrameLocks noChangeAspect="1"/>
-          </p:cNvGraphicFramePr>
-          <p:nvPr>
-            <p:extLst>
-              <p:ext uri="{D42A27DB-BD31-4B8C-83A1-F6EECF244321}">
-                <p14:modId xmlns:p14="http://schemas.microsoft.com/office/powerpoint/2010/main" val="1411889613"/>
-              </p:ext>
-            </p:extLst>
-          </p:nvPr>
-        </p:nvGraphicFramePr>
-        <p:xfrm>
-          <a:off x="10662443" y="587945"/>
-          <a:ext cx="1338263" cy="479425"/>
-        </p:xfrm>
-        <a:graphic>
-          <a:graphicData uri="http://schemas.openxmlformats.org/presentationml/2006/ole">
-            <mc:AlternateContent xmlns:mc="http://schemas.openxmlformats.org/markup-compatibility/2006">
-              <mc:Choice xmlns:v="urn:schemas-microsoft-com:vml" Requires="v">
-                <p:oleObj name="Objeto empaquetador del shell" showAsIcon="1" r:id="rId3" imgW="1338480" imgH="478800" progId="Package">
-                  <p:embed/>
-                </p:oleObj>
-              </mc:Choice>
-              <mc:Fallback>
-                <p:oleObj name="Objeto empaquetador del shell" showAsIcon="1" r:id="rId3" imgW="1338480" imgH="478800" progId="Package">
-                  <p:embed/>
-                  <p:pic>
-                    <p:nvPicPr>
-                      <p:cNvPr id="0" name=""/>
-                      <p:cNvPicPr/>
-                      <p:nvPr/>
-                    </p:nvPicPr>
-                    <p:blipFill>
-                      <a:blip r:embed="rId4"/>
-                      <a:stretch>
-                        <a:fillRect/>
-                      </a:stretch>
-                    </p:blipFill>
-                    <p:spPr>
-                      <a:xfrm>
-                        <a:off x="10662443" y="587945"/>
-                        <a:ext cx="1338263" cy="479425"/>
-                      </a:xfrm>
-                      <a:prstGeom prst="rect">
-                        <a:avLst/>
-                      </a:prstGeom>
-                    </p:spPr>
-                  </p:pic>
-                </p:oleObj>
-              </mc:Fallback>
-            </mc:AlternateContent>
-          </a:graphicData>
-        </a:graphic>
-      </p:graphicFrame>
     </p:spTree>
     <p:extLst>
       <p:ext uri="{BB962C8B-B14F-4D97-AF65-F5344CB8AC3E}">
-        <p14:creationId xmlns:p14="http://schemas.microsoft.com/office/powerpoint/2010/main" val="3132383608"/>
-      </p:ext>
-    </p:extLst>
-  </p:cSld>
-  <p:clrMapOvr>
-    <a:masterClrMapping/>
-  </p:clrMapOvr>
-</p:sld>
-</file>
-
-<file path=ppt/slides/slide15.xml><?xml version="1.0" encoding="utf-8"?>
-<p:sld xmlns:a="http://schemas.openxmlformats.org/drawingml/2006/main" xmlns:r="http://schemas.openxmlformats.org/officeDocument/2006/relationships" xmlns:p="http://schemas.openxmlformats.org/presentationml/2006/main">
-  <p:cSld>
-    <p:spTree>
-      <p:nvGrpSpPr>
-        <p:cNvPr id="1" name=""/>
-        <p:cNvGrpSpPr/>
-        <p:nvPr/>
-      </p:nvGrpSpPr>
-      <p:grpSpPr>
-        <a:xfrm>
-          <a:off x="0" y="0"/>
-          <a:ext cx="0" cy="0"/>
-          <a:chOff x="0" y="0"/>
-          <a:chExt cx="0" cy="0"/>
-        </a:xfrm>
-      </p:grpSpPr>
-      <p:sp>
-        <p:nvSpPr>
-          <p:cNvPr id="3" name="CuadroTexto 2">
-            <a:extLst>
-              <a:ext uri="{FF2B5EF4-FFF2-40B4-BE49-F238E27FC236}">
-                <a16:creationId xmlns:a16="http://schemas.microsoft.com/office/drawing/2014/main" id="{499DC5CB-1FFC-136B-E359-BC9D7756FC5A}"/>
-              </a:ext>
-            </a:extLst>
-          </p:cNvPr>
-          <p:cNvSpPr txBox="1"/>
-          <p:nvPr/>
-        </p:nvSpPr>
-        <p:spPr>
-          <a:xfrm>
-            <a:off x="10471150" y="179048"/>
-            <a:ext cx="1720850" cy="369332"/>
-          </a:xfrm>
-          <a:prstGeom prst="rect">
-            <a:avLst/>
-          </a:prstGeom>
-          <a:noFill/>
-        </p:spPr>
-        <p:txBody>
-          <a:bodyPr wrap="square" rtlCol="0">
-            <a:spAutoFit/>
-          </a:bodyPr>
-          <a:lstStyle/>
-          <a:p>
-            <a:r>
-              <a:rPr lang="en-US" dirty="0">
-                <a:solidFill>
-                  <a:schemeClr val="bg1"/>
-                </a:solidFill>
-              </a:rPr>
-              <a:t>EJERCICIO 09</a:t>
-            </a:r>
-            <a:endParaRPr lang="es-ES" dirty="0"/>
-          </a:p>
-        </p:txBody>
-      </p:sp>
-      <p:pic>
-        <p:nvPicPr>
-          <p:cNvPr id="5" name="Imagen 4">
-            <a:extLst>
-              <a:ext uri="{FF2B5EF4-FFF2-40B4-BE49-F238E27FC236}">
-                <a16:creationId xmlns:a16="http://schemas.microsoft.com/office/drawing/2014/main" id="{1949FC7A-0023-6869-4EDC-4D3B49E22137}"/>
-              </a:ext>
-            </a:extLst>
-          </p:cNvPr>
-          <p:cNvPicPr>
-            <a:picLocks noChangeAspect="1"/>
-          </p:cNvPicPr>
-          <p:nvPr/>
-        </p:nvPicPr>
-        <p:blipFill rotWithShape="1">
-          <a:blip r:embed="rId2"/>
-          <a:srcRect l="634"/>
-          <a:stretch/>
-        </p:blipFill>
-        <p:spPr>
-          <a:xfrm>
-            <a:off x="339968" y="456175"/>
-            <a:ext cx="9179169" cy="5758082"/>
-          </a:xfrm>
-          <a:prstGeom prst="rect">
-            <a:avLst/>
-          </a:prstGeom>
-        </p:spPr>
-      </p:pic>
-      <p:graphicFrame>
-        <p:nvGraphicFramePr>
-          <p:cNvPr id="6" name="Objeto 5">
-            <a:extLst>
-              <a:ext uri="{FF2B5EF4-FFF2-40B4-BE49-F238E27FC236}">
-                <a16:creationId xmlns:a16="http://schemas.microsoft.com/office/drawing/2014/main" id="{7398B010-EB45-B175-C21C-60C8F951653C}"/>
-              </a:ext>
-            </a:extLst>
-          </p:cNvPr>
-          <p:cNvGraphicFramePr>
-            <a:graphicFrameLocks noChangeAspect="1"/>
-          </p:cNvGraphicFramePr>
-          <p:nvPr>
-            <p:extLst>
-              <p:ext uri="{D42A27DB-BD31-4B8C-83A1-F6EECF244321}">
-                <p14:modId xmlns:p14="http://schemas.microsoft.com/office/powerpoint/2010/main" val="2489048531"/>
-              </p:ext>
-            </p:extLst>
-          </p:nvPr>
-        </p:nvGraphicFramePr>
-        <p:xfrm>
-          <a:off x="10513769" y="548380"/>
-          <a:ext cx="1338263" cy="479425"/>
-        </p:xfrm>
-        <a:graphic>
-          <a:graphicData uri="http://schemas.openxmlformats.org/presentationml/2006/ole">
-            <mc:AlternateContent xmlns:mc="http://schemas.openxmlformats.org/markup-compatibility/2006">
-              <mc:Choice xmlns:v="urn:schemas-microsoft-com:vml" Requires="v">
-                <p:oleObj name="Objeto empaquetador del shell" showAsIcon="1" r:id="rId3" imgW="1338480" imgH="478800" progId="Package">
-                  <p:embed/>
-                </p:oleObj>
-              </mc:Choice>
-              <mc:Fallback>
-                <p:oleObj name="Objeto empaquetador del shell" showAsIcon="1" r:id="rId3" imgW="1338480" imgH="478800" progId="Package">
-                  <p:embed/>
-                  <p:pic>
-                    <p:nvPicPr>
-                      <p:cNvPr id="0" name=""/>
-                      <p:cNvPicPr/>
-                      <p:nvPr/>
-                    </p:nvPicPr>
-                    <p:blipFill>
-                      <a:blip r:embed="rId4"/>
-                      <a:stretch>
-                        <a:fillRect/>
-                      </a:stretch>
-                    </p:blipFill>
-                    <p:spPr>
-                      <a:xfrm>
-                        <a:off x="10513769" y="548380"/>
-                        <a:ext cx="1338263" cy="479425"/>
-                      </a:xfrm>
-                      <a:prstGeom prst="rect">
-                        <a:avLst/>
-                      </a:prstGeom>
-                    </p:spPr>
-                  </p:pic>
-                </p:oleObj>
-              </mc:Fallback>
-            </mc:AlternateContent>
-          </a:graphicData>
-        </a:graphic>
-      </p:graphicFrame>
-    </p:spTree>
-    <p:extLst>
-      <p:ext uri="{BB962C8B-B14F-4D97-AF65-F5344CB8AC3E}">
-        <p14:creationId xmlns:p14="http://schemas.microsoft.com/office/powerpoint/2010/main" val="2103105044"/>
-      </p:ext>
-    </p:extLst>
-  </p:cSld>
-  <p:clrMapOvr>
-    <a:masterClrMapping/>
-  </p:clrMapOvr>
-</p:sld>
-</file>
-
-<file path=ppt/slides/slide16.xml><?xml version="1.0" encoding="utf-8"?>
-<p:sld xmlns:a="http://schemas.openxmlformats.org/drawingml/2006/main" xmlns:r="http://schemas.openxmlformats.org/officeDocument/2006/relationships" xmlns:p="http://schemas.openxmlformats.org/presentationml/2006/main">
-  <p:cSld>
-    <p:spTree>
-      <p:nvGrpSpPr>
-        <p:cNvPr id="1" name=""/>
-        <p:cNvGrpSpPr/>
-        <p:nvPr/>
-      </p:nvGrpSpPr>
-      <p:grpSpPr>
-        <a:xfrm>
-          <a:off x="0" y="0"/>
-          <a:ext cx="0" cy="0"/>
-          <a:chOff x="0" y="0"/>
-          <a:chExt cx="0" cy="0"/>
-        </a:xfrm>
-      </p:grpSpPr>
-    </p:spTree>
-    <p:extLst>
-      <p:ext uri="{BB962C8B-B14F-4D97-AF65-F5344CB8AC3E}">
-        <p14:creationId xmlns:p14="http://schemas.microsoft.com/office/powerpoint/2010/main" val="202613759"/>
-      </p:ext>
-    </p:extLst>
-  </p:cSld>
-  <p:clrMapOvr>
-    <a:masterClrMapping/>
-  </p:clrMapOvr>
-</p:sld>
-</file>
-
-<file path=ppt/slides/slide2.xml><?xml version="1.0" encoding="utf-8"?>
-<p:sld xmlns:a="http://schemas.openxmlformats.org/drawingml/2006/main" xmlns:r="http://schemas.openxmlformats.org/officeDocument/2006/relationships" xmlns:p="http://schemas.openxmlformats.org/presentationml/2006/main">
-  <p:cSld>
-    <p:spTree>
-      <p:nvGrpSpPr>
-        <p:cNvPr id="1" name=""/>
-        <p:cNvGrpSpPr/>
-        <p:nvPr/>
-      </p:nvGrpSpPr>
-      <p:grpSpPr>
-        <a:xfrm>
-          <a:off x="0" y="0"/>
-          <a:ext cx="0" cy="0"/>
-          <a:chOff x="0" y="0"/>
-          <a:chExt cx="0" cy="0"/>
-        </a:xfrm>
-      </p:grpSpPr>
-      <p:pic>
-        <p:nvPicPr>
-          <p:cNvPr id="5" name="Imagen 4">
-            <a:extLst>
-              <a:ext uri="{FF2B5EF4-FFF2-40B4-BE49-F238E27FC236}">
-                <a16:creationId xmlns:a16="http://schemas.microsoft.com/office/drawing/2014/main" id="{F78739A7-C988-C43E-6B33-2DF9828942F7}"/>
-              </a:ext>
-            </a:extLst>
-          </p:cNvPr>
-          <p:cNvPicPr>
-            <a:picLocks noChangeAspect="1"/>
-          </p:cNvPicPr>
-          <p:nvPr/>
-        </p:nvPicPr>
-        <p:blipFill>
-          <a:blip r:embed="rId2"/>
-          <a:stretch>
-            <a:fillRect/>
-          </a:stretch>
-        </p:blipFill>
-        <p:spPr>
-          <a:xfrm>
-            <a:off x="0" y="773723"/>
-            <a:ext cx="9542584" cy="4574644"/>
-          </a:xfrm>
-          <a:prstGeom prst="rect">
-            <a:avLst/>
-          </a:prstGeom>
-        </p:spPr>
-      </p:pic>
-    </p:spTree>
-    <p:extLst>
-      <p:ext uri="{BB962C8B-B14F-4D97-AF65-F5344CB8AC3E}">
-        <p14:creationId xmlns:p14="http://schemas.microsoft.com/office/powerpoint/2010/main" val="512549118"/>
+        <p14:creationId xmlns:p14="http://schemas.microsoft.com/office/powerpoint/2010/main" val="1058780481"/>
       </p:ext>
     </p:extLst>
   </p:cSld>
@@ -4515,6 +4959,66 @@
           <p:cNvPr id="5" name="Imagen 4">
             <a:extLst>
               <a:ext uri="{FF2B5EF4-FFF2-40B4-BE49-F238E27FC236}">
+                <a16:creationId xmlns:a16="http://schemas.microsoft.com/office/drawing/2014/main" id="{F78739A7-C988-C43E-6B33-2DF9828942F7}"/>
+              </a:ext>
+            </a:extLst>
+          </p:cNvPr>
+          <p:cNvPicPr>
+            <a:picLocks noChangeAspect="1"/>
+          </p:cNvPicPr>
+          <p:nvPr/>
+        </p:nvPicPr>
+        <p:blipFill>
+          <a:blip r:embed="rId2"/>
+          <a:stretch>
+            <a:fillRect/>
+          </a:stretch>
+        </p:blipFill>
+        <p:spPr>
+          <a:xfrm>
+            <a:off x="0" y="773723"/>
+            <a:ext cx="9542584" cy="4574644"/>
+          </a:xfrm>
+          <a:prstGeom prst="rect">
+            <a:avLst/>
+          </a:prstGeom>
+        </p:spPr>
+      </p:pic>
+    </p:spTree>
+    <p:extLst>
+      <p:ext uri="{BB962C8B-B14F-4D97-AF65-F5344CB8AC3E}">
+        <p14:creationId xmlns:p14="http://schemas.microsoft.com/office/powerpoint/2010/main" val="512549118"/>
+      </p:ext>
+    </p:extLst>
+  </p:cSld>
+  <p:clrMapOvr>
+    <a:masterClrMapping/>
+  </p:clrMapOvr>
+</p:sld>
+</file>
+
+<file path=ppt/slides/slide4.xml><?xml version="1.0" encoding="utf-8"?>
+<p:sld xmlns:a="http://schemas.openxmlformats.org/drawingml/2006/main" xmlns:r="http://schemas.openxmlformats.org/officeDocument/2006/relationships" xmlns:p="http://schemas.openxmlformats.org/presentationml/2006/main">
+  <p:cSld>
+    <p:spTree>
+      <p:nvGrpSpPr>
+        <p:cNvPr id="1" name=""/>
+        <p:cNvGrpSpPr/>
+        <p:nvPr/>
+      </p:nvGrpSpPr>
+      <p:grpSpPr>
+        <a:xfrm>
+          <a:off x="0" y="0"/>
+          <a:ext cx="0" cy="0"/>
+          <a:chOff x="0" y="0"/>
+          <a:chExt cx="0" cy="0"/>
+        </a:xfrm>
+      </p:grpSpPr>
+      <p:pic>
+        <p:nvPicPr>
+          <p:cNvPr id="5" name="Imagen 4">
+            <a:extLst>
+              <a:ext uri="{FF2B5EF4-FFF2-40B4-BE49-F238E27FC236}">
                 <a16:creationId xmlns:a16="http://schemas.microsoft.com/office/drawing/2014/main" id="{2F26D0E1-2E06-FF75-026A-C273EFCA3D34}"/>
               </a:ext>
             </a:extLst>
@@ -4553,7 +5057,7 @@
 </p:sld>
 </file>
 
-<file path=ppt/slides/slide4.xml><?xml version="1.0" encoding="utf-8"?>
+<file path=ppt/slides/slide5.xml><?xml version="1.0" encoding="utf-8"?>
 <p:sld xmlns:a="http://schemas.openxmlformats.org/drawingml/2006/main" xmlns:r="http://schemas.openxmlformats.org/officeDocument/2006/relationships" xmlns:p="http://schemas.openxmlformats.org/presentationml/2006/main">
   <p:cSld>
     <p:spTree>
@@ -4716,7 +5220,7 @@
 </p:sld>
 </file>
 
-<file path=ppt/slides/slide5.xml><?xml version="1.0" encoding="utf-8"?>
+<file path=ppt/slides/slide6.xml><?xml version="1.0" encoding="utf-8"?>
 <p:sld xmlns:a="http://schemas.openxmlformats.org/drawingml/2006/main" xmlns:r="http://schemas.openxmlformats.org/officeDocument/2006/relationships" xmlns:p="http://schemas.openxmlformats.org/presentationml/2006/main">
   <p:cSld>
     <p:spTree>
@@ -4879,66 +5383,6 @@
 </p:sld>
 </file>
 
-<file path=ppt/slides/slide6.xml><?xml version="1.0" encoding="utf-8"?>
-<p:sld xmlns:a="http://schemas.openxmlformats.org/drawingml/2006/main" xmlns:r="http://schemas.openxmlformats.org/officeDocument/2006/relationships" xmlns:p="http://schemas.openxmlformats.org/presentationml/2006/main">
-  <p:cSld>
-    <p:spTree>
-      <p:nvGrpSpPr>
-        <p:cNvPr id="1" name=""/>
-        <p:cNvGrpSpPr/>
-        <p:nvPr/>
-      </p:nvGrpSpPr>
-      <p:grpSpPr>
-        <a:xfrm>
-          <a:off x="0" y="0"/>
-          <a:ext cx="0" cy="0"/>
-          <a:chOff x="0" y="0"/>
-          <a:chExt cx="0" cy="0"/>
-        </a:xfrm>
-      </p:grpSpPr>
-      <p:pic>
-        <p:nvPicPr>
-          <p:cNvPr id="3" name="Imagen 2">
-            <a:extLst>
-              <a:ext uri="{FF2B5EF4-FFF2-40B4-BE49-F238E27FC236}">
-                <a16:creationId xmlns:a16="http://schemas.microsoft.com/office/drawing/2014/main" id="{525CE297-D61A-7276-8D42-50EC1FBC152F}"/>
-              </a:ext>
-            </a:extLst>
-          </p:cNvPr>
-          <p:cNvPicPr>
-            <a:picLocks noChangeAspect="1"/>
-          </p:cNvPicPr>
-          <p:nvPr/>
-        </p:nvPicPr>
-        <p:blipFill>
-          <a:blip r:embed="rId2"/>
-          <a:stretch>
-            <a:fillRect/>
-          </a:stretch>
-        </p:blipFill>
-        <p:spPr>
-          <a:xfrm>
-            <a:off x="0" y="87819"/>
-            <a:ext cx="8112370" cy="6471346"/>
-          </a:xfrm>
-          <a:prstGeom prst="rect">
-            <a:avLst/>
-          </a:prstGeom>
-        </p:spPr>
-      </p:pic>
-    </p:spTree>
-    <p:extLst>
-      <p:ext uri="{BB962C8B-B14F-4D97-AF65-F5344CB8AC3E}">
-        <p14:creationId xmlns:p14="http://schemas.microsoft.com/office/powerpoint/2010/main" val="2289360534"/>
-      </p:ext>
-    </p:extLst>
-  </p:cSld>
-  <p:clrMapOvr>
-    <a:masterClrMapping/>
-  </p:clrMapOvr>
-</p:sld>
-</file>
-
 <file path=ppt/slides/slide7.xml><?xml version="1.0" encoding="utf-8"?>
 <p:sld xmlns:a="http://schemas.openxmlformats.org/drawingml/2006/main" xmlns:r="http://schemas.openxmlformats.org/officeDocument/2006/relationships" xmlns:p="http://schemas.openxmlformats.org/presentationml/2006/main">
   <p:cSld>
@@ -4961,6 +5405,66 @@
           <p:cNvPr id="3" name="Imagen 2">
             <a:extLst>
               <a:ext uri="{FF2B5EF4-FFF2-40B4-BE49-F238E27FC236}">
+                <a16:creationId xmlns:a16="http://schemas.microsoft.com/office/drawing/2014/main" id="{525CE297-D61A-7276-8D42-50EC1FBC152F}"/>
+              </a:ext>
+            </a:extLst>
+          </p:cNvPr>
+          <p:cNvPicPr>
+            <a:picLocks noChangeAspect="1"/>
+          </p:cNvPicPr>
+          <p:nvPr/>
+        </p:nvPicPr>
+        <p:blipFill>
+          <a:blip r:embed="rId2"/>
+          <a:stretch>
+            <a:fillRect/>
+          </a:stretch>
+        </p:blipFill>
+        <p:spPr>
+          <a:xfrm>
+            <a:off x="0" y="87819"/>
+            <a:ext cx="8112370" cy="6471346"/>
+          </a:xfrm>
+          <a:prstGeom prst="rect">
+            <a:avLst/>
+          </a:prstGeom>
+        </p:spPr>
+      </p:pic>
+    </p:spTree>
+    <p:extLst>
+      <p:ext uri="{BB962C8B-B14F-4D97-AF65-F5344CB8AC3E}">
+        <p14:creationId xmlns:p14="http://schemas.microsoft.com/office/powerpoint/2010/main" val="2289360534"/>
+      </p:ext>
+    </p:extLst>
+  </p:cSld>
+  <p:clrMapOvr>
+    <a:masterClrMapping/>
+  </p:clrMapOvr>
+</p:sld>
+</file>
+
+<file path=ppt/slides/slide8.xml><?xml version="1.0" encoding="utf-8"?>
+<p:sld xmlns:a="http://schemas.openxmlformats.org/drawingml/2006/main" xmlns:r="http://schemas.openxmlformats.org/officeDocument/2006/relationships" xmlns:p="http://schemas.openxmlformats.org/presentationml/2006/main">
+  <p:cSld>
+    <p:spTree>
+      <p:nvGrpSpPr>
+        <p:cNvPr id="1" name=""/>
+        <p:cNvGrpSpPr/>
+        <p:nvPr/>
+      </p:nvGrpSpPr>
+      <p:grpSpPr>
+        <a:xfrm>
+          <a:off x="0" y="0"/>
+          <a:ext cx="0" cy="0"/>
+          <a:chOff x="0" y="0"/>
+          <a:chExt cx="0" cy="0"/>
+        </a:xfrm>
+      </p:grpSpPr>
+      <p:pic>
+        <p:nvPicPr>
+          <p:cNvPr id="3" name="Imagen 2">
+            <a:extLst>
+              <a:ext uri="{FF2B5EF4-FFF2-40B4-BE49-F238E27FC236}">
                 <a16:creationId xmlns:a16="http://schemas.microsoft.com/office/drawing/2014/main" id="{F6516B34-42E0-E50E-6DE7-B5BE8424F707}"/>
               </a:ext>
             </a:extLst>
@@ -4999,7 +5503,7 @@
 </p:sld>
 </file>
 
-<file path=ppt/slides/slide8.xml><?xml version="1.0" encoding="utf-8"?>
+<file path=ppt/slides/slide9.xml><?xml version="1.0" encoding="utf-8"?>
 <p:sld xmlns:a="http://schemas.openxmlformats.org/drawingml/2006/main" xmlns:r="http://schemas.openxmlformats.org/officeDocument/2006/relationships" xmlns:p="http://schemas.openxmlformats.org/presentationml/2006/main">
   <p:cSld>
     <p:spTree>
@@ -5153,96 +5657,6 @@
     <p:extLst>
       <p:ext uri="{BB962C8B-B14F-4D97-AF65-F5344CB8AC3E}">
         <p14:creationId xmlns:p14="http://schemas.microsoft.com/office/powerpoint/2010/main" val="38599132"/>
-      </p:ext>
-    </p:extLst>
-  </p:cSld>
-  <p:clrMapOvr>
-    <a:masterClrMapping/>
-  </p:clrMapOvr>
-</p:sld>
-</file>
-
-<file path=ppt/slides/slide9.xml><?xml version="1.0" encoding="utf-8"?>
-<p:sld xmlns:a="http://schemas.openxmlformats.org/drawingml/2006/main" xmlns:r="http://schemas.openxmlformats.org/officeDocument/2006/relationships" xmlns:p="http://schemas.openxmlformats.org/presentationml/2006/main">
-  <p:cSld>
-    <p:spTree>
-      <p:nvGrpSpPr>
-        <p:cNvPr id="1" name=""/>
-        <p:cNvGrpSpPr/>
-        <p:nvPr/>
-      </p:nvGrpSpPr>
-      <p:grpSpPr>
-        <a:xfrm>
-          <a:off x="0" y="0"/>
-          <a:ext cx="0" cy="0"/>
-          <a:chOff x="0" y="0"/>
-          <a:chExt cx="0" cy="0"/>
-        </a:xfrm>
-      </p:grpSpPr>
-      <p:pic>
-        <p:nvPicPr>
-          <p:cNvPr id="3" name="Imagen 2">
-            <a:extLst>
-              <a:ext uri="{FF2B5EF4-FFF2-40B4-BE49-F238E27FC236}">
-                <a16:creationId xmlns:a16="http://schemas.microsoft.com/office/drawing/2014/main" id="{0473FF8F-00F6-2D67-2B04-34AFAAEE89CC}"/>
-              </a:ext>
-            </a:extLst>
-          </p:cNvPr>
-          <p:cNvPicPr>
-            <a:picLocks noChangeAspect="1"/>
-          </p:cNvPicPr>
-          <p:nvPr/>
-        </p:nvPicPr>
-        <p:blipFill>
-          <a:blip r:embed="rId2"/>
-          <a:stretch>
-            <a:fillRect/>
-          </a:stretch>
-        </p:blipFill>
-        <p:spPr>
-          <a:xfrm>
-            <a:off x="0" y="0"/>
-            <a:ext cx="7347497" cy="4267200"/>
-          </a:xfrm>
-          <a:prstGeom prst="rect">
-            <a:avLst/>
-          </a:prstGeom>
-        </p:spPr>
-      </p:pic>
-      <p:pic>
-        <p:nvPicPr>
-          <p:cNvPr id="7" name="Imagen 6">
-            <a:extLst>
-              <a:ext uri="{FF2B5EF4-FFF2-40B4-BE49-F238E27FC236}">
-                <a16:creationId xmlns:a16="http://schemas.microsoft.com/office/drawing/2014/main" id="{D87E94B9-4534-2B7D-5261-4224F96A8174}"/>
-              </a:ext>
-            </a:extLst>
-          </p:cNvPr>
-          <p:cNvPicPr>
-            <a:picLocks noChangeAspect="1"/>
-          </p:cNvPicPr>
-          <p:nvPr/>
-        </p:nvPicPr>
-        <p:blipFill>
-          <a:blip r:embed="rId3"/>
-          <a:stretch>
-            <a:fillRect/>
-          </a:stretch>
-        </p:blipFill>
-        <p:spPr>
-          <a:xfrm>
-            <a:off x="6096000" y="1789488"/>
-            <a:ext cx="6079242" cy="2200498"/>
-          </a:xfrm>
-          <a:prstGeom prst="rect">
-            <a:avLst/>
-          </a:prstGeom>
-        </p:spPr>
-      </p:pic>
-    </p:spTree>
-    <p:extLst>
-      <p:ext uri="{BB962C8B-B14F-4D97-AF65-F5344CB8AC3E}">
-        <p14:creationId xmlns:p14="http://schemas.microsoft.com/office/powerpoint/2010/main" val="973408331"/>
       </p:ext>
     </p:extLst>
   </p:cSld>

--- a/Presentacion Final CHUAMANI.pptx
+++ b/Presentacion Final CHUAMANI.pptx
@@ -4,8 +4,11 @@
   <p:sldMasterIdLst>
     <p:sldMasterId id="2147483648" r:id="rId1"/>
   </p:sldMasterIdLst>
+  <p:notesMasterIdLst>
+    <p:notesMasterId r:id="rId22"/>
+  </p:notesMasterIdLst>
   <p:sldIdLst>
-    <p:sldId id="277" r:id="rId2"/>
+    <p:sldId id="306" r:id="rId2"/>
     <p:sldId id="259" r:id="rId3"/>
     <p:sldId id="258" r:id="rId4"/>
     <p:sldId id="260" r:id="rId5"/>
@@ -129,6 +132,440 @@
     </p:ext>
   </p:extLst>
 </p:presentation>
+</file>
+
+<file path=ppt/notesMasters/notesMaster1.xml><?xml version="1.0" encoding="utf-8"?>
+<p:notesMaster xmlns:a="http://schemas.openxmlformats.org/drawingml/2006/main" xmlns:r="http://schemas.openxmlformats.org/officeDocument/2006/relationships" xmlns:p="http://schemas.openxmlformats.org/presentationml/2006/main">
+  <p:cSld>
+    <p:bg>
+      <p:bgRef idx="1001">
+        <a:schemeClr val="bg1"/>
+      </p:bgRef>
+    </p:bg>
+    <p:spTree>
+      <p:nvGrpSpPr>
+        <p:cNvPr id="1" name=""/>
+        <p:cNvGrpSpPr/>
+        <p:nvPr/>
+      </p:nvGrpSpPr>
+      <p:grpSpPr>
+        <a:xfrm>
+          <a:off x="0" y="0"/>
+          <a:ext cx="0" cy="0"/>
+          <a:chOff x="0" y="0"/>
+          <a:chExt cx="0" cy="0"/>
+        </a:xfrm>
+      </p:grpSpPr>
+      <p:sp>
+        <p:nvSpPr>
+          <p:cNvPr id="2" name="Marcador de encabezado 1"/>
+          <p:cNvSpPr>
+            <a:spLocks noGrp="1"/>
+          </p:cNvSpPr>
+          <p:nvPr>
+            <p:ph type="hdr" sz="quarter"/>
+          </p:nvPr>
+        </p:nvSpPr>
+        <p:spPr>
+          <a:xfrm>
+            <a:off x="0" y="0"/>
+            <a:ext cx="2971800" cy="458788"/>
+          </a:xfrm>
+          <a:prstGeom prst="rect">
+            <a:avLst/>
+          </a:prstGeom>
+        </p:spPr>
+        <p:txBody>
+          <a:bodyPr vert="horz" lIns="91440" tIns="45720" rIns="91440" bIns="45720" rtlCol="0"/>
+          <a:lstStyle>
+            <a:lvl1pPr algn="l">
+              <a:defRPr sz="1200"/>
+            </a:lvl1pPr>
+          </a:lstStyle>
+          <a:p>
+            <a:endParaRPr lang="es-ES"/>
+          </a:p>
+        </p:txBody>
+      </p:sp>
+      <p:sp>
+        <p:nvSpPr>
+          <p:cNvPr id="3" name="Marcador de fecha 2"/>
+          <p:cNvSpPr>
+            <a:spLocks noGrp="1"/>
+          </p:cNvSpPr>
+          <p:nvPr>
+            <p:ph type="dt" idx="1"/>
+          </p:nvPr>
+        </p:nvSpPr>
+        <p:spPr>
+          <a:xfrm>
+            <a:off x="3884613" y="0"/>
+            <a:ext cx="2971800" cy="458788"/>
+          </a:xfrm>
+          <a:prstGeom prst="rect">
+            <a:avLst/>
+          </a:prstGeom>
+        </p:spPr>
+        <p:txBody>
+          <a:bodyPr vert="horz" lIns="91440" tIns="45720" rIns="91440" bIns="45720" rtlCol="0"/>
+          <a:lstStyle>
+            <a:lvl1pPr algn="r">
+              <a:defRPr sz="1200"/>
+            </a:lvl1pPr>
+          </a:lstStyle>
+          <a:p>
+            <a:fld id="{D659E314-631F-462D-95D7-D06BF2BEAEB5}" type="datetimeFigureOut">
+              <a:rPr lang="es-ES" smtClean="0"/>
+              <a:t>16/09/2022</a:t>
+            </a:fld>
+            <a:endParaRPr lang="es-ES"/>
+          </a:p>
+        </p:txBody>
+      </p:sp>
+      <p:sp>
+        <p:nvSpPr>
+          <p:cNvPr id="4" name="Marcador de imagen de diapositiva 3"/>
+          <p:cNvSpPr>
+            <a:spLocks noGrp="1" noRot="1" noChangeAspect="1"/>
+          </p:cNvSpPr>
+          <p:nvPr>
+            <p:ph type="sldImg" idx="2"/>
+          </p:nvPr>
+        </p:nvSpPr>
+        <p:spPr>
+          <a:xfrm>
+            <a:off x="685800" y="1143000"/>
+            <a:ext cx="5486400" cy="3086100"/>
+          </a:xfrm>
+          <a:prstGeom prst="rect">
+            <a:avLst/>
+          </a:prstGeom>
+          <a:noFill/>
+          <a:ln w="12700">
+            <a:solidFill>
+              <a:prstClr val="black"/>
+            </a:solidFill>
+          </a:ln>
+        </p:spPr>
+        <p:txBody>
+          <a:bodyPr vert="horz" lIns="91440" tIns="45720" rIns="91440" bIns="45720" rtlCol="0" anchor="ctr"/>
+          <a:lstStyle/>
+          <a:p>
+            <a:endParaRPr lang="es-ES"/>
+          </a:p>
+        </p:txBody>
+      </p:sp>
+      <p:sp>
+        <p:nvSpPr>
+          <p:cNvPr id="5" name="Marcador de notas 4"/>
+          <p:cNvSpPr>
+            <a:spLocks noGrp="1"/>
+          </p:cNvSpPr>
+          <p:nvPr>
+            <p:ph type="body" sz="quarter" idx="3"/>
+          </p:nvPr>
+        </p:nvSpPr>
+        <p:spPr>
+          <a:xfrm>
+            <a:off x="685800" y="4400550"/>
+            <a:ext cx="5486400" cy="3600450"/>
+          </a:xfrm>
+          <a:prstGeom prst="rect">
+            <a:avLst/>
+          </a:prstGeom>
+        </p:spPr>
+        <p:txBody>
+          <a:bodyPr vert="horz" lIns="91440" tIns="45720" rIns="91440" bIns="45720" rtlCol="0"/>
+          <a:lstStyle/>
+          <a:p>
+            <a:pPr lvl="0"/>
+            <a:r>
+              <a:rPr lang="es-ES"/>
+              <a:t>Haga clic para modificar los estilos de texto del patrón</a:t>
+            </a:r>
+          </a:p>
+          <a:p>
+            <a:pPr lvl="1"/>
+            <a:r>
+              <a:rPr lang="es-ES"/>
+              <a:t>Segundo nivel</a:t>
+            </a:r>
+          </a:p>
+          <a:p>
+            <a:pPr lvl="2"/>
+            <a:r>
+              <a:rPr lang="es-ES"/>
+              <a:t>Tercer nivel</a:t>
+            </a:r>
+          </a:p>
+          <a:p>
+            <a:pPr lvl="3"/>
+            <a:r>
+              <a:rPr lang="es-ES"/>
+              <a:t>Cuarto nivel</a:t>
+            </a:r>
+          </a:p>
+          <a:p>
+            <a:pPr lvl="4"/>
+            <a:r>
+              <a:rPr lang="es-ES"/>
+              <a:t>Quinto nivel</a:t>
+            </a:r>
+          </a:p>
+        </p:txBody>
+      </p:sp>
+      <p:sp>
+        <p:nvSpPr>
+          <p:cNvPr id="6" name="Marcador de pie de página 5"/>
+          <p:cNvSpPr>
+            <a:spLocks noGrp="1"/>
+          </p:cNvSpPr>
+          <p:nvPr>
+            <p:ph type="ftr" sz="quarter" idx="4"/>
+          </p:nvPr>
+        </p:nvSpPr>
+        <p:spPr>
+          <a:xfrm>
+            <a:off x="0" y="8685213"/>
+            <a:ext cx="2971800" cy="458787"/>
+          </a:xfrm>
+          <a:prstGeom prst="rect">
+            <a:avLst/>
+          </a:prstGeom>
+        </p:spPr>
+        <p:txBody>
+          <a:bodyPr vert="horz" lIns="91440" tIns="45720" rIns="91440" bIns="45720" rtlCol="0" anchor="b"/>
+          <a:lstStyle>
+            <a:lvl1pPr algn="l">
+              <a:defRPr sz="1200"/>
+            </a:lvl1pPr>
+          </a:lstStyle>
+          <a:p>
+            <a:endParaRPr lang="es-ES"/>
+          </a:p>
+        </p:txBody>
+      </p:sp>
+      <p:sp>
+        <p:nvSpPr>
+          <p:cNvPr id="7" name="Marcador de número de diapositiva 6"/>
+          <p:cNvSpPr>
+            <a:spLocks noGrp="1"/>
+          </p:cNvSpPr>
+          <p:nvPr>
+            <p:ph type="sldNum" sz="quarter" idx="5"/>
+          </p:nvPr>
+        </p:nvSpPr>
+        <p:spPr>
+          <a:xfrm>
+            <a:off x="3884613" y="8685213"/>
+            <a:ext cx="2971800" cy="458787"/>
+          </a:xfrm>
+          <a:prstGeom prst="rect">
+            <a:avLst/>
+          </a:prstGeom>
+        </p:spPr>
+        <p:txBody>
+          <a:bodyPr vert="horz" lIns="91440" tIns="45720" rIns="91440" bIns="45720" rtlCol="0" anchor="b"/>
+          <a:lstStyle>
+            <a:lvl1pPr algn="r">
+              <a:defRPr sz="1200"/>
+            </a:lvl1pPr>
+          </a:lstStyle>
+          <a:p>
+            <a:fld id="{2892C6D2-9491-408B-80D3-E7529FD57DA5}" type="slidenum">
+              <a:rPr lang="es-ES" smtClean="0"/>
+              <a:t>‹Nº›</a:t>
+            </a:fld>
+            <a:endParaRPr lang="es-ES"/>
+          </a:p>
+        </p:txBody>
+      </p:sp>
+    </p:spTree>
+    <p:extLst>
+      <p:ext uri="{BB962C8B-B14F-4D97-AF65-F5344CB8AC3E}">
+        <p14:creationId xmlns:p14="http://schemas.microsoft.com/office/powerpoint/2010/main" val="3933378729"/>
+      </p:ext>
+    </p:extLst>
+  </p:cSld>
+  <p:clrMap bg1="lt1" tx1="dk1" bg2="lt2" tx2="dk2" accent1="accent1" accent2="accent2" accent3="accent3" accent4="accent4" accent5="accent5" accent6="accent6" hlink="hlink" folHlink="folHlink"/>
+  <p:notesStyle>
+    <a:lvl1pPr marL="0" algn="l" defTabSz="914400" rtl="0" eaLnBrk="1" latinLnBrk="0" hangingPunct="1">
+      <a:defRPr sz="1200" kern="1200">
+        <a:solidFill>
+          <a:schemeClr val="tx1"/>
+        </a:solidFill>
+        <a:latin typeface="+mn-lt"/>
+        <a:ea typeface="+mn-ea"/>
+        <a:cs typeface="+mn-cs"/>
+      </a:defRPr>
+    </a:lvl1pPr>
+    <a:lvl2pPr marL="457200" algn="l" defTabSz="914400" rtl="0" eaLnBrk="1" latinLnBrk="0" hangingPunct="1">
+      <a:defRPr sz="1200" kern="1200">
+        <a:solidFill>
+          <a:schemeClr val="tx1"/>
+        </a:solidFill>
+        <a:latin typeface="+mn-lt"/>
+        <a:ea typeface="+mn-ea"/>
+        <a:cs typeface="+mn-cs"/>
+      </a:defRPr>
+    </a:lvl2pPr>
+    <a:lvl3pPr marL="914400" algn="l" defTabSz="914400" rtl="0" eaLnBrk="1" latinLnBrk="0" hangingPunct="1">
+      <a:defRPr sz="1200" kern="1200">
+        <a:solidFill>
+          <a:schemeClr val="tx1"/>
+        </a:solidFill>
+        <a:latin typeface="+mn-lt"/>
+        <a:ea typeface="+mn-ea"/>
+        <a:cs typeface="+mn-cs"/>
+      </a:defRPr>
+    </a:lvl3pPr>
+    <a:lvl4pPr marL="1371600" algn="l" defTabSz="914400" rtl="0" eaLnBrk="1" latinLnBrk="0" hangingPunct="1">
+      <a:defRPr sz="1200" kern="1200">
+        <a:solidFill>
+          <a:schemeClr val="tx1"/>
+        </a:solidFill>
+        <a:latin typeface="+mn-lt"/>
+        <a:ea typeface="+mn-ea"/>
+        <a:cs typeface="+mn-cs"/>
+      </a:defRPr>
+    </a:lvl4pPr>
+    <a:lvl5pPr marL="1828800" algn="l" defTabSz="914400" rtl="0" eaLnBrk="1" latinLnBrk="0" hangingPunct="1">
+      <a:defRPr sz="1200" kern="1200">
+        <a:solidFill>
+          <a:schemeClr val="tx1"/>
+        </a:solidFill>
+        <a:latin typeface="+mn-lt"/>
+        <a:ea typeface="+mn-ea"/>
+        <a:cs typeface="+mn-cs"/>
+      </a:defRPr>
+    </a:lvl5pPr>
+    <a:lvl6pPr marL="2286000" algn="l" defTabSz="914400" rtl="0" eaLnBrk="1" latinLnBrk="0" hangingPunct="1">
+      <a:defRPr sz="1200" kern="1200">
+        <a:solidFill>
+          <a:schemeClr val="tx1"/>
+        </a:solidFill>
+        <a:latin typeface="+mn-lt"/>
+        <a:ea typeface="+mn-ea"/>
+        <a:cs typeface="+mn-cs"/>
+      </a:defRPr>
+    </a:lvl6pPr>
+    <a:lvl7pPr marL="2743200" algn="l" defTabSz="914400" rtl="0" eaLnBrk="1" latinLnBrk="0" hangingPunct="1">
+      <a:defRPr sz="1200" kern="1200">
+        <a:solidFill>
+          <a:schemeClr val="tx1"/>
+        </a:solidFill>
+        <a:latin typeface="+mn-lt"/>
+        <a:ea typeface="+mn-ea"/>
+        <a:cs typeface="+mn-cs"/>
+      </a:defRPr>
+    </a:lvl7pPr>
+    <a:lvl8pPr marL="3200400" algn="l" defTabSz="914400" rtl="0" eaLnBrk="1" latinLnBrk="0" hangingPunct="1">
+      <a:defRPr sz="1200" kern="1200">
+        <a:solidFill>
+          <a:schemeClr val="tx1"/>
+        </a:solidFill>
+        <a:latin typeface="+mn-lt"/>
+        <a:ea typeface="+mn-ea"/>
+        <a:cs typeface="+mn-cs"/>
+      </a:defRPr>
+    </a:lvl8pPr>
+    <a:lvl9pPr marL="3657600" algn="l" defTabSz="914400" rtl="0" eaLnBrk="1" latinLnBrk="0" hangingPunct="1">
+      <a:defRPr sz="1200" kern="1200">
+        <a:solidFill>
+          <a:schemeClr val="tx1"/>
+        </a:solidFill>
+        <a:latin typeface="+mn-lt"/>
+        <a:ea typeface="+mn-ea"/>
+        <a:cs typeface="+mn-cs"/>
+      </a:defRPr>
+    </a:lvl9pPr>
+  </p:notesStyle>
+</p:notesMaster>
+</file>
+
+<file path=ppt/notesSlides/notesSlide1.xml><?xml version="1.0" encoding="utf-8"?>
+<p:notes xmlns:a="http://schemas.openxmlformats.org/drawingml/2006/main" xmlns:r="http://schemas.openxmlformats.org/officeDocument/2006/relationships" xmlns:p="http://schemas.openxmlformats.org/presentationml/2006/main">
+  <p:cSld>
+    <p:spTree>
+      <p:nvGrpSpPr>
+        <p:cNvPr id="1" name=""/>
+        <p:cNvGrpSpPr/>
+        <p:nvPr/>
+      </p:nvGrpSpPr>
+      <p:grpSpPr>
+        <a:xfrm>
+          <a:off x="0" y="0"/>
+          <a:ext cx="0" cy="0"/>
+          <a:chOff x="0" y="0"/>
+          <a:chExt cx="0" cy="0"/>
+        </a:xfrm>
+      </p:grpSpPr>
+      <p:sp>
+        <p:nvSpPr>
+          <p:cNvPr id="2" name="Marcador de imagen de diapositiva 1"/>
+          <p:cNvSpPr>
+            <a:spLocks noGrp="1" noRot="1" noChangeAspect="1"/>
+          </p:cNvSpPr>
+          <p:nvPr>
+            <p:ph type="sldImg"/>
+          </p:nvPr>
+        </p:nvSpPr>
+        <p:spPr/>
+      </p:sp>
+      <p:sp>
+        <p:nvSpPr>
+          <p:cNvPr id="3" name="Marcador de notas 2"/>
+          <p:cNvSpPr>
+            <a:spLocks noGrp="1"/>
+          </p:cNvSpPr>
+          <p:nvPr>
+            <p:ph type="body" idx="1"/>
+          </p:nvPr>
+        </p:nvSpPr>
+        <p:spPr/>
+        <p:txBody>
+          <a:bodyPr/>
+          <a:lstStyle/>
+          <a:p>
+            <a:endParaRPr lang="es-ES"/>
+          </a:p>
+        </p:txBody>
+      </p:sp>
+      <p:sp>
+        <p:nvSpPr>
+          <p:cNvPr id="4" name="Marcador de número de diapositiva 3"/>
+          <p:cNvSpPr>
+            <a:spLocks noGrp="1"/>
+          </p:cNvSpPr>
+          <p:nvPr>
+            <p:ph type="sldNum" sz="quarter" idx="5"/>
+          </p:nvPr>
+        </p:nvSpPr>
+        <p:spPr/>
+        <p:txBody>
+          <a:bodyPr/>
+          <a:lstStyle/>
+          <a:p>
+            <a:pPr rtl="0"/>
+            <a:fld id="{D5939589-3E79-4C82-AA4A-FE78234FAA59}" type="slidenum">
+              <a:rPr lang="es-ES" smtClean="0"/>
+              <a:t>1</a:t>
+            </a:fld>
+            <a:endParaRPr lang="es-ES"/>
+          </a:p>
+        </p:txBody>
+      </p:sp>
+    </p:spTree>
+    <p:extLst>
+      <p:ext uri="{BB962C8B-B14F-4D97-AF65-F5344CB8AC3E}">
+        <p14:creationId xmlns:p14="http://schemas.microsoft.com/office/powerpoint/2010/main" val="3164873941"/>
+      </p:ext>
+    </p:extLst>
+  </p:cSld>
+  <p:clrMapOvr>
+    <a:masterClrMapping/>
+  </p:clrMapOvr>
+</p:notes>
 </file>
 
 <file path=ppt/slideLayouts/slideLayout1.xml><?xml version="1.0" encoding="utf-8"?>
@@ -3332,8 +3769,16 @@
 </file>
 
 <file path=ppt/slides/slide1.xml><?xml version="1.0" encoding="utf-8"?>
-<p:sld xmlns:a="http://schemas.openxmlformats.org/drawingml/2006/main" xmlns:r="http://schemas.openxmlformats.org/officeDocument/2006/relationships" xmlns:p="http://schemas.openxmlformats.org/presentationml/2006/main">
+<p:sld xmlns:a="http://schemas.openxmlformats.org/drawingml/2006/main" xmlns:r="http://schemas.openxmlformats.org/officeDocument/2006/relationships" xmlns:p="http://schemas.openxmlformats.org/presentationml/2006/main" showMasterSp="0">
   <p:cSld>
+    <p:bg>
+      <p:bgPr>
+        <a:solidFill>
+          <a:schemeClr val="tx1"/>
+        </a:solidFill>
+        <a:effectLst/>
+      </p:bgPr>
+    </p:bg>
     <p:spTree>
       <p:nvGrpSpPr>
         <p:cNvPr id="1" name=""/>
@@ -3348,10 +3793,110 @@
           <a:chExt cx="0" cy="0"/>
         </a:xfrm>
       </p:grpSpPr>
+      <p:sp>
+        <p:nvSpPr>
+          <p:cNvPr id="3" name="Subtítulo 2">
+            <a:extLst>
+              <a:ext uri="{FF2B5EF4-FFF2-40B4-BE49-F238E27FC236}">
+                <a16:creationId xmlns:a16="http://schemas.microsoft.com/office/drawing/2014/main" id="{A5F14073-9F68-4B7E-A576-26899D58C7A9}"/>
+              </a:ext>
+            </a:extLst>
+          </p:cNvPr>
+          <p:cNvSpPr>
+            <a:spLocks noGrp="1"/>
+          </p:cNvSpPr>
+          <p:nvPr>
+            <p:ph type="subTitle" idx="1"/>
+          </p:nvPr>
+        </p:nvSpPr>
+        <p:spPr>
+          <a:xfrm>
+            <a:off x="1524000" y="1488831"/>
+            <a:ext cx="9144000" cy="3768969"/>
+          </a:xfrm>
+        </p:spPr>
+        <p:txBody>
+          <a:bodyPr rtlCol="0">
+            <a:normAutofit/>
+          </a:bodyPr>
+          <a:lstStyle/>
+          <a:p>
+            <a:pPr rtl="0"/>
+            <a:r>
+              <a:rPr lang="es-ES" sz="2800" b="1" spc="400" dirty="0">
+                <a:solidFill>
+                  <a:schemeClr val="bg1"/>
+                </a:solidFill>
+              </a:rPr>
+              <a:t>Presentación De Trabajo Final</a:t>
+            </a:r>
+            <a:br>
+              <a:rPr lang="es-ES" sz="2800" spc="400" dirty="0">
+                <a:solidFill>
+                  <a:schemeClr val="bg1"/>
+                </a:solidFill>
+              </a:rPr>
+            </a:br>
+            <a:r>
+              <a:rPr lang="es-ES" sz="2800" dirty="0">
+                <a:solidFill>
+                  <a:schemeClr val="bg1"/>
+                </a:solidFill>
+              </a:rPr>
+              <a:t>Curso: ORACLE</a:t>
+            </a:r>
+          </a:p>
+          <a:p>
+            <a:pPr rtl="0"/>
+            <a:r>
+              <a:rPr lang="es-ES" sz="2800" dirty="0">
+                <a:solidFill>
+                  <a:schemeClr val="bg1"/>
+                </a:solidFill>
+              </a:rPr>
+              <a:t>DATABASE 19C:</a:t>
+            </a:r>
+          </a:p>
+          <a:p>
+            <a:pPr rtl="0"/>
+            <a:r>
+              <a:rPr lang="es-ES" sz="2800" dirty="0">
+                <a:solidFill>
+                  <a:schemeClr val="bg1"/>
+                </a:solidFill>
+              </a:rPr>
+              <a:t>ADMIN &amp; DEVELOPER</a:t>
+            </a:r>
+          </a:p>
+          <a:p>
+            <a:pPr rtl="0"/>
+            <a:endParaRPr lang="es-ES" sz="2800" dirty="0">
+              <a:solidFill>
+                <a:schemeClr val="bg1"/>
+              </a:solidFill>
+            </a:endParaRPr>
+          </a:p>
+          <a:p>
+            <a:pPr rtl="0"/>
+            <a:r>
+              <a:rPr lang="es-ES" sz="2800" dirty="0">
+                <a:solidFill>
+                  <a:schemeClr val="bg1"/>
+                </a:solidFill>
+              </a:rPr>
+              <a:t>Alumno: Cesar Augusto Huamani Castro</a:t>
+            </a:r>
+          </a:p>
+          <a:p>
+            <a:pPr rtl="0"/>
+            <a:endParaRPr lang="es-ES" dirty="0"/>
+          </a:p>
+        </p:txBody>
+      </p:sp>
     </p:spTree>
     <p:extLst>
       <p:ext uri="{BB962C8B-B14F-4D97-AF65-F5344CB8AC3E}">
-        <p14:creationId xmlns:p14="http://schemas.microsoft.com/office/powerpoint/2010/main" val="1094814791"/>
+        <p14:creationId xmlns:p14="http://schemas.microsoft.com/office/powerpoint/2010/main" val="114769864"/>
       </p:ext>
     </p:extLst>
   </p:cSld>
@@ -5959,4 +6504,299 @@
     </a:ext>
   </a:extLst>
 </a:theme>
+</file>
+
+<file path=ppt/theme/theme2.xml><?xml version="1.0" encoding="utf-8"?>
+<a:theme xmlns:a="http://schemas.openxmlformats.org/drawingml/2006/main" name="Tema de Office">
+  <a:themeElements>
+    <a:clrScheme name="Office">
+      <a:dk1>
+        <a:sysClr val="windowText" lastClr="000000"/>
+      </a:dk1>
+      <a:lt1>
+        <a:sysClr val="window" lastClr="FFFFFF"/>
+      </a:lt1>
+      <a:dk2>
+        <a:srgbClr val="44546A"/>
+      </a:dk2>
+      <a:lt2>
+        <a:srgbClr val="E7E6E6"/>
+      </a:lt2>
+      <a:accent1>
+        <a:srgbClr val="4472C4"/>
+      </a:accent1>
+      <a:accent2>
+        <a:srgbClr val="ED7D31"/>
+      </a:accent2>
+      <a:accent3>
+        <a:srgbClr val="A5A5A5"/>
+      </a:accent3>
+      <a:accent4>
+        <a:srgbClr val="FFC000"/>
+      </a:accent4>
+      <a:accent5>
+        <a:srgbClr val="5B9BD5"/>
+      </a:accent5>
+      <a:accent6>
+        <a:srgbClr val="70AD47"/>
+      </a:accent6>
+      <a:hlink>
+        <a:srgbClr val="0563C1"/>
+      </a:hlink>
+      <a:folHlink>
+        <a:srgbClr val="954F72"/>
+      </a:folHlink>
+    </a:clrScheme>
+    <a:fontScheme name="Office">
+      <a:majorFont>
+        <a:latin typeface="Calibri Light" panose="020F0302020204030204"/>
+        <a:ea typeface=""/>
+        <a:cs typeface=""/>
+        <a:font script="Jpan" typeface="游ゴシック Light"/>
+        <a:font script="Hang" typeface="맑은 고딕"/>
+        <a:font script="Hans" typeface="等线 Light"/>
+        <a:font script="Hant" typeface="新細明體"/>
+        <a:font script="Arab" typeface="Times New Roman"/>
+        <a:font script="Hebr" typeface="Times New Roman"/>
+        <a:font script="Thai" typeface="Angsana New"/>
+        <a:font script="Ethi" typeface="Nyala"/>
+        <a:font script="Beng" typeface="Vrinda"/>
+        <a:font script="Gujr" typeface="Shruti"/>
+        <a:font script="Khmr" typeface="MoolBoran"/>
+        <a:font script="Knda" typeface="Tunga"/>
+        <a:font script="Guru" typeface="Raavi"/>
+        <a:font script="Cans" typeface="Euphemia"/>
+        <a:font script="Cher" typeface="Plantagenet Cherokee"/>
+        <a:font script="Yiii" typeface="Microsoft Yi Baiti"/>
+        <a:font script="Tibt" typeface="Microsoft Himalaya"/>
+        <a:font script="Thaa" typeface="MV Boli"/>
+        <a:font script="Deva" typeface="Mangal"/>
+        <a:font script="Telu" typeface="Gautami"/>
+        <a:font script="Taml" typeface="Latha"/>
+        <a:font script="Syrc" typeface="Estrangelo Edessa"/>
+        <a:font script="Orya" typeface="Kalinga"/>
+        <a:font script="Mlym" typeface="Kartika"/>
+        <a:font script="Laoo" typeface="DokChampa"/>
+        <a:font script="Sinh" typeface="Iskoola Pota"/>
+        <a:font script="Mong" typeface="Mongolian Baiti"/>
+        <a:font script="Viet" typeface="Times New Roman"/>
+        <a:font script="Uigh" typeface="Microsoft Uighur"/>
+        <a:font script="Geor" typeface="Sylfaen"/>
+        <a:font script="Armn" typeface="Arial"/>
+        <a:font script="Bugi" typeface="Leelawadee UI"/>
+        <a:font script="Bopo" typeface="Microsoft JhengHei"/>
+        <a:font script="Java" typeface="Javanese Text"/>
+        <a:font script="Lisu" typeface="Segoe UI"/>
+        <a:font script="Mymr" typeface="Myanmar Text"/>
+        <a:font script="Nkoo" typeface="Ebrima"/>
+        <a:font script="Olck" typeface="Nirmala UI"/>
+        <a:font script="Osma" typeface="Ebrima"/>
+        <a:font script="Phag" typeface="Phagspa"/>
+        <a:font script="Syrn" typeface="Estrangelo Edessa"/>
+        <a:font script="Syrj" typeface="Estrangelo Edessa"/>
+        <a:font script="Syre" typeface="Estrangelo Edessa"/>
+        <a:font script="Sora" typeface="Nirmala UI"/>
+        <a:font script="Tale" typeface="Microsoft Tai Le"/>
+        <a:font script="Talu" typeface="Microsoft New Tai Lue"/>
+        <a:font script="Tfng" typeface="Ebrima"/>
+      </a:majorFont>
+      <a:minorFont>
+        <a:latin typeface="Calibri" panose="020F0502020204030204"/>
+        <a:ea typeface=""/>
+        <a:cs typeface=""/>
+        <a:font script="Jpan" typeface="游ゴシック"/>
+        <a:font script="Hang" typeface="맑은 고딕"/>
+        <a:font script="Hans" typeface="等线"/>
+        <a:font script="Hant" typeface="新細明體"/>
+        <a:font script="Arab" typeface="Arial"/>
+        <a:font script="Hebr" typeface="Arial"/>
+        <a:font script="Thai" typeface="Cordia New"/>
+        <a:font script="Ethi" typeface="Nyala"/>
+        <a:font script="Beng" typeface="Vrinda"/>
+        <a:font script="Gujr" typeface="Shruti"/>
+        <a:font script="Khmr" typeface="DaunPenh"/>
+        <a:font script="Knda" typeface="Tunga"/>
+        <a:font script="Guru" typeface="Raavi"/>
+        <a:font script="Cans" typeface="Euphemia"/>
+        <a:font script="Cher" typeface="Plantagenet Cherokee"/>
+        <a:font script="Yiii" typeface="Microsoft Yi Baiti"/>
+        <a:font script="Tibt" typeface="Microsoft Himalaya"/>
+        <a:font script="Thaa" typeface="MV Boli"/>
+        <a:font script="Deva" typeface="Mangal"/>
+        <a:font script="Telu" typeface="Gautami"/>
+        <a:font script="Taml" typeface="Latha"/>
+        <a:font script="Syrc" typeface="Estrangelo Edessa"/>
+        <a:font script="Orya" typeface="Kalinga"/>
+        <a:font script="Mlym" typeface="Kartika"/>
+        <a:font script="Laoo" typeface="DokChampa"/>
+        <a:font script="Sinh" typeface="Iskoola Pota"/>
+        <a:font script="Mong" typeface="Mongolian Baiti"/>
+        <a:font script="Viet" typeface="Arial"/>
+        <a:font script="Uigh" typeface="Microsoft Uighur"/>
+        <a:font script="Geor" typeface="Sylfaen"/>
+        <a:font script="Armn" typeface="Arial"/>
+        <a:font script="Bugi" typeface="Leelawadee UI"/>
+        <a:font script="Bopo" typeface="Microsoft JhengHei"/>
+        <a:font script="Java" typeface="Javanese Text"/>
+        <a:font script="Lisu" typeface="Segoe UI"/>
+        <a:font script="Mymr" typeface="Myanmar Text"/>
+        <a:font script="Nkoo" typeface="Ebrima"/>
+        <a:font script="Olck" typeface="Nirmala UI"/>
+        <a:font script="Osma" typeface="Ebrima"/>
+        <a:font script="Phag" typeface="Phagspa"/>
+        <a:font script="Syrn" typeface="Estrangelo Edessa"/>
+        <a:font script="Syrj" typeface="Estrangelo Edessa"/>
+        <a:font script="Syre" typeface="Estrangelo Edessa"/>
+        <a:font script="Sora" typeface="Nirmala UI"/>
+        <a:font script="Tale" typeface="Microsoft Tai Le"/>
+        <a:font script="Talu" typeface="Microsoft New Tai Lue"/>
+        <a:font script="Tfng" typeface="Ebrima"/>
+      </a:minorFont>
+    </a:fontScheme>
+    <a:fmtScheme name="Office">
+      <a:fillStyleLst>
+        <a:solidFill>
+          <a:schemeClr val="phClr"/>
+        </a:solidFill>
+        <a:gradFill rotWithShape="1">
+          <a:gsLst>
+            <a:gs pos="0">
+              <a:schemeClr val="phClr">
+                <a:lumMod val="110000"/>
+                <a:satMod val="105000"/>
+                <a:tint val="67000"/>
+              </a:schemeClr>
+            </a:gs>
+            <a:gs pos="50000">
+              <a:schemeClr val="phClr">
+                <a:lumMod val="105000"/>
+                <a:satMod val="103000"/>
+                <a:tint val="73000"/>
+              </a:schemeClr>
+            </a:gs>
+            <a:gs pos="100000">
+              <a:schemeClr val="phClr">
+                <a:lumMod val="105000"/>
+                <a:satMod val="109000"/>
+                <a:tint val="81000"/>
+              </a:schemeClr>
+            </a:gs>
+          </a:gsLst>
+          <a:lin ang="5400000" scaled="0"/>
+        </a:gradFill>
+        <a:gradFill rotWithShape="1">
+          <a:gsLst>
+            <a:gs pos="0">
+              <a:schemeClr val="phClr">
+                <a:satMod val="103000"/>
+                <a:lumMod val="102000"/>
+                <a:tint val="94000"/>
+              </a:schemeClr>
+            </a:gs>
+            <a:gs pos="50000">
+              <a:schemeClr val="phClr">
+                <a:satMod val="110000"/>
+                <a:lumMod val="100000"/>
+                <a:shade val="100000"/>
+              </a:schemeClr>
+            </a:gs>
+            <a:gs pos="100000">
+              <a:schemeClr val="phClr">
+                <a:lumMod val="99000"/>
+                <a:satMod val="120000"/>
+                <a:shade val="78000"/>
+              </a:schemeClr>
+            </a:gs>
+          </a:gsLst>
+          <a:lin ang="5400000" scaled="0"/>
+        </a:gradFill>
+      </a:fillStyleLst>
+      <a:lnStyleLst>
+        <a:ln w="6350" cap="flat" cmpd="sng" algn="ctr">
+          <a:solidFill>
+            <a:schemeClr val="phClr"/>
+          </a:solidFill>
+          <a:prstDash val="solid"/>
+          <a:miter lim="800000"/>
+        </a:ln>
+        <a:ln w="12700" cap="flat" cmpd="sng" algn="ctr">
+          <a:solidFill>
+            <a:schemeClr val="phClr"/>
+          </a:solidFill>
+          <a:prstDash val="solid"/>
+          <a:miter lim="800000"/>
+        </a:ln>
+        <a:ln w="19050" cap="flat" cmpd="sng" algn="ctr">
+          <a:solidFill>
+            <a:schemeClr val="phClr"/>
+          </a:solidFill>
+          <a:prstDash val="solid"/>
+          <a:miter lim="800000"/>
+        </a:ln>
+      </a:lnStyleLst>
+      <a:effectStyleLst>
+        <a:effectStyle>
+          <a:effectLst/>
+        </a:effectStyle>
+        <a:effectStyle>
+          <a:effectLst/>
+        </a:effectStyle>
+        <a:effectStyle>
+          <a:effectLst>
+            <a:outerShdw blurRad="57150" dist="19050" dir="5400000" algn="ctr" rotWithShape="0">
+              <a:srgbClr val="000000">
+                <a:alpha val="63000"/>
+              </a:srgbClr>
+            </a:outerShdw>
+          </a:effectLst>
+        </a:effectStyle>
+      </a:effectStyleLst>
+      <a:bgFillStyleLst>
+        <a:solidFill>
+          <a:schemeClr val="phClr"/>
+        </a:solidFill>
+        <a:solidFill>
+          <a:schemeClr val="phClr">
+            <a:tint val="95000"/>
+            <a:satMod val="170000"/>
+          </a:schemeClr>
+        </a:solidFill>
+        <a:gradFill rotWithShape="1">
+          <a:gsLst>
+            <a:gs pos="0">
+              <a:schemeClr val="phClr">
+                <a:tint val="93000"/>
+                <a:satMod val="150000"/>
+                <a:shade val="98000"/>
+                <a:lumMod val="102000"/>
+              </a:schemeClr>
+            </a:gs>
+            <a:gs pos="50000">
+              <a:schemeClr val="phClr">
+                <a:tint val="98000"/>
+                <a:satMod val="130000"/>
+                <a:shade val="90000"/>
+                <a:lumMod val="103000"/>
+              </a:schemeClr>
+            </a:gs>
+            <a:gs pos="100000">
+              <a:schemeClr val="phClr">
+                <a:shade val="63000"/>
+                <a:satMod val="120000"/>
+              </a:schemeClr>
+            </a:gs>
+          </a:gsLst>
+          <a:lin ang="5400000" scaled="0"/>
+        </a:gradFill>
+      </a:bgFillStyleLst>
+    </a:fmtScheme>
+  </a:themeElements>
+  <a:objectDefaults/>
+  <a:extraClrSchemeLst/>
+  <a:extLst>
+    <a:ext uri="{05A4C25C-085E-4340-85A3-A5531E510DB2}">
+      <thm15:themeFamily xmlns:thm15="http://schemas.microsoft.com/office/thememl/2012/main" name="Office Theme" id="{62F939B6-93AF-4DB8-9C6B-D6C7DFDC589F}" vid="{4A3C46E8-61CC-4603-A589-7422A47A8E4A}"/>
+    </a:ext>
+  </a:extLst>
+</a:theme>
 </file>